--- a/text/ВКР_преза.pptx
+++ b/text/ВКР_преза.pptx
@@ -5,10 +5,10 @@
     <p:sldMasterId id="2147483648" r:id="rId1"/>
   </p:sldMasterIdLst>
   <p:notesMasterIdLst>
-    <p:notesMasterId r:id="rId9"/>
+    <p:notesMasterId r:id="rId13"/>
   </p:notesMasterIdLst>
   <p:handoutMasterIdLst>
-    <p:handoutMasterId r:id="rId10"/>
+    <p:handoutMasterId r:id="rId14"/>
   </p:handoutMasterIdLst>
   <p:sldIdLst>
     <p:sldId id="256" r:id="rId2"/>
@@ -17,7 +17,11 @@
     <p:sldId id="259" r:id="rId5"/>
     <p:sldId id="260" r:id="rId6"/>
     <p:sldId id="261" r:id="rId7"/>
-    <p:sldId id="262" r:id="rId8"/>
+    <p:sldId id="263" r:id="rId8"/>
+    <p:sldId id="262" r:id="rId9"/>
+    <p:sldId id="264" r:id="rId10"/>
+    <p:sldId id="265" r:id="rId11"/>
+    <p:sldId id="266" r:id="rId12"/>
   </p:sldIdLst>
   <p:sldSz cx="12192000" cy="6858000"/>
   <p:notesSz cx="6858000" cy="9144000"/>
@@ -4222,6 +4226,220 @@
 </p:sld>
 </file>
 
+<file path=ppt/slides/slide10.xml><?xml version="1.0" encoding="utf-8"?>
+<p:sld xmlns:a="http://schemas.openxmlformats.org/drawingml/2006/main" xmlns:r="http://schemas.openxmlformats.org/officeDocument/2006/relationships" xmlns:p="http://schemas.openxmlformats.org/presentationml/2006/main">
+  <p:cSld>
+    <p:spTree>
+      <p:nvGrpSpPr>
+        <p:cNvPr id="1" name=""/>
+        <p:cNvGrpSpPr/>
+        <p:nvPr/>
+      </p:nvGrpSpPr>
+      <p:grpSpPr>
+        <a:xfrm>
+          <a:off x="0" y="0"/>
+          <a:ext cx="0" cy="0"/>
+          <a:chOff x="0" y="0"/>
+          <a:chExt cx="0" cy="0"/>
+        </a:xfrm>
+      </p:grpSpPr>
+      <p:sp>
+        <p:nvSpPr>
+          <p:cNvPr id="7" name="Номер слайда 6">
+            <a:extLst>
+              <a:ext uri="{FF2B5EF4-FFF2-40B4-BE49-F238E27FC236}">
+                <a16:creationId xmlns:a16="http://schemas.microsoft.com/office/drawing/2014/main" id="{1F92D821-E28A-5FDA-0B87-E79FDB88A215}"/>
+              </a:ext>
+            </a:extLst>
+          </p:cNvPr>
+          <p:cNvSpPr>
+            <a:spLocks noGrp="1"/>
+          </p:cNvSpPr>
+          <p:nvPr>
+            <p:ph type="sldNum" sz="quarter" idx="12"/>
+          </p:nvPr>
+        </p:nvSpPr>
+        <p:spPr/>
+        <p:txBody>
+          <a:bodyPr/>
+          <a:lstStyle/>
+          <a:p>
+            <a:fld id="{36B25E5C-C684-4992-99DD-DF99FD03ACF3}" type="slidenum">
+              <a:rPr lang="ru-RU" smtClean="0"/>
+              <a:t>10</a:t>
+            </a:fld>
+            <a:endParaRPr lang="ru-RU" dirty="0"/>
+          </a:p>
+        </p:txBody>
+      </p:sp>
+      <p:sp>
+        <p:nvSpPr>
+          <p:cNvPr id="25" name="Заголовок 1">
+            <a:extLst>
+              <a:ext uri="{FF2B5EF4-FFF2-40B4-BE49-F238E27FC236}">
+                <a16:creationId xmlns:a16="http://schemas.microsoft.com/office/drawing/2014/main" id="{F580BB72-6A76-5C57-51F7-FA1DBBFB9442}"/>
+              </a:ext>
+            </a:extLst>
+          </p:cNvPr>
+          <p:cNvSpPr>
+            <a:spLocks noGrp="1"/>
+          </p:cNvSpPr>
+          <p:nvPr>
+            <p:ph type="title"/>
+          </p:nvPr>
+        </p:nvSpPr>
+        <p:spPr>
+          <a:xfrm>
+            <a:off x="1062447" y="365125"/>
+            <a:ext cx="10067108" cy="885857"/>
+          </a:xfrm>
+        </p:spPr>
+        <p:txBody>
+          <a:bodyPr>
+            <a:normAutofit/>
+          </a:bodyPr>
+          <a:lstStyle/>
+          <a:p>
+            <a:pPr algn="ctr"/>
+            <a:r>
+              <a:rPr lang="ru-RU" sz="3600" b="1" kern="1200" dirty="0">
+                <a:solidFill>
+                  <a:srgbClr val="000000"/>
+                </a:solidFill>
+                <a:effectLst/>
+                <a:latin typeface="Times New Roman" panose="02020603050405020304" pitchFamily="18" charset="0"/>
+                <a:ea typeface="+mj-ea"/>
+                <a:cs typeface="Times New Roman" panose="02020603050405020304" pitchFamily="18" charset="0"/>
+              </a:rPr>
+              <a:t>Результаты</a:t>
+            </a:r>
+            <a:endParaRPr lang="ru-RU" sz="3600" b="1" dirty="0">
+              <a:latin typeface="Times New Roman" panose="02020603050405020304" pitchFamily="18" charset="0"/>
+              <a:cs typeface="Times New Roman" panose="02020603050405020304" pitchFamily="18" charset="0"/>
+            </a:endParaRPr>
+          </a:p>
+        </p:txBody>
+      </p:sp>
+    </p:spTree>
+    <p:extLst>
+      <p:ext uri="{BB962C8B-B14F-4D97-AF65-F5344CB8AC3E}">
+        <p14:creationId xmlns:p14="http://schemas.microsoft.com/office/powerpoint/2010/main" val="1045529555"/>
+      </p:ext>
+    </p:extLst>
+  </p:cSld>
+  <p:clrMapOvr>
+    <a:masterClrMapping/>
+  </p:clrMapOvr>
+</p:sld>
+</file>
+
+<file path=ppt/slides/slide11.xml><?xml version="1.0" encoding="utf-8"?>
+<p:sld xmlns:a="http://schemas.openxmlformats.org/drawingml/2006/main" xmlns:r="http://schemas.openxmlformats.org/officeDocument/2006/relationships" xmlns:p="http://schemas.openxmlformats.org/presentationml/2006/main">
+  <p:cSld>
+    <p:spTree>
+      <p:nvGrpSpPr>
+        <p:cNvPr id="1" name=""/>
+        <p:cNvGrpSpPr/>
+        <p:nvPr/>
+      </p:nvGrpSpPr>
+      <p:grpSpPr>
+        <a:xfrm>
+          <a:off x="0" y="0"/>
+          <a:ext cx="0" cy="0"/>
+          <a:chOff x="0" y="0"/>
+          <a:chExt cx="0" cy="0"/>
+        </a:xfrm>
+      </p:grpSpPr>
+      <p:sp>
+        <p:nvSpPr>
+          <p:cNvPr id="7" name="Номер слайда 6">
+            <a:extLst>
+              <a:ext uri="{FF2B5EF4-FFF2-40B4-BE49-F238E27FC236}">
+                <a16:creationId xmlns:a16="http://schemas.microsoft.com/office/drawing/2014/main" id="{1F92D821-E28A-5FDA-0B87-E79FDB88A215}"/>
+              </a:ext>
+            </a:extLst>
+          </p:cNvPr>
+          <p:cNvSpPr>
+            <a:spLocks noGrp="1"/>
+          </p:cNvSpPr>
+          <p:nvPr>
+            <p:ph type="sldNum" sz="quarter" idx="12"/>
+          </p:nvPr>
+        </p:nvSpPr>
+        <p:spPr/>
+        <p:txBody>
+          <a:bodyPr/>
+          <a:lstStyle/>
+          <a:p>
+            <a:fld id="{36B25E5C-C684-4992-99DD-DF99FD03ACF3}" type="slidenum">
+              <a:rPr lang="ru-RU" smtClean="0"/>
+              <a:t>11</a:t>
+            </a:fld>
+            <a:endParaRPr lang="ru-RU" dirty="0"/>
+          </a:p>
+        </p:txBody>
+      </p:sp>
+      <p:sp>
+        <p:nvSpPr>
+          <p:cNvPr id="25" name="Заголовок 1">
+            <a:extLst>
+              <a:ext uri="{FF2B5EF4-FFF2-40B4-BE49-F238E27FC236}">
+                <a16:creationId xmlns:a16="http://schemas.microsoft.com/office/drawing/2014/main" id="{F580BB72-6A76-5C57-51F7-FA1DBBFB9442}"/>
+              </a:ext>
+            </a:extLst>
+          </p:cNvPr>
+          <p:cNvSpPr>
+            <a:spLocks noGrp="1"/>
+          </p:cNvSpPr>
+          <p:nvPr>
+            <p:ph type="title"/>
+          </p:nvPr>
+        </p:nvSpPr>
+        <p:spPr>
+          <a:xfrm>
+            <a:off x="1062447" y="365125"/>
+            <a:ext cx="10067108" cy="885857"/>
+          </a:xfrm>
+        </p:spPr>
+        <p:txBody>
+          <a:bodyPr>
+            <a:normAutofit/>
+          </a:bodyPr>
+          <a:lstStyle/>
+          <a:p>
+            <a:pPr algn="ctr"/>
+            <a:r>
+              <a:rPr lang="ru-RU" sz="3600" b="1" kern="1200" dirty="0">
+                <a:solidFill>
+                  <a:srgbClr val="000000"/>
+                </a:solidFill>
+                <a:effectLst/>
+                <a:latin typeface="Times New Roman" panose="02020603050405020304" pitchFamily="18" charset="0"/>
+                <a:ea typeface="+mj-ea"/>
+                <a:cs typeface="Times New Roman" panose="02020603050405020304" pitchFamily="18" charset="0"/>
+              </a:rPr>
+              <a:t>Результаты</a:t>
+            </a:r>
+            <a:endParaRPr lang="ru-RU" sz="3600" b="1" dirty="0">
+              <a:latin typeface="Times New Roman" panose="02020603050405020304" pitchFamily="18" charset="0"/>
+              <a:cs typeface="Times New Roman" panose="02020603050405020304" pitchFamily="18" charset="0"/>
+            </a:endParaRPr>
+          </a:p>
+        </p:txBody>
+      </p:sp>
+    </p:spTree>
+    <p:extLst>
+      <p:ext uri="{BB962C8B-B14F-4D97-AF65-F5344CB8AC3E}">
+        <p14:creationId xmlns:p14="http://schemas.microsoft.com/office/powerpoint/2010/main" val="1021418473"/>
+      </p:ext>
+    </p:extLst>
+  </p:cSld>
+  <p:clrMapOvr>
+    <a:masterClrMapping/>
+  </p:clrMapOvr>
+</p:sld>
+</file>
+
 <file path=ppt/slides/slide2.xml><?xml version="1.0" encoding="utf-8"?>
 <p:sld xmlns:a="http://schemas.openxmlformats.org/drawingml/2006/main" xmlns:r="http://schemas.openxmlformats.org/officeDocument/2006/relationships" xmlns:p="http://schemas.openxmlformats.org/presentationml/2006/main">
   <p:cSld>
@@ -4577,10 +4795,10 @@
         </p:nvGrpSpPr>
         <p:grpSpPr>
           <a:xfrm>
-            <a:off x="737434" y="2782641"/>
-            <a:ext cx="4480714" cy="3706583"/>
+            <a:off x="665741" y="2523611"/>
+            <a:ext cx="4780500" cy="3868337"/>
             <a:chOff x="910147" y="1690687"/>
-            <a:chExt cx="4500909" cy="3673063"/>
+            <a:chExt cx="4470312" cy="3653888"/>
           </a:xfrm>
         </p:grpSpPr>
         <p:sp>
@@ -4597,8 +4815,8 @@
           </p:nvSpPr>
           <p:spPr>
             <a:xfrm>
-              <a:off x="910147" y="4967258"/>
-              <a:ext cx="4500909" cy="396492"/>
+              <a:off x="1129201" y="4966646"/>
+              <a:ext cx="4251258" cy="377929"/>
             </a:xfrm>
             <a:prstGeom prst="rect">
               <a:avLst/>
@@ -4606,17 +4824,18 @@
             <a:noFill/>
           </p:spPr>
           <p:txBody>
-            <a:bodyPr wrap="none" rtlCol="0">
+            <a:bodyPr wrap="none" rtlCol="0" anchor="ctr">
               <a:spAutoFit/>
             </a:bodyPr>
             <a:lstStyle/>
             <a:p>
+              <a:pPr algn="ctr"/>
               <a:r>
                 <a:rPr lang="ru-RU" sz="2000" dirty="0">
                   <a:latin typeface="Times New Roman" panose="02020603050405020304" pitchFamily="18" charset="0"/>
                   <a:cs typeface="Times New Roman" panose="02020603050405020304" pitchFamily="18" charset="0"/>
                 </a:rPr>
-                <a:t>Рис. 1  Плотность распределение Рэлея</a:t>
+                <a:t>Рис. 1.  Плотность распределение Рэлея</a:t>
               </a:r>
             </a:p>
           </p:txBody>
@@ -4652,8 +4871,8 @@
           </p:spPr>
         </p:pic>
       </p:grpSp>
-      <mc:AlternateContent xmlns:mc="http://schemas.openxmlformats.org/markup-compatibility/2006">
-        <mc:Choice xmlns:a14="http://schemas.microsoft.com/office/drawing/2010/main" Requires="a14">
+      <mc:AlternateContent xmlns:mc="http://schemas.openxmlformats.org/markup-compatibility/2006" xmlns:a14="http://schemas.microsoft.com/office/drawing/2010/main">
+        <mc:Choice Requires="a14">
           <p:sp>
             <p:nvSpPr>
               <p:cNvPr id="19" name="TextBox 18">
@@ -4668,7 +4887,7 @@
             </p:nvSpPr>
             <p:spPr>
               <a:xfrm>
-                <a:off x="1216240" y="1857265"/>
+                <a:off x="1249796" y="1697597"/>
                 <a:ext cx="3169330" cy="379399"/>
               </a:xfrm>
               <a:prstGeom prst="rect">
@@ -4778,7 +4997,7 @@
             </p:txBody>
           </p:sp>
         </mc:Choice>
-        <mc:Fallback>
+        <mc:Fallback xmlns="">
           <p:sp>
             <p:nvSpPr>
               <p:cNvPr id="19" name="TextBox 18">
@@ -4795,7 +5014,7 @@
             </p:nvSpPr>
             <p:spPr>
               <a:xfrm>
-                <a:off x="1216240" y="1857265"/>
+                <a:off x="1249796" y="1697597"/>
                 <a:ext cx="3169330" cy="379399"/>
               </a:xfrm>
               <a:prstGeom prst="rect">
@@ -4804,7 +5023,7 @@
               <a:blipFill>
                 <a:blip r:embed="rId3"/>
                 <a:stretch>
-                  <a:fillRect l="-3468" t="-25806" r="-3854" b="-46774"/>
+                  <a:fillRect l="-3269" t="-23810" r="-3846" b="-46032"/>
                 </a:stretch>
               </a:blipFill>
             </p:spPr>
@@ -4871,6 +5090,126 @@
           </a:p>
         </p:txBody>
       </p:sp>
+      <p:grpSp>
+        <p:nvGrpSpPr>
+          <p:cNvPr id="5" name="Группа 4">
+            <a:extLst>
+              <a:ext uri="{FF2B5EF4-FFF2-40B4-BE49-F238E27FC236}">
+                <a16:creationId xmlns:a16="http://schemas.microsoft.com/office/drawing/2014/main" id="{36C33DA3-EA4E-71E8-559E-B35F6402D0E4}"/>
+              </a:ext>
+            </a:extLst>
+          </p:cNvPr>
+          <p:cNvGrpSpPr/>
+          <p:nvPr/>
+        </p:nvGrpSpPr>
+        <p:grpSpPr>
+          <a:xfrm>
+            <a:off x="5812347" y="1479209"/>
+            <a:ext cx="5541453" cy="4912739"/>
+            <a:chOff x="6096000" y="1580136"/>
+            <a:chExt cx="5541453" cy="4912739"/>
+          </a:xfrm>
+        </p:grpSpPr>
+        <p:pic>
+          <p:nvPicPr>
+            <p:cNvPr id="2" name="Рисунок 1">
+              <a:extLst>
+                <a:ext uri="{FF2B5EF4-FFF2-40B4-BE49-F238E27FC236}">
+                  <a16:creationId xmlns:a16="http://schemas.microsoft.com/office/drawing/2014/main" id="{7BB72080-ED86-BFEF-6D10-32835B2DB09D}"/>
+                </a:ext>
+              </a:extLst>
+            </p:cNvPr>
+            <p:cNvPicPr>
+              <a:picLocks noChangeAspect="1"/>
+            </p:cNvPicPr>
+            <p:nvPr/>
+          </p:nvPicPr>
+          <p:blipFill>
+            <a:blip r:embed="rId4"/>
+            <a:stretch>
+              <a:fillRect/>
+            </a:stretch>
+          </p:blipFill>
+          <p:spPr>
+            <a:xfrm>
+              <a:off x="6762109" y="1580136"/>
+              <a:ext cx="4209231" cy="2160000"/>
+            </a:xfrm>
+            <a:prstGeom prst="rect">
+              <a:avLst/>
+            </a:prstGeom>
+          </p:spPr>
+        </p:pic>
+        <p:pic>
+          <p:nvPicPr>
+            <p:cNvPr id="3" name="Рисунок 2">
+              <a:extLst>
+                <a:ext uri="{FF2B5EF4-FFF2-40B4-BE49-F238E27FC236}">
+                  <a16:creationId xmlns:a16="http://schemas.microsoft.com/office/drawing/2014/main" id="{B507E652-F723-A029-AEC7-6C4CCC7BFDCA}"/>
+                </a:ext>
+              </a:extLst>
+            </p:cNvPr>
+            <p:cNvPicPr>
+              <a:picLocks noChangeAspect="1"/>
+            </p:cNvPicPr>
+            <p:nvPr/>
+          </p:nvPicPr>
+          <p:blipFill>
+            <a:blip r:embed="rId5"/>
+            <a:stretch>
+              <a:fillRect/>
+            </a:stretch>
+          </p:blipFill>
+          <p:spPr>
+            <a:xfrm>
+              <a:off x="6762110" y="3836450"/>
+              <a:ext cx="4209231" cy="2160000"/>
+            </a:xfrm>
+            <a:prstGeom prst="rect">
+              <a:avLst/>
+            </a:prstGeom>
+          </p:spPr>
+        </p:pic>
+        <p:sp>
+          <p:nvSpPr>
+            <p:cNvPr id="4" name="TextBox 3">
+              <a:extLst>
+                <a:ext uri="{FF2B5EF4-FFF2-40B4-BE49-F238E27FC236}">
+                  <a16:creationId xmlns:a16="http://schemas.microsoft.com/office/drawing/2014/main" id="{85858D38-C2DD-2A22-E135-DE968E0EF902}"/>
+                </a:ext>
+              </a:extLst>
+            </p:cNvPr>
+            <p:cNvSpPr txBox="1"/>
+            <p:nvPr/>
+          </p:nvSpPr>
+          <p:spPr>
+            <a:xfrm>
+              <a:off x="6096000" y="6092765"/>
+              <a:ext cx="5541453" cy="400110"/>
+            </a:xfrm>
+            <a:prstGeom prst="rect">
+              <a:avLst/>
+            </a:prstGeom>
+            <a:noFill/>
+          </p:spPr>
+          <p:txBody>
+            <a:bodyPr wrap="none" rtlCol="0">
+              <a:spAutoFit/>
+            </a:bodyPr>
+            <a:lstStyle/>
+            <a:p>
+              <a:pPr algn="ctr"/>
+              <a:r>
+                <a:rPr lang="ru-RU" sz="2000" dirty="0">
+                  <a:latin typeface="Times New Roman" panose="02020603050405020304" pitchFamily="18" charset="0"/>
+                  <a:cs typeface="Times New Roman" panose="02020603050405020304" pitchFamily="18" charset="0"/>
+                </a:rPr>
+                <a:t>Рис. 2. Изображение до и после наложения шума</a:t>
+              </a:r>
+            </a:p>
+          </p:txBody>
+        </p:sp>
+      </p:grpSp>
     </p:spTree>
     <p:extLst>
       <p:ext uri="{BB962C8B-B14F-4D97-AF65-F5344CB8AC3E}">
@@ -4993,9 +5332,9 @@
         <p:grpSpPr>
           <a:xfrm>
             <a:off x="1062447" y="1421993"/>
-            <a:ext cx="4480714" cy="5070882"/>
+            <a:ext cx="3702500" cy="4414124"/>
             <a:chOff x="6364443" y="1418341"/>
-            <a:chExt cx="4480714" cy="5070882"/>
+            <a:chExt cx="3702500" cy="4414124"/>
           </a:xfrm>
         </p:grpSpPr>
         <p:pic>
@@ -5028,7 +5367,7 @@
           <p:spPr bwMode="auto">
             <a:xfrm>
               <a:off x="6364443" y="1418341"/>
-              <a:ext cx="4480714" cy="4670772"/>
+              <a:ext cx="3702500" cy="3859549"/>
             </a:xfrm>
             <a:prstGeom prst="rect">
               <a:avLst/>
@@ -5053,8 +5392,8 @@
           </p:nvSpPr>
           <p:spPr>
             <a:xfrm>
-              <a:off x="7091787" y="6089113"/>
-              <a:ext cx="3037626" cy="400110"/>
+              <a:off x="6696880" y="5432355"/>
+              <a:ext cx="3101747" cy="400110"/>
             </a:xfrm>
             <a:prstGeom prst="rect">
               <a:avLst/>
@@ -5072,7 +5411,107 @@
                   <a:latin typeface="Times New Roman" panose="02020603050405020304" pitchFamily="18" charset="0"/>
                   <a:cs typeface="Times New Roman" panose="02020603050405020304" pitchFamily="18" charset="0"/>
                 </a:rPr>
-                <a:t>Рис 2. «Скользящее окно»</a:t>
+                <a:t>Рис. 3. «Скользящее окно»</a:t>
+              </a:r>
+            </a:p>
+          </p:txBody>
+        </p:sp>
+      </p:grpSp>
+      <p:grpSp>
+        <p:nvGrpSpPr>
+          <p:cNvPr id="12" name="Группа 11">
+            <a:extLst>
+              <a:ext uri="{FF2B5EF4-FFF2-40B4-BE49-F238E27FC236}">
+                <a16:creationId xmlns:a16="http://schemas.microsoft.com/office/drawing/2014/main" id="{DCFE0BC7-6900-09AA-A3D9-65185B07585F}"/>
+              </a:ext>
+            </a:extLst>
+          </p:cNvPr>
+          <p:cNvGrpSpPr/>
+          <p:nvPr/>
+        </p:nvGrpSpPr>
+        <p:grpSpPr>
+          <a:xfrm>
+            <a:off x="5217209" y="2122629"/>
+            <a:ext cx="6279204" cy="2458276"/>
+            <a:chOff x="5074596" y="2077606"/>
+            <a:chExt cx="6279204" cy="2458276"/>
+          </a:xfrm>
+        </p:grpSpPr>
+        <p:pic>
+          <p:nvPicPr>
+            <p:cNvPr id="10" name="Рисунок 9" descr="Изображение выглядит как диаграмма&#10;&#10;Автоматически созданное описание">
+              <a:extLst>
+                <a:ext uri="{FF2B5EF4-FFF2-40B4-BE49-F238E27FC236}">
+                  <a16:creationId xmlns:a16="http://schemas.microsoft.com/office/drawing/2014/main" id="{5D95FB74-E040-476E-006B-D1088F66BA2D}"/>
+                </a:ext>
+              </a:extLst>
+            </p:cNvPr>
+            <p:cNvPicPr>
+              <a:picLocks noChangeAspect="1"/>
+            </p:cNvPicPr>
+            <p:nvPr/>
+          </p:nvPicPr>
+          <p:blipFill>
+            <a:blip r:embed="rId3" cstate="print">
+              <a:extLst>
+                <a:ext uri="{28A0092B-C50C-407E-A947-70E740481C1C}">
+                  <a14:useLocalDpi xmlns:a14="http://schemas.microsoft.com/office/drawing/2010/main" val="0"/>
+                </a:ext>
+              </a:extLst>
+            </a:blip>
+            <a:srcRect/>
+            <a:stretch>
+              <a:fillRect/>
+            </a:stretch>
+          </p:blipFill>
+          <p:spPr bwMode="auto">
+            <a:xfrm>
+              <a:off x="5074596" y="2077606"/>
+              <a:ext cx="6279204" cy="1988144"/>
+            </a:xfrm>
+            <a:prstGeom prst="rect">
+              <a:avLst/>
+            </a:prstGeom>
+            <a:noFill/>
+            <a:ln>
+              <a:noFill/>
+            </a:ln>
+          </p:spPr>
+        </p:pic>
+        <p:sp>
+          <p:nvSpPr>
+            <p:cNvPr id="11" name="TextBox 10">
+              <a:extLst>
+                <a:ext uri="{FF2B5EF4-FFF2-40B4-BE49-F238E27FC236}">
+                  <a16:creationId xmlns:a16="http://schemas.microsoft.com/office/drawing/2014/main" id="{70FA03F5-2C18-C72E-371F-3EA933C1D74E}"/>
+                </a:ext>
+              </a:extLst>
+            </p:cNvPr>
+            <p:cNvSpPr txBox="1"/>
+            <p:nvPr/>
+          </p:nvSpPr>
+          <p:spPr>
+            <a:xfrm>
+              <a:off x="5878045" y="4135772"/>
+              <a:ext cx="4736425" cy="400110"/>
+            </a:xfrm>
+            <a:prstGeom prst="rect">
+              <a:avLst/>
+            </a:prstGeom>
+            <a:noFill/>
+          </p:spPr>
+          <p:txBody>
+            <a:bodyPr wrap="none" rtlCol="0">
+              <a:spAutoFit/>
+            </a:bodyPr>
+            <a:lstStyle/>
+            <a:p>
+              <a:r>
+                <a:rPr lang="ru-RU" sz="2000" dirty="0">
+                  <a:latin typeface="Times New Roman" panose="02020603050405020304" pitchFamily="18" charset="0"/>
+                  <a:cs typeface="Times New Roman" panose="02020603050405020304" pitchFamily="18" charset="0"/>
+                </a:rPr>
+                <a:t>Рис. 4. Преобразование матрицы в вектор</a:t>
               </a:r>
             </a:p>
           </p:txBody>
@@ -5176,12 +5615,122 @@
                 <a:ea typeface="+mj-ea"/>
                 <a:cs typeface="Times New Roman" panose="02020603050405020304" pitchFamily="18" charset="0"/>
               </a:rPr>
-              <a:t>Создание набора данных для обучения</a:t>
+              <a:t>Архитектура нейронной сети</a:t>
             </a:r>
             <a:endParaRPr lang="ru-RU" sz="3600" b="1" dirty="0">
               <a:latin typeface="Times New Roman" panose="02020603050405020304" pitchFamily="18" charset="0"/>
               <a:cs typeface="Times New Roman" panose="02020603050405020304" pitchFamily="18" charset="0"/>
             </a:endParaRPr>
+          </a:p>
+        </p:txBody>
+      </p:sp>
+      <p:pic>
+        <p:nvPicPr>
+          <p:cNvPr id="10" name="Рисунок 9" descr="Изображение выглядит как текст, снимок экрана, Публикация, книга&#10;&#10;Автоматически созданное описание">
+            <a:extLst>
+              <a:ext uri="{FF2B5EF4-FFF2-40B4-BE49-F238E27FC236}">
+                <a16:creationId xmlns:a16="http://schemas.microsoft.com/office/drawing/2014/main" id="{84CC0FFF-75BE-3212-B161-540CD06B6E65}"/>
+              </a:ext>
+            </a:extLst>
+          </p:cNvPr>
+          <p:cNvPicPr>
+            <a:picLocks noChangeAspect="1"/>
+          </p:cNvPicPr>
+          <p:nvPr/>
+        </p:nvPicPr>
+        <p:blipFill>
+          <a:blip r:embed="rId2">
+            <a:extLst>
+              <a:ext uri="{28A0092B-C50C-407E-A947-70E740481C1C}">
+                <a14:useLocalDpi xmlns:a14="http://schemas.microsoft.com/office/drawing/2010/main" val="0"/>
+              </a:ext>
+            </a:extLst>
+          </a:blip>
+          <a:stretch>
+            <a:fillRect/>
+          </a:stretch>
+        </p:blipFill>
+        <p:spPr>
+          <a:xfrm>
+            <a:off x="1062447" y="1374947"/>
+            <a:ext cx="5940813" cy="2520000"/>
+          </a:xfrm>
+          <a:prstGeom prst="rect">
+            <a:avLst/>
+          </a:prstGeom>
+        </p:spPr>
+      </p:pic>
+      <p:pic>
+        <p:nvPicPr>
+          <p:cNvPr id="12" name="Рисунок 11" descr="Изображение выглядит как текст, снимок экрана, Публикация, книга&#10;&#10;Автоматически созданное описание">
+            <a:extLst>
+              <a:ext uri="{FF2B5EF4-FFF2-40B4-BE49-F238E27FC236}">
+                <a16:creationId xmlns:a16="http://schemas.microsoft.com/office/drawing/2014/main" id="{AD7003C2-7F38-BF14-C67D-D36B488D536B}"/>
+              </a:ext>
+            </a:extLst>
+          </p:cNvPr>
+          <p:cNvPicPr>
+            <a:picLocks noChangeAspect="1"/>
+          </p:cNvPicPr>
+          <p:nvPr/>
+        </p:nvPicPr>
+        <p:blipFill>
+          <a:blip r:embed="rId3">
+            <a:extLst>
+              <a:ext uri="{28A0092B-C50C-407E-A947-70E740481C1C}">
+                <a14:useLocalDpi xmlns:a14="http://schemas.microsoft.com/office/drawing/2010/main" val="0"/>
+              </a:ext>
+            </a:extLst>
+          </a:blip>
+          <a:stretch>
+            <a:fillRect/>
+          </a:stretch>
+        </p:blipFill>
+        <p:spPr>
+          <a:xfrm>
+            <a:off x="1062447" y="4018912"/>
+            <a:ext cx="5940814" cy="2520000"/>
+          </a:xfrm>
+          <a:prstGeom prst="rect">
+            <a:avLst/>
+          </a:prstGeom>
+        </p:spPr>
+      </p:pic>
+      <p:sp>
+        <p:nvSpPr>
+          <p:cNvPr id="13" name="TextBox 12">
+            <a:extLst>
+              <a:ext uri="{FF2B5EF4-FFF2-40B4-BE49-F238E27FC236}">
+                <a16:creationId xmlns:a16="http://schemas.microsoft.com/office/drawing/2014/main" id="{C2A82E5E-E40B-4912-DA62-7247E0CB0D34}"/>
+              </a:ext>
+            </a:extLst>
+          </p:cNvPr>
+          <p:cNvSpPr txBox="1"/>
+          <p:nvPr/>
+        </p:nvSpPr>
+        <p:spPr>
+          <a:xfrm>
+            <a:off x="7426295" y="2634947"/>
+            <a:ext cx="3854153" cy="1569660"/>
+          </a:xfrm>
+          <a:prstGeom prst="rect">
+            <a:avLst/>
+          </a:prstGeom>
+          <a:noFill/>
+        </p:spPr>
+        <p:txBody>
+          <a:bodyPr wrap="square" rtlCol="0">
+            <a:spAutoFit/>
+          </a:bodyPr>
+          <a:lstStyle/>
+          <a:p>
+            <a:r>
+              <a:rPr lang="ru-RU" sz="2400" dirty="0">
+                <a:latin typeface="Times New Roman" panose="02020603050405020304" pitchFamily="18" charset="0"/>
+                <a:cs typeface="Times New Roman" panose="02020603050405020304" pitchFamily="18" charset="0"/>
+              </a:rPr>
+              <a:t>Рис. 5. Архитектура нейронной сети для задачи регрессии (сверху), задачи классификации (снизу) </a:t>
+            </a:r>
           </a:p>
         </p:txBody>
       </p:sp>
@@ -5283,12 +5832,1534 @@
                 <a:ea typeface="+mj-ea"/>
                 <a:cs typeface="Times New Roman" panose="02020603050405020304" pitchFamily="18" charset="0"/>
               </a:rPr>
-              <a:t>Создание набора данных для обучения</a:t>
+              <a:t>Обучение нейронной сети</a:t>
             </a:r>
             <a:endParaRPr lang="ru-RU" sz="3600" b="1" dirty="0">
               <a:latin typeface="Times New Roman" panose="02020603050405020304" pitchFamily="18" charset="0"/>
               <a:cs typeface="Times New Roman" panose="02020603050405020304" pitchFamily="18" charset="0"/>
             </a:endParaRPr>
+          </a:p>
+        </p:txBody>
+      </p:sp>
+      <mc:AlternateContent xmlns:mc="http://schemas.openxmlformats.org/markup-compatibility/2006">
+        <mc:Choice xmlns:a14="http://schemas.microsoft.com/office/drawing/2010/main" Requires="a14">
+          <p:graphicFrame>
+            <p:nvGraphicFramePr>
+              <p:cNvPr id="2" name="Таблица 2">
+                <a:extLst>
+                  <a:ext uri="{FF2B5EF4-FFF2-40B4-BE49-F238E27FC236}">
+                    <a16:creationId xmlns:a16="http://schemas.microsoft.com/office/drawing/2014/main" id="{1EA03196-36C4-937F-C4DA-99DBD10ACD12}"/>
+                  </a:ext>
+                </a:extLst>
+              </p:cNvPr>
+              <p:cNvGraphicFramePr>
+                <a:graphicFrameLocks noGrp="1"/>
+              </p:cNvGraphicFramePr>
+              <p:nvPr>
+                <p:extLst>
+                  <p:ext uri="{D42A27DB-BD31-4B8C-83A1-F6EECF244321}">
+                    <p14:modId xmlns:p14="http://schemas.microsoft.com/office/powerpoint/2010/main" val="3523328057"/>
+                  </p:ext>
+                </p:extLst>
+              </p:nvPr>
+            </p:nvGraphicFramePr>
+            <p:xfrm>
+              <a:off x="353494" y="1996963"/>
+              <a:ext cx="6141310" cy="2626234"/>
+            </p:xfrm>
+            <a:graphic>
+              <a:graphicData uri="http://schemas.openxmlformats.org/drawingml/2006/table">
+                <a:tbl>
+                  <a:tblPr firstRow="1" bandRow="1">
+                    <a:tableStyleId>{2D5ABB26-0587-4C30-8999-92F81FD0307C}</a:tableStyleId>
+                  </a:tblPr>
+                  <a:tblGrid>
+                    <a:gridCol w="2261519">
+                      <a:extLst>
+                        <a:ext uri="{9D8B030D-6E8A-4147-A177-3AD203B41FA5}">
+                          <a16:colId xmlns:a16="http://schemas.microsoft.com/office/drawing/2014/main" val="2433080646"/>
+                        </a:ext>
+                      </a:extLst>
+                    </a:gridCol>
+                    <a:gridCol w="3879791">
+                      <a:extLst>
+                        <a:ext uri="{9D8B030D-6E8A-4147-A177-3AD203B41FA5}">
+                          <a16:colId xmlns:a16="http://schemas.microsoft.com/office/drawing/2014/main" val="2758475671"/>
+                        </a:ext>
+                      </a:extLst>
+                    </a:gridCol>
+                  </a:tblGrid>
+                  <a:tr h="370840">
+                    <a:tc>
+                      <a:txBody>
+                        <a:bodyPr/>
+                        <a:lstStyle/>
+                        <a:p>
+                          <a:pPr algn="ctr"/>
+                          <a:r>
+                            <a:rPr lang="ru-RU" sz="2400" dirty="0">
+                              <a:latin typeface="Times New Roman" panose="02020603050405020304" pitchFamily="18" charset="0"/>
+                              <a:cs typeface="Times New Roman" panose="02020603050405020304" pitchFamily="18" charset="0"/>
+                            </a:rPr>
+                            <a:t>Тип задачи</a:t>
+                          </a:r>
+                        </a:p>
+                      </a:txBody>
+                      <a:tcPr>
+                        <a:lnL w="12700" cap="flat" cmpd="sng" algn="ctr">
+                          <a:solidFill>
+                            <a:schemeClr val="tx1"/>
+                          </a:solidFill>
+                          <a:prstDash val="solid"/>
+                          <a:round/>
+                          <a:headEnd type="none" w="med" len="med"/>
+                          <a:tailEnd type="none" w="med" len="med"/>
+                        </a:lnL>
+                        <a:lnR w="12700" cap="flat" cmpd="sng" algn="ctr">
+                          <a:solidFill>
+                            <a:schemeClr val="tx1"/>
+                          </a:solidFill>
+                          <a:prstDash val="solid"/>
+                          <a:round/>
+                          <a:headEnd type="none" w="med" len="med"/>
+                          <a:tailEnd type="none" w="med" len="med"/>
+                        </a:lnR>
+                        <a:lnT w="12700" cap="flat" cmpd="sng" algn="ctr">
+                          <a:solidFill>
+                            <a:schemeClr val="tx1"/>
+                          </a:solidFill>
+                          <a:prstDash val="solid"/>
+                          <a:round/>
+                          <a:headEnd type="none" w="med" len="med"/>
+                          <a:tailEnd type="none" w="med" len="med"/>
+                        </a:lnT>
+                        <a:lnB w="12700" cap="flat" cmpd="sng" algn="ctr">
+                          <a:solidFill>
+                            <a:schemeClr val="tx1"/>
+                          </a:solidFill>
+                          <a:prstDash val="solid"/>
+                          <a:round/>
+                          <a:headEnd type="none" w="med" len="med"/>
+                          <a:tailEnd type="none" w="med" len="med"/>
+                        </a:lnB>
+                      </a:tcPr>
+                    </a:tc>
+                    <a:tc>
+                      <a:txBody>
+                        <a:bodyPr/>
+                        <a:lstStyle/>
+                        <a:p>
+                          <a:pPr algn="ctr"/>
+                          <a:r>
+                            <a:rPr lang="ru-RU" sz="2400" dirty="0">
+                              <a:latin typeface="Times New Roman" panose="02020603050405020304" pitchFamily="18" charset="0"/>
+                              <a:cs typeface="Times New Roman" panose="02020603050405020304" pitchFamily="18" charset="0"/>
+                            </a:rPr>
+                            <a:t>Функция потерь</a:t>
+                          </a:r>
+                        </a:p>
+                      </a:txBody>
+                      <a:tcPr>
+                        <a:lnL w="12700" cap="flat" cmpd="sng" algn="ctr">
+                          <a:solidFill>
+                            <a:schemeClr val="tx1"/>
+                          </a:solidFill>
+                          <a:prstDash val="solid"/>
+                          <a:round/>
+                          <a:headEnd type="none" w="med" len="med"/>
+                          <a:tailEnd type="none" w="med" len="med"/>
+                        </a:lnL>
+                        <a:lnR w="12700" cap="flat" cmpd="sng" algn="ctr">
+                          <a:solidFill>
+                            <a:schemeClr val="tx1"/>
+                          </a:solidFill>
+                          <a:prstDash val="solid"/>
+                          <a:round/>
+                          <a:headEnd type="none" w="med" len="med"/>
+                          <a:tailEnd type="none" w="med" len="med"/>
+                        </a:lnR>
+                        <a:lnT w="12700" cap="flat" cmpd="sng" algn="ctr">
+                          <a:solidFill>
+                            <a:schemeClr val="tx1"/>
+                          </a:solidFill>
+                          <a:prstDash val="solid"/>
+                          <a:round/>
+                          <a:headEnd type="none" w="med" len="med"/>
+                          <a:tailEnd type="none" w="med" len="med"/>
+                        </a:lnT>
+                        <a:lnB w="12700" cap="flat" cmpd="sng" algn="ctr">
+                          <a:solidFill>
+                            <a:schemeClr val="tx1"/>
+                          </a:solidFill>
+                          <a:prstDash val="solid"/>
+                          <a:round/>
+                          <a:headEnd type="none" w="med" len="med"/>
+                          <a:tailEnd type="none" w="med" len="med"/>
+                        </a:lnB>
+                      </a:tcPr>
+                    </a:tc>
+                    <a:extLst>
+                      <a:ext uri="{0D108BD9-81ED-4DB2-BD59-A6C34878D82A}">
+                        <a16:rowId xmlns:a16="http://schemas.microsoft.com/office/drawing/2014/main" val="3626682432"/>
+                      </a:ext>
+                    </a:extLst>
+                  </a:tr>
+                  <a:tr h="370840">
+                    <a:tc>
+                      <a:txBody>
+                        <a:bodyPr/>
+                        <a:lstStyle/>
+                        <a:p>
+                          <a:pPr algn="l"/>
+                          <a:r>
+                            <a:rPr lang="ru-RU" sz="2400" dirty="0">
+                              <a:latin typeface="Times New Roman" panose="02020603050405020304" pitchFamily="18" charset="0"/>
+                              <a:cs typeface="Times New Roman" panose="02020603050405020304" pitchFamily="18" charset="0"/>
+                            </a:rPr>
+                            <a:t>Регрессия </a:t>
+                          </a:r>
+                        </a:p>
+                      </a:txBody>
+                      <a:tcPr>
+                        <a:lnL w="12700" cap="flat" cmpd="sng" algn="ctr">
+                          <a:solidFill>
+                            <a:schemeClr val="tx1"/>
+                          </a:solidFill>
+                          <a:prstDash val="solid"/>
+                          <a:round/>
+                          <a:headEnd type="none" w="med" len="med"/>
+                          <a:tailEnd type="none" w="med" len="med"/>
+                        </a:lnL>
+                        <a:lnR w="12700" cap="flat" cmpd="sng" algn="ctr">
+                          <a:solidFill>
+                            <a:schemeClr val="tx1"/>
+                          </a:solidFill>
+                          <a:prstDash val="solid"/>
+                          <a:round/>
+                          <a:headEnd type="none" w="med" len="med"/>
+                          <a:tailEnd type="none" w="med" len="med"/>
+                        </a:lnR>
+                        <a:lnT w="12700" cap="flat" cmpd="sng" algn="ctr">
+                          <a:solidFill>
+                            <a:schemeClr val="tx1"/>
+                          </a:solidFill>
+                          <a:prstDash val="solid"/>
+                          <a:round/>
+                          <a:headEnd type="none" w="med" len="med"/>
+                          <a:tailEnd type="none" w="med" len="med"/>
+                        </a:lnT>
+                        <a:lnB w="12700" cap="flat" cmpd="sng" algn="ctr">
+                          <a:solidFill>
+                            <a:schemeClr val="tx1"/>
+                          </a:solidFill>
+                          <a:prstDash val="solid"/>
+                          <a:round/>
+                          <a:headEnd type="none" w="med" len="med"/>
+                          <a:tailEnd type="none" w="med" len="med"/>
+                        </a:lnB>
+                      </a:tcPr>
+                    </a:tc>
+                    <a:tc>
+                      <a:txBody>
+                        <a:bodyPr/>
+                        <a:lstStyle/>
+                        <a:p>
+                          <a:pPr algn="l"/>
+                          <a14:m>
+                            <m:oMathPara xmlns:m="http://schemas.openxmlformats.org/officeDocument/2006/math">
+                              <m:oMathParaPr>
+                                <m:jc m:val="centerGroup"/>
+                              </m:oMathParaPr>
+                              <m:oMath xmlns:m="http://schemas.openxmlformats.org/officeDocument/2006/math">
+                                <m:sSub>
+                                  <m:sSubPr>
+                                    <m:ctrlPr>
+                                      <a:rPr lang="ru-RU" sz="2400" i="1" kern="1200" smtClean="0">
+                                        <a:solidFill>
+                                          <a:schemeClr val="tx1"/>
+                                        </a:solidFill>
+                                        <a:effectLst/>
+                                        <a:latin typeface="+mn-lt"/>
+                                        <a:ea typeface="+mn-ea"/>
+                                        <a:cs typeface="+mn-cs"/>
+                                      </a:rPr>
+                                    </m:ctrlPr>
+                                  </m:sSubPr>
+                                  <m:e>
+                                    <m:r>
+                                      <a:rPr lang="ru-RU" sz="2400" i="1" kern="1200">
+                                        <a:solidFill>
+                                          <a:schemeClr val="tx1"/>
+                                        </a:solidFill>
+                                        <a:effectLst/>
+                                        <a:latin typeface="+mn-lt"/>
+                                        <a:ea typeface="+mn-ea"/>
+                                        <a:cs typeface="+mn-cs"/>
+                                      </a:rPr>
+                                      <m:t>𝐿</m:t>
+                                    </m:r>
+                                  </m:e>
+                                  <m:sub>
+                                    <m:r>
+                                      <a:rPr lang="ru-RU" sz="2400" i="1" kern="1200">
+                                        <a:solidFill>
+                                          <a:schemeClr val="tx1"/>
+                                        </a:solidFill>
+                                        <a:effectLst/>
+                                        <a:latin typeface="+mn-lt"/>
+                                        <a:ea typeface="+mn-ea"/>
+                                        <a:cs typeface="+mn-cs"/>
+                                      </a:rPr>
+                                      <m:t>СКО</m:t>
+                                    </m:r>
+                                  </m:sub>
+                                </m:sSub>
+                                <m:r>
+                                  <a:rPr lang="ru-RU" sz="2400" i="1" kern="1200">
+                                    <a:solidFill>
+                                      <a:schemeClr val="tx1"/>
+                                    </a:solidFill>
+                                    <a:effectLst/>
+                                    <a:latin typeface="+mn-lt"/>
+                                    <a:ea typeface="+mn-ea"/>
+                                    <a:cs typeface="+mn-cs"/>
+                                  </a:rPr>
+                                  <m:t>=</m:t>
+                                </m:r>
+                                <m:f>
+                                  <m:fPr>
+                                    <m:ctrlPr>
+                                      <a:rPr lang="ru-RU" sz="2400" i="1" kern="1200">
+                                        <a:solidFill>
+                                          <a:schemeClr val="tx1"/>
+                                        </a:solidFill>
+                                        <a:effectLst/>
+                                        <a:latin typeface="+mn-lt"/>
+                                        <a:ea typeface="+mn-ea"/>
+                                        <a:cs typeface="+mn-cs"/>
+                                      </a:rPr>
+                                    </m:ctrlPr>
+                                  </m:fPr>
+                                  <m:num>
+                                    <m:r>
+                                      <a:rPr lang="ru-RU" sz="2400" i="1" kern="1200">
+                                        <a:solidFill>
+                                          <a:schemeClr val="tx1"/>
+                                        </a:solidFill>
+                                        <a:effectLst/>
+                                        <a:latin typeface="+mn-lt"/>
+                                        <a:ea typeface="+mn-ea"/>
+                                        <a:cs typeface="+mn-cs"/>
+                                      </a:rPr>
+                                      <m:t>1</m:t>
+                                    </m:r>
+                                  </m:num>
+                                  <m:den>
+                                    <m:r>
+                                      <a:rPr lang="en-US" sz="2400" i="1" kern="1200">
+                                        <a:solidFill>
+                                          <a:schemeClr val="tx1"/>
+                                        </a:solidFill>
+                                        <a:effectLst/>
+                                        <a:latin typeface="+mn-lt"/>
+                                        <a:ea typeface="+mn-ea"/>
+                                        <a:cs typeface="+mn-cs"/>
+                                      </a:rPr>
+                                      <m:t>𝑛</m:t>
+                                    </m:r>
+                                  </m:den>
+                                </m:f>
+                                <m:nary>
+                                  <m:naryPr>
+                                    <m:chr m:val="∑"/>
+                                    <m:limLoc m:val="undOvr"/>
+                                    <m:ctrlPr>
+                                      <a:rPr lang="ru-RU" sz="2400" i="1" kern="1200">
+                                        <a:solidFill>
+                                          <a:schemeClr val="tx1"/>
+                                        </a:solidFill>
+                                        <a:effectLst/>
+                                        <a:latin typeface="+mn-lt"/>
+                                        <a:ea typeface="+mn-ea"/>
+                                        <a:cs typeface="+mn-cs"/>
+                                      </a:rPr>
+                                    </m:ctrlPr>
+                                  </m:naryPr>
+                                  <m:sub>
+                                    <m:r>
+                                      <a:rPr lang="ru-RU" sz="2400" i="1" kern="1200">
+                                        <a:solidFill>
+                                          <a:schemeClr val="tx1"/>
+                                        </a:solidFill>
+                                        <a:effectLst/>
+                                        <a:latin typeface="+mn-lt"/>
+                                        <a:ea typeface="+mn-ea"/>
+                                        <a:cs typeface="+mn-cs"/>
+                                      </a:rPr>
+                                      <m:t>𝑖</m:t>
+                                    </m:r>
+                                    <m:r>
+                                      <a:rPr lang="ru-RU" sz="2400" i="1" kern="1200">
+                                        <a:solidFill>
+                                          <a:schemeClr val="tx1"/>
+                                        </a:solidFill>
+                                        <a:effectLst/>
+                                        <a:latin typeface="+mn-lt"/>
+                                        <a:ea typeface="+mn-ea"/>
+                                        <a:cs typeface="+mn-cs"/>
+                                      </a:rPr>
+                                      <m:t>=1</m:t>
+                                    </m:r>
+                                  </m:sub>
+                                  <m:sup>
+                                    <m:r>
+                                      <a:rPr lang="ru-RU" sz="2400" i="1" kern="1200">
+                                        <a:solidFill>
+                                          <a:schemeClr val="tx1"/>
+                                        </a:solidFill>
+                                        <a:effectLst/>
+                                        <a:latin typeface="+mn-lt"/>
+                                        <a:ea typeface="+mn-ea"/>
+                                        <a:cs typeface="+mn-cs"/>
+                                      </a:rPr>
+                                      <m:t>𝑛</m:t>
+                                    </m:r>
+                                  </m:sup>
+                                  <m:e>
+                                    <m:sSup>
+                                      <m:sSupPr>
+                                        <m:ctrlPr>
+                                          <a:rPr lang="ru-RU" sz="2400" i="1" kern="1200">
+                                            <a:solidFill>
+                                              <a:schemeClr val="tx1"/>
+                                            </a:solidFill>
+                                            <a:effectLst/>
+                                            <a:latin typeface="+mn-lt"/>
+                                            <a:ea typeface="+mn-ea"/>
+                                            <a:cs typeface="+mn-cs"/>
+                                          </a:rPr>
+                                        </m:ctrlPr>
+                                      </m:sSupPr>
+                                      <m:e>
+                                        <m:d>
+                                          <m:dPr>
+                                            <m:ctrlPr>
+                                              <a:rPr lang="ru-RU" sz="2400" i="1" kern="1200">
+                                                <a:solidFill>
+                                                  <a:schemeClr val="tx1"/>
+                                                </a:solidFill>
+                                                <a:effectLst/>
+                                                <a:latin typeface="+mn-lt"/>
+                                                <a:ea typeface="+mn-ea"/>
+                                                <a:cs typeface="+mn-cs"/>
+                                              </a:rPr>
+                                            </m:ctrlPr>
+                                          </m:dPr>
+                                          <m:e>
+                                            <m:sSub>
+                                              <m:sSubPr>
+                                                <m:ctrlPr>
+                                                  <a:rPr lang="ru-RU" sz="2400" i="1" kern="1200">
+                                                    <a:solidFill>
+                                                      <a:schemeClr val="tx1"/>
+                                                    </a:solidFill>
+                                                    <a:effectLst/>
+                                                    <a:latin typeface="+mn-lt"/>
+                                                    <a:ea typeface="+mn-ea"/>
+                                                    <a:cs typeface="+mn-cs"/>
+                                                  </a:rPr>
+                                                </m:ctrlPr>
+                                              </m:sSubPr>
+                                              <m:e>
+                                                <m:r>
+                                                  <a:rPr lang="ru-RU" sz="2400" i="1" kern="1200">
+                                                    <a:solidFill>
+                                                      <a:schemeClr val="tx1"/>
+                                                    </a:solidFill>
+                                                    <a:effectLst/>
+                                                    <a:latin typeface="+mn-lt"/>
+                                                    <a:ea typeface="+mn-ea"/>
+                                                    <a:cs typeface="+mn-cs"/>
+                                                  </a:rPr>
+                                                  <m:t>𝑦</m:t>
+                                                </m:r>
+                                              </m:e>
+                                              <m:sub>
+                                                <m:r>
+                                                  <a:rPr lang="ru-RU" sz="2400" i="1" kern="1200">
+                                                    <a:solidFill>
+                                                      <a:schemeClr val="tx1"/>
+                                                    </a:solidFill>
+                                                    <a:effectLst/>
+                                                    <a:latin typeface="+mn-lt"/>
+                                                    <a:ea typeface="+mn-ea"/>
+                                                    <a:cs typeface="+mn-cs"/>
+                                                  </a:rPr>
+                                                  <m:t>𝑖</m:t>
+                                                </m:r>
+                                              </m:sub>
+                                            </m:sSub>
+                                            <m:r>
+                                              <a:rPr lang="ru-RU" sz="2400" i="1" kern="1200">
+                                                <a:solidFill>
+                                                  <a:schemeClr val="tx1"/>
+                                                </a:solidFill>
+                                                <a:effectLst/>
+                                                <a:latin typeface="+mn-lt"/>
+                                                <a:ea typeface="+mn-ea"/>
+                                                <a:cs typeface="+mn-cs"/>
+                                              </a:rPr>
+                                              <m:t>−</m:t>
+                                            </m:r>
+                                            <m:acc>
+                                              <m:accPr>
+                                                <m:chr m:val="̂"/>
+                                                <m:ctrlPr>
+                                                  <a:rPr lang="ru-RU" sz="2400" i="1" kern="1200">
+                                                    <a:solidFill>
+                                                      <a:schemeClr val="tx1"/>
+                                                    </a:solidFill>
+                                                    <a:effectLst/>
+                                                    <a:latin typeface="+mn-lt"/>
+                                                    <a:ea typeface="+mn-ea"/>
+                                                    <a:cs typeface="+mn-cs"/>
+                                                  </a:rPr>
+                                                </m:ctrlPr>
+                                              </m:accPr>
+                                              <m:e>
+                                                <m:sSub>
+                                                  <m:sSubPr>
+                                                    <m:ctrlPr>
+                                                      <a:rPr lang="ru-RU" sz="2400" i="1" kern="1200">
+                                                        <a:solidFill>
+                                                          <a:schemeClr val="tx1"/>
+                                                        </a:solidFill>
+                                                        <a:effectLst/>
+                                                        <a:latin typeface="+mn-lt"/>
+                                                        <a:ea typeface="+mn-ea"/>
+                                                        <a:cs typeface="+mn-cs"/>
+                                                      </a:rPr>
+                                                    </m:ctrlPr>
+                                                  </m:sSubPr>
+                                                  <m:e>
+                                                    <m:r>
+                                                      <a:rPr lang="ru-RU" sz="2400" i="1" kern="1200">
+                                                        <a:solidFill>
+                                                          <a:schemeClr val="tx1"/>
+                                                        </a:solidFill>
+                                                        <a:effectLst/>
+                                                        <a:latin typeface="+mn-lt"/>
+                                                        <a:ea typeface="+mn-ea"/>
+                                                        <a:cs typeface="+mn-cs"/>
+                                                      </a:rPr>
+                                                      <m:t>𝑦</m:t>
+                                                    </m:r>
+                                                  </m:e>
+                                                  <m:sub>
+                                                    <m:r>
+                                                      <a:rPr lang="ru-RU" sz="2400" i="1" kern="1200">
+                                                        <a:solidFill>
+                                                          <a:schemeClr val="tx1"/>
+                                                        </a:solidFill>
+                                                        <a:effectLst/>
+                                                        <a:latin typeface="+mn-lt"/>
+                                                        <a:ea typeface="+mn-ea"/>
+                                                        <a:cs typeface="+mn-cs"/>
+                                                      </a:rPr>
+                                                      <m:t>𝑖</m:t>
+                                                    </m:r>
+                                                  </m:sub>
+                                                </m:sSub>
+                                              </m:e>
+                                            </m:acc>
+                                          </m:e>
+                                        </m:d>
+                                      </m:e>
+                                      <m:sup>
+                                        <m:r>
+                                          <a:rPr lang="ru-RU" sz="2400" i="1" kern="1200">
+                                            <a:solidFill>
+                                              <a:schemeClr val="tx1"/>
+                                            </a:solidFill>
+                                            <a:effectLst/>
+                                            <a:latin typeface="+mn-lt"/>
+                                            <a:ea typeface="+mn-ea"/>
+                                            <a:cs typeface="+mn-cs"/>
+                                          </a:rPr>
+                                          <m:t>2</m:t>
+                                        </m:r>
+                                      </m:sup>
+                                    </m:sSup>
+                                    <m:r>
+                                      <a:rPr lang="en-US" sz="2400" b="0" i="1" kern="1200" smtClean="0">
+                                        <a:solidFill>
+                                          <a:schemeClr val="tx1"/>
+                                        </a:solidFill>
+                                        <a:effectLst/>
+                                        <a:latin typeface="Cambria Math" panose="02040503050406030204" pitchFamily="18" charset="0"/>
+                                        <a:ea typeface="+mn-ea"/>
+                                        <a:cs typeface="+mn-cs"/>
+                                      </a:rPr>
+                                      <m:t> </m:t>
+                                    </m:r>
+                                  </m:e>
+                                </m:nary>
+                                <m:r>
+                                  <a:rPr lang="en-US" sz="2400" b="0" i="1" kern="1200" smtClean="0">
+                                    <a:solidFill>
+                                      <a:schemeClr val="tx1"/>
+                                    </a:solidFill>
+                                    <a:effectLst/>
+                                    <a:latin typeface="Cambria Math" panose="02040503050406030204" pitchFamily="18" charset="0"/>
+                                    <a:ea typeface="+mn-ea"/>
+                                    <a:cs typeface="+mn-cs"/>
+                                  </a:rPr>
+                                  <m:t>    (2)</m:t>
+                                </m:r>
+                              </m:oMath>
+                            </m:oMathPara>
+                          </a14:m>
+                          <a:endParaRPr lang="ru-RU" sz="2400" dirty="0">
+                            <a:latin typeface="Times New Roman" panose="02020603050405020304" pitchFamily="18" charset="0"/>
+                            <a:cs typeface="Times New Roman" panose="02020603050405020304" pitchFamily="18" charset="0"/>
+                          </a:endParaRPr>
+                        </a:p>
+                      </a:txBody>
+                      <a:tcPr>
+                        <a:lnL w="12700" cap="flat" cmpd="sng" algn="ctr">
+                          <a:solidFill>
+                            <a:schemeClr val="tx1"/>
+                          </a:solidFill>
+                          <a:prstDash val="solid"/>
+                          <a:round/>
+                          <a:headEnd type="none" w="med" len="med"/>
+                          <a:tailEnd type="none" w="med" len="med"/>
+                        </a:lnL>
+                        <a:lnR w="12700" cap="flat" cmpd="sng" algn="ctr">
+                          <a:solidFill>
+                            <a:schemeClr val="tx1"/>
+                          </a:solidFill>
+                          <a:prstDash val="solid"/>
+                          <a:round/>
+                          <a:headEnd type="none" w="med" len="med"/>
+                          <a:tailEnd type="none" w="med" len="med"/>
+                        </a:lnR>
+                        <a:lnT w="12700" cap="flat" cmpd="sng" algn="ctr">
+                          <a:solidFill>
+                            <a:schemeClr val="tx1"/>
+                          </a:solidFill>
+                          <a:prstDash val="solid"/>
+                          <a:round/>
+                          <a:headEnd type="none" w="med" len="med"/>
+                          <a:tailEnd type="none" w="med" len="med"/>
+                        </a:lnT>
+                        <a:lnB w="12700" cap="flat" cmpd="sng" algn="ctr">
+                          <a:solidFill>
+                            <a:schemeClr val="tx1"/>
+                          </a:solidFill>
+                          <a:prstDash val="solid"/>
+                          <a:round/>
+                          <a:headEnd type="none" w="med" len="med"/>
+                          <a:tailEnd type="none" w="med" len="med"/>
+                        </a:lnB>
+                      </a:tcPr>
+                    </a:tc>
+                    <a:extLst>
+                      <a:ext uri="{0D108BD9-81ED-4DB2-BD59-A6C34878D82A}">
+                        <a16:rowId xmlns:a16="http://schemas.microsoft.com/office/drawing/2014/main" val="2068532901"/>
+                      </a:ext>
+                    </a:extLst>
+                  </a:tr>
+                  <a:tr h="370840">
+                    <a:tc>
+                      <a:txBody>
+                        <a:bodyPr/>
+                        <a:lstStyle/>
+                        <a:p>
+                          <a:pPr algn="l"/>
+                          <a:r>
+                            <a:rPr lang="ru-RU" sz="2400" dirty="0">
+                              <a:latin typeface="Times New Roman" panose="02020603050405020304" pitchFamily="18" charset="0"/>
+                              <a:cs typeface="Times New Roman" panose="02020603050405020304" pitchFamily="18" charset="0"/>
+                            </a:rPr>
+                            <a:t>Классификация</a:t>
+                          </a:r>
+                        </a:p>
+                      </a:txBody>
+                      <a:tcPr>
+                        <a:lnL w="12700" cap="flat" cmpd="sng" algn="ctr">
+                          <a:solidFill>
+                            <a:schemeClr val="tx1"/>
+                          </a:solidFill>
+                          <a:prstDash val="solid"/>
+                          <a:round/>
+                          <a:headEnd type="none" w="med" len="med"/>
+                          <a:tailEnd type="none" w="med" len="med"/>
+                        </a:lnL>
+                        <a:lnR w="12700" cap="flat" cmpd="sng" algn="ctr">
+                          <a:solidFill>
+                            <a:schemeClr val="tx1"/>
+                          </a:solidFill>
+                          <a:prstDash val="solid"/>
+                          <a:round/>
+                          <a:headEnd type="none" w="med" len="med"/>
+                          <a:tailEnd type="none" w="med" len="med"/>
+                        </a:lnR>
+                        <a:lnT w="12700" cap="flat" cmpd="sng" algn="ctr">
+                          <a:solidFill>
+                            <a:schemeClr val="tx1"/>
+                          </a:solidFill>
+                          <a:prstDash val="solid"/>
+                          <a:round/>
+                          <a:headEnd type="none" w="med" len="med"/>
+                          <a:tailEnd type="none" w="med" len="med"/>
+                        </a:lnT>
+                        <a:lnB w="12700" cap="flat" cmpd="sng" algn="ctr">
+                          <a:solidFill>
+                            <a:schemeClr val="tx1"/>
+                          </a:solidFill>
+                          <a:prstDash val="solid"/>
+                          <a:round/>
+                          <a:headEnd type="none" w="med" len="med"/>
+                          <a:tailEnd type="none" w="med" len="med"/>
+                        </a:lnB>
+                      </a:tcPr>
+                    </a:tc>
+                    <a:tc>
+                      <a:txBody>
+                        <a:bodyPr/>
+                        <a:lstStyle/>
+                        <a:p>
+                          <a:pPr algn="l"/>
+                          <a14:m>
+                            <m:oMathPara xmlns:m="http://schemas.openxmlformats.org/officeDocument/2006/math">
+                              <m:oMathParaPr>
+                                <m:jc m:val="centerGroup"/>
+                              </m:oMathParaPr>
+                              <m:oMath xmlns:m="http://schemas.openxmlformats.org/officeDocument/2006/math">
+                                <m:sSub>
+                                  <m:sSubPr>
+                                    <m:ctrlPr>
+                                      <a:rPr lang="ru-RU" sz="2400" i="1" kern="1200" smtClean="0">
+                                        <a:solidFill>
+                                          <a:schemeClr val="tx1"/>
+                                        </a:solidFill>
+                                        <a:effectLst/>
+                                        <a:latin typeface="+mn-lt"/>
+                                        <a:ea typeface="+mn-ea"/>
+                                        <a:cs typeface="+mn-cs"/>
+                                      </a:rPr>
+                                    </m:ctrlPr>
+                                  </m:sSubPr>
+                                  <m:e>
+                                    <m:r>
+                                      <a:rPr lang="en-US" sz="2400" i="1" kern="1200">
+                                        <a:solidFill>
+                                          <a:schemeClr val="tx1"/>
+                                        </a:solidFill>
+                                        <a:effectLst/>
+                                        <a:latin typeface="+mn-lt"/>
+                                        <a:ea typeface="+mn-ea"/>
+                                        <a:cs typeface="+mn-cs"/>
+                                      </a:rPr>
+                                      <m:t>𝐿</m:t>
+                                    </m:r>
+                                  </m:e>
+                                  <m:sub>
+                                    <m:r>
+                                      <a:rPr lang="ru-RU" sz="2400" i="1" kern="1200">
+                                        <a:solidFill>
+                                          <a:schemeClr val="tx1"/>
+                                        </a:solidFill>
+                                        <a:effectLst/>
+                                        <a:latin typeface="+mn-lt"/>
+                                        <a:ea typeface="+mn-ea"/>
+                                        <a:cs typeface="+mn-cs"/>
+                                      </a:rPr>
+                                      <m:t>КЭ</m:t>
+                                    </m:r>
+                                  </m:sub>
+                                </m:sSub>
+                                <m:r>
+                                  <a:rPr lang="en-US" sz="2400" i="1" kern="1200">
+                                    <a:solidFill>
+                                      <a:schemeClr val="tx1"/>
+                                    </a:solidFill>
+                                    <a:effectLst/>
+                                    <a:latin typeface="+mn-lt"/>
+                                    <a:ea typeface="+mn-ea"/>
+                                    <a:cs typeface="+mn-cs"/>
+                                  </a:rPr>
+                                  <m:t>= −</m:t>
+                                </m:r>
+                                <m:nary>
+                                  <m:naryPr>
+                                    <m:chr m:val="∑"/>
+                                    <m:limLoc m:val="undOvr"/>
+                                    <m:ctrlPr>
+                                      <a:rPr lang="ru-RU" sz="2400" i="1" kern="1200">
+                                        <a:solidFill>
+                                          <a:schemeClr val="tx1"/>
+                                        </a:solidFill>
+                                        <a:effectLst/>
+                                        <a:latin typeface="+mn-lt"/>
+                                        <a:ea typeface="+mn-ea"/>
+                                        <a:cs typeface="+mn-cs"/>
+                                      </a:rPr>
+                                    </m:ctrlPr>
+                                  </m:naryPr>
+                                  <m:sub>
+                                    <m:r>
+                                      <a:rPr lang="en-US" sz="2400" i="1" kern="1200">
+                                        <a:solidFill>
+                                          <a:schemeClr val="tx1"/>
+                                        </a:solidFill>
+                                        <a:effectLst/>
+                                        <a:latin typeface="+mn-lt"/>
+                                        <a:ea typeface="+mn-ea"/>
+                                        <a:cs typeface="+mn-cs"/>
+                                      </a:rPr>
+                                      <m:t>𝑖</m:t>
+                                    </m:r>
+                                    <m:r>
+                                      <a:rPr lang="en-US" sz="2400" i="1" kern="1200">
+                                        <a:solidFill>
+                                          <a:schemeClr val="tx1"/>
+                                        </a:solidFill>
+                                        <a:effectLst/>
+                                        <a:latin typeface="+mn-lt"/>
+                                        <a:ea typeface="+mn-ea"/>
+                                        <a:cs typeface="+mn-cs"/>
+                                      </a:rPr>
+                                      <m:t>=1</m:t>
+                                    </m:r>
+                                  </m:sub>
+                                  <m:sup>
+                                    <m:r>
+                                      <a:rPr lang="en-US" sz="2400" i="1" kern="1200">
+                                        <a:solidFill>
+                                          <a:schemeClr val="tx1"/>
+                                        </a:solidFill>
+                                        <a:effectLst/>
+                                        <a:latin typeface="+mn-lt"/>
+                                        <a:ea typeface="+mn-ea"/>
+                                        <a:cs typeface="+mn-cs"/>
+                                      </a:rPr>
+                                      <m:t>𝑛</m:t>
+                                    </m:r>
+                                  </m:sup>
+                                  <m:e>
+                                    <m:sSub>
+                                      <m:sSubPr>
+                                        <m:ctrlPr>
+                                          <a:rPr lang="ru-RU" sz="2400" i="1" kern="1200">
+                                            <a:solidFill>
+                                              <a:schemeClr val="tx1"/>
+                                            </a:solidFill>
+                                            <a:effectLst/>
+                                            <a:latin typeface="+mn-lt"/>
+                                            <a:ea typeface="+mn-ea"/>
+                                            <a:cs typeface="+mn-cs"/>
+                                          </a:rPr>
+                                        </m:ctrlPr>
+                                      </m:sSubPr>
+                                      <m:e>
+                                        <m:r>
+                                          <a:rPr lang="en-US" sz="2400" i="1" kern="1200">
+                                            <a:solidFill>
+                                              <a:schemeClr val="tx1"/>
+                                            </a:solidFill>
+                                            <a:effectLst/>
+                                            <a:latin typeface="+mn-lt"/>
+                                            <a:ea typeface="+mn-ea"/>
+                                            <a:cs typeface="+mn-cs"/>
+                                          </a:rPr>
+                                          <m:t>𝑡</m:t>
+                                        </m:r>
+                                      </m:e>
+                                      <m:sub>
+                                        <m:r>
+                                          <a:rPr lang="en-US" sz="2400" i="1" kern="1200">
+                                            <a:solidFill>
+                                              <a:schemeClr val="tx1"/>
+                                            </a:solidFill>
+                                            <a:effectLst/>
+                                            <a:latin typeface="+mn-lt"/>
+                                            <a:ea typeface="+mn-ea"/>
+                                            <a:cs typeface="+mn-cs"/>
+                                          </a:rPr>
+                                          <m:t>𝑖</m:t>
+                                        </m:r>
+                                      </m:sub>
+                                    </m:sSub>
+                                    <m:func>
+                                      <m:funcPr>
+                                        <m:ctrlPr>
+                                          <a:rPr lang="ru-RU" sz="2400" i="1" kern="1200">
+                                            <a:solidFill>
+                                              <a:schemeClr val="tx1"/>
+                                            </a:solidFill>
+                                            <a:effectLst/>
+                                            <a:latin typeface="+mn-lt"/>
+                                            <a:ea typeface="+mn-ea"/>
+                                            <a:cs typeface="+mn-cs"/>
+                                          </a:rPr>
+                                        </m:ctrlPr>
+                                      </m:funcPr>
+                                      <m:fName>
+                                        <m:r>
+                                          <m:rPr>
+                                            <m:sty m:val="p"/>
+                                          </m:rPr>
+                                          <a:rPr lang="en-US" sz="2400" kern="1200">
+                                            <a:solidFill>
+                                              <a:schemeClr val="tx1"/>
+                                            </a:solidFill>
+                                            <a:effectLst/>
+                                            <a:latin typeface="+mn-lt"/>
+                                            <a:ea typeface="+mn-ea"/>
+                                            <a:cs typeface="+mn-cs"/>
+                                          </a:rPr>
+                                          <m:t>log</m:t>
+                                        </m:r>
+                                      </m:fName>
+                                      <m:e>
+                                        <m:d>
+                                          <m:dPr>
+                                            <m:ctrlPr>
+                                              <a:rPr lang="ru-RU" sz="2400" i="1" kern="1200">
+                                                <a:solidFill>
+                                                  <a:schemeClr val="tx1"/>
+                                                </a:solidFill>
+                                                <a:effectLst/>
+                                                <a:latin typeface="+mn-lt"/>
+                                                <a:ea typeface="+mn-ea"/>
+                                                <a:cs typeface="+mn-cs"/>
+                                              </a:rPr>
+                                            </m:ctrlPr>
+                                          </m:dPr>
+                                          <m:e>
+                                            <m:sSub>
+                                              <m:sSubPr>
+                                                <m:ctrlPr>
+                                                  <a:rPr lang="ru-RU" sz="2400" i="1" kern="1200">
+                                                    <a:solidFill>
+                                                      <a:schemeClr val="tx1"/>
+                                                    </a:solidFill>
+                                                    <a:effectLst/>
+                                                    <a:latin typeface="+mn-lt"/>
+                                                    <a:ea typeface="+mn-ea"/>
+                                                    <a:cs typeface="+mn-cs"/>
+                                                  </a:rPr>
+                                                </m:ctrlPr>
+                                              </m:sSubPr>
+                                              <m:e>
+                                                <m:r>
+                                                  <a:rPr lang="en-US" sz="2400" i="1" kern="1200">
+                                                    <a:solidFill>
+                                                      <a:schemeClr val="tx1"/>
+                                                    </a:solidFill>
+                                                    <a:effectLst/>
+                                                    <a:latin typeface="+mn-lt"/>
+                                                    <a:ea typeface="+mn-ea"/>
+                                                    <a:cs typeface="+mn-cs"/>
+                                                  </a:rPr>
+                                                  <m:t>𝑝</m:t>
+                                                </m:r>
+                                              </m:e>
+                                              <m:sub>
+                                                <m:r>
+                                                  <a:rPr lang="en-US" sz="2400" i="1" kern="1200">
+                                                    <a:solidFill>
+                                                      <a:schemeClr val="tx1"/>
+                                                    </a:solidFill>
+                                                    <a:effectLst/>
+                                                    <a:latin typeface="+mn-lt"/>
+                                                    <a:ea typeface="+mn-ea"/>
+                                                    <a:cs typeface="+mn-cs"/>
+                                                  </a:rPr>
+                                                  <m:t>𝑖</m:t>
+                                                </m:r>
+                                              </m:sub>
+                                            </m:sSub>
+                                          </m:e>
+                                        </m:d>
+                                      </m:e>
+                                    </m:func>
+                                    <m:r>
+                                      <a:rPr lang="en-US" sz="2400" i="1" kern="1200">
+                                        <a:solidFill>
+                                          <a:schemeClr val="tx1"/>
+                                        </a:solidFill>
+                                        <a:effectLst/>
+                                        <a:latin typeface="+mn-lt"/>
+                                        <a:ea typeface="+mn-ea"/>
+                                        <a:cs typeface="+mn-cs"/>
+                                      </a:rPr>
+                                      <m:t> </m:t>
+                                    </m:r>
+                                  </m:e>
+                                </m:nary>
+                                <m:r>
+                                  <a:rPr lang="en-US" sz="2400" b="0" i="1" kern="1200" smtClean="0">
+                                    <a:solidFill>
+                                      <a:schemeClr val="tx1"/>
+                                    </a:solidFill>
+                                    <a:effectLst/>
+                                    <a:latin typeface="Cambria Math" panose="02040503050406030204" pitchFamily="18" charset="0"/>
+                                    <a:ea typeface="+mn-ea"/>
+                                    <a:cs typeface="+mn-cs"/>
+                                  </a:rPr>
+                                  <m:t>     (3)</m:t>
+                                </m:r>
+                              </m:oMath>
+                            </m:oMathPara>
+                          </a14:m>
+                          <a:endParaRPr lang="ru-RU" sz="2400" dirty="0">
+                            <a:latin typeface="Times New Roman" panose="02020603050405020304" pitchFamily="18" charset="0"/>
+                            <a:cs typeface="Times New Roman" panose="02020603050405020304" pitchFamily="18" charset="0"/>
+                          </a:endParaRPr>
+                        </a:p>
+                      </a:txBody>
+                      <a:tcPr>
+                        <a:lnL w="12700" cap="flat" cmpd="sng" algn="ctr">
+                          <a:solidFill>
+                            <a:schemeClr val="tx1"/>
+                          </a:solidFill>
+                          <a:prstDash val="solid"/>
+                          <a:round/>
+                          <a:headEnd type="none" w="med" len="med"/>
+                          <a:tailEnd type="none" w="med" len="med"/>
+                        </a:lnL>
+                        <a:lnR w="12700" cap="flat" cmpd="sng" algn="ctr">
+                          <a:solidFill>
+                            <a:schemeClr val="tx1"/>
+                          </a:solidFill>
+                          <a:prstDash val="solid"/>
+                          <a:round/>
+                          <a:headEnd type="none" w="med" len="med"/>
+                          <a:tailEnd type="none" w="med" len="med"/>
+                        </a:lnR>
+                        <a:lnT w="12700" cap="flat" cmpd="sng" algn="ctr">
+                          <a:solidFill>
+                            <a:schemeClr val="tx1"/>
+                          </a:solidFill>
+                          <a:prstDash val="solid"/>
+                          <a:round/>
+                          <a:headEnd type="none" w="med" len="med"/>
+                          <a:tailEnd type="none" w="med" len="med"/>
+                        </a:lnT>
+                        <a:lnB w="12700" cap="flat" cmpd="sng" algn="ctr">
+                          <a:solidFill>
+                            <a:schemeClr val="tx1"/>
+                          </a:solidFill>
+                          <a:prstDash val="solid"/>
+                          <a:round/>
+                          <a:headEnd type="none" w="med" len="med"/>
+                          <a:tailEnd type="none" w="med" len="med"/>
+                        </a:lnB>
+                      </a:tcPr>
+                    </a:tc>
+                    <a:extLst>
+                      <a:ext uri="{0D108BD9-81ED-4DB2-BD59-A6C34878D82A}">
+                        <a16:rowId xmlns:a16="http://schemas.microsoft.com/office/drawing/2014/main" val="3405266559"/>
+                      </a:ext>
+                    </a:extLst>
+                  </a:tr>
+                </a:tbl>
+              </a:graphicData>
+            </a:graphic>
+          </p:graphicFrame>
+        </mc:Choice>
+        <mc:Fallback>
+          <p:graphicFrame>
+            <p:nvGraphicFramePr>
+              <p:cNvPr id="2" name="Таблица 2">
+                <a:extLst>
+                  <a:ext uri="{FF2B5EF4-FFF2-40B4-BE49-F238E27FC236}">
+                    <a16:creationId xmlns:a16="http://schemas.microsoft.com/office/drawing/2014/main" id="{1EA03196-36C4-937F-C4DA-99DBD10ACD12}"/>
+                  </a:ext>
+                </a:extLst>
+              </p:cNvPr>
+              <p:cNvGraphicFramePr>
+                <a:graphicFrameLocks noGrp="1"/>
+              </p:cNvGraphicFramePr>
+              <p:nvPr>
+                <p:extLst>
+                  <p:ext uri="{D42A27DB-BD31-4B8C-83A1-F6EECF244321}">
+                    <p14:modId xmlns:p14="http://schemas.microsoft.com/office/powerpoint/2010/main" val="3523328057"/>
+                  </p:ext>
+                </p:extLst>
+              </p:nvPr>
+            </p:nvGraphicFramePr>
+            <p:xfrm>
+              <a:off x="353494" y="1996963"/>
+              <a:ext cx="6141310" cy="2626234"/>
+            </p:xfrm>
+            <a:graphic>
+              <a:graphicData uri="http://schemas.openxmlformats.org/drawingml/2006/table">
+                <a:tbl>
+                  <a:tblPr firstRow="1" bandRow="1">
+                    <a:tableStyleId>{2D5ABB26-0587-4C30-8999-92F81FD0307C}</a:tableStyleId>
+                  </a:tblPr>
+                  <a:tblGrid>
+                    <a:gridCol w="2261519">
+                      <a:extLst>
+                        <a:ext uri="{9D8B030D-6E8A-4147-A177-3AD203B41FA5}">
+                          <a16:colId xmlns:a16="http://schemas.microsoft.com/office/drawing/2014/main" val="2433080646"/>
+                        </a:ext>
+                      </a:extLst>
+                    </a:gridCol>
+                    <a:gridCol w="3879791">
+                      <a:extLst>
+                        <a:ext uri="{9D8B030D-6E8A-4147-A177-3AD203B41FA5}">
+                          <a16:colId xmlns:a16="http://schemas.microsoft.com/office/drawing/2014/main" val="2758475671"/>
+                        </a:ext>
+                      </a:extLst>
+                    </a:gridCol>
+                  </a:tblGrid>
+                  <a:tr h="457200">
+                    <a:tc>
+                      <a:txBody>
+                        <a:bodyPr/>
+                        <a:lstStyle/>
+                        <a:p>
+                          <a:pPr algn="ctr"/>
+                          <a:r>
+                            <a:rPr lang="ru-RU" sz="2400" dirty="0">
+                              <a:latin typeface="Times New Roman" panose="02020603050405020304" pitchFamily="18" charset="0"/>
+                              <a:cs typeface="Times New Roman" panose="02020603050405020304" pitchFamily="18" charset="0"/>
+                            </a:rPr>
+                            <a:t>Тип задачи</a:t>
+                          </a:r>
+                        </a:p>
+                      </a:txBody>
+                      <a:tcPr>
+                        <a:lnL w="12700" cap="flat" cmpd="sng" algn="ctr">
+                          <a:solidFill>
+                            <a:schemeClr val="tx1"/>
+                          </a:solidFill>
+                          <a:prstDash val="solid"/>
+                          <a:round/>
+                          <a:headEnd type="none" w="med" len="med"/>
+                          <a:tailEnd type="none" w="med" len="med"/>
+                        </a:lnL>
+                        <a:lnR w="12700" cap="flat" cmpd="sng" algn="ctr">
+                          <a:solidFill>
+                            <a:schemeClr val="tx1"/>
+                          </a:solidFill>
+                          <a:prstDash val="solid"/>
+                          <a:round/>
+                          <a:headEnd type="none" w="med" len="med"/>
+                          <a:tailEnd type="none" w="med" len="med"/>
+                        </a:lnR>
+                        <a:lnT w="12700" cap="flat" cmpd="sng" algn="ctr">
+                          <a:solidFill>
+                            <a:schemeClr val="tx1"/>
+                          </a:solidFill>
+                          <a:prstDash val="solid"/>
+                          <a:round/>
+                          <a:headEnd type="none" w="med" len="med"/>
+                          <a:tailEnd type="none" w="med" len="med"/>
+                        </a:lnT>
+                        <a:lnB w="12700" cap="flat" cmpd="sng" algn="ctr">
+                          <a:solidFill>
+                            <a:schemeClr val="tx1"/>
+                          </a:solidFill>
+                          <a:prstDash val="solid"/>
+                          <a:round/>
+                          <a:headEnd type="none" w="med" len="med"/>
+                          <a:tailEnd type="none" w="med" len="med"/>
+                        </a:lnB>
+                      </a:tcPr>
+                    </a:tc>
+                    <a:tc>
+                      <a:txBody>
+                        <a:bodyPr/>
+                        <a:lstStyle/>
+                        <a:p>
+                          <a:pPr algn="ctr"/>
+                          <a:r>
+                            <a:rPr lang="ru-RU" sz="2400" dirty="0">
+                              <a:latin typeface="Times New Roman" panose="02020603050405020304" pitchFamily="18" charset="0"/>
+                              <a:cs typeface="Times New Roman" panose="02020603050405020304" pitchFamily="18" charset="0"/>
+                            </a:rPr>
+                            <a:t>Функция потерь</a:t>
+                          </a:r>
+                        </a:p>
+                      </a:txBody>
+                      <a:tcPr>
+                        <a:lnL w="12700" cap="flat" cmpd="sng" algn="ctr">
+                          <a:solidFill>
+                            <a:schemeClr val="tx1"/>
+                          </a:solidFill>
+                          <a:prstDash val="solid"/>
+                          <a:round/>
+                          <a:headEnd type="none" w="med" len="med"/>
+                          <a:tailEnd type="none" w="med" len="med"/>
+                        </a:lnL>
+                        <a:lnR w="12700" cap="flat" cmpd="sng" algn="ctr">
+                          <a:solidFill>
+                            <a:schemeClr val="tx1"/>
+                          </a:solidFill>
+                          <a:prstDash val="solid"/>
+                          <a:round/>
+                          <a:headEnd type="none" w="med" len="med"/>
+                          <a:tailEnd type="none" w="med" len="med"/>
+                        </a:lnR>
+                        <a:lnT w="12700" cap="flat" cmpd="sng" algn="ctr">
+                          <a:solidFill>
+                            <a:schemeClr val="tx1"/>
+                          </a:solidFill>
+                          <a:prstDash val="solid"/>
+                          <a:round/>
+                          <a:headEnd type="none" w="med" len="med"/>
+                          <a:tailEnd type="none" w="med" len="med"/>
+                        </a:lnT>
+                        <a:lnB w="12700" cap="flat" cmpd="sng" algn="ctr">
+                          <a:solidFill>
+                            <a:schemeClr val="tx1"/>
+                          </a:solidFill>
+                          <a:prstDash val="solid"/>
+                          <a:round/>
+                          <a:headEnd type="none" w="med" len="med"/>
+                          <a:tailEnd type="none" w="med" len="med"/>
+                        </a:lnB>
+                      </a:tcPr>
+                    </a:tc>
+                    <a:extLst>
+                      <a:ext uri="{0D108BD9-81ED-4DB2-BD59-A6C34878D82A}">
+                        <a16:rowId xmlns:a16="http://schemas.microsoft.com/office/drawing/2014/main" val="3626682432"/>
+                      </a:ext>
+                    </a:extLst>
+                  </a:tr>
+                  <a:tr h="1084517">
+                    <a:tc>
+                      <a:txBody>
+                        <a:bodyPr/>
+                        <a:lstStyle/>
+                        <a:p>
+                          <a:pPr algn="l"/>
+                          <a:r>
+                            <a:rPr lang="ru-RU" sz="2400" dirty="0">
+                              <a:latin typeface="Times New Roman" panose="02020603050405020304" pitchFamily="18" charset="0"/>
+                              <a:cs typeface="Times New Roman" panose="02020603050405020304" pitchFamily="18" charset="0"/>
+                            </a:rPr>
+                            <a:t>Регрессия </a:t>
+                          </a:r>
+                        </a:p>
+                      </a:txBody>
+                      <a:tcPr>
+                        <a:lnL w="12700" cap="flat" cmpd="sng" algn="ctr">
+                          <a:solidFill>
+                            <a:schemeClr val="tx1"/>
+                          </a:solidFill>
+                          <a:prstDash val="solid"/>
+                          <a:round/>
+                          <a:headEnd type="none" w="med" len="med"/>
+                          <a:tailEnd type="none" w="med" len="med"/>
+                        </a:lnL>
+                        <a:lnR w="12700" cap="flat" cmpd="sng" algn="ctr">
+                          <a:solidFill>
+                            <a:schemeClr val="tx1"/>
+                          </a:solidFill>
+                          <a:prstDash val="solid"/>
+                          <a:round/>
+                          <a:headEnd type="none" w="med" len="med"/>
+                          <a:tailEnd type="none" w="med" len="med"/>
+                        </a:lnR>
+                        <a:lnT w="12700" cap="flat" cmpd="sng" algn="ctr">
+                          <a:solidFill>
+                            <a:schemeClr val="tx1"/>
+                          </a:solidFill>
+                          <a:prstDash val="solid"/>
+                          <a:round/>
+                          <a:headEnd type="none" w="med" len="med"/>
+                          <a:tailEnd type="none" w="med" len="med"/>
+                        </a:lnT>
+                        <a:lnB w="12700" cap="flat" cmpd="sng" algn="ctr">
+                          <a:solidFill>
+                            <a:schemeClr val="tx1"/>
+                          </a:solidFill>
+                          <a:prstDash val="solid"/>
+                          <a:round/>
+                          <a:headEnd type="none" w="med" len="med"/>
+                          <a:tailEnd type="none" w="med" len="med"/>
+                        </a:lnB>
+                      </a:tcPr>
+                    </a:tc>
+                    <a:tc>
+                      <a:txBody>
+                        <a:bodyPr/>
+                        <a:lstStyle/>
+                        <a:p>
+                          <a:endParaRPr lang="ru-RU"/>
+                        </a:p>
+                      </a:txBody>
+                      <a:tcPr>
+                        <a:lnL w="12700" cap="flat" cmpd="sng" algn="ctr">
+                          <a:solidFill>
+                            <a:schemeClr val="tx1"/>
+                          </a:solidFill>
+                          <a:prstDash val="solid"/>
+                          <a:round/>
+                          <a:headEnd type="none" w="med" len="med"/>
+                          <a:tailEnd type="none" w="med" len="med"/>
+                        </a:lnL>
+                        <a:lnR w="12700" cap="flat" cmpd="sng" algn="ctr">
+                          <a:solidFill>
+                            <a:schemeClr val="tx1"/>
+                          </a:solidFill>
+                          <a:prstDash val="solid"/>
+                          <a:round/>
+                          <a:headEnd type="none" w="med" len="med"/>
+                          <a:tailEnd type="none" w="med" len="med"/>
+                        </a:lnR>
+                        <a:lnT w="12700" cap="flat" cmpd="sng" algn="ctr">
+                          <a:solidFill>
+                            <a:schemeClr val="tx1"/>
+                          </a:solidFill>
+                          <a:prstDash val="solid"/>
+                          <a:round/>
+                          <a:headEnd type="none" w="med" len="med"/>
+                          <a:tailEnd type="none" w="med" len="med"/>
+                        </a:lnT>
+                        <a:lnB w="12700" cap="flat" cmpd="sng" algn="ctr">
+                          <a:solidFill>
+                            <a:schemeClr val="tx1"/>
+                          </a:solidFill>
+                          <a:prstDash val="solid"/>
+                          <a:round/>
+                          <a:headEnd type="none" w="med" len="med"/>
+                          <a:tailEnd type="none" w="med" len="med"/>
+                        </a:lnB>
+                        <a:blipFill>
+                          <a:blip r:embed="rId2"/>
+                          <a:stretch>
+                            <a:fillRect l="-58556" t="-45810" r="-314" b="-100559"/>
+                          </a:stretch>
+                        </a:blipFill>
+                      </a:tcPr>
+                    </a:tc>
+                    <a:extLst>
+                      <a:ext uri="{0D108BD9-81ED-4DB2-BD59-A6C34878D82A}">
+                        <a16:rowId xmlns:a16="http://schemas.microsoft.com/office/drawing/2014/main" val="2068532901"/>
+                      </a:ext>
+                    </a:extLst>
+                  </a:tr>
+                  <a:tr h="1084517">
+                    <a:tc>
+                      <a:txBody>
+                        <a:bodyPr/>
+                        <a:lstStyle/>
+                        <a:p>
+                          <a:pPr algn="l"/>
+                          <a:r>
+                            <a:rPr lang="ru-RU" sz="2400" dirty="0">
+                              <a:latin typeface="Times New Roman" panose="02020603050405020304" pitchFamily="18" charset="0"/>
+                              <a:cs typeface="Times New Roman" panose="02020603050405020304" pitchFamily="18" charset="0"/>
+                            </a:rPr>
+                            <a:t>Классификация</a:t>
+                          </a:r>
+                        </a:p>
+                      </a:txBody>
+                      <a:tcPr>
+                        <a:lnL w="12700" cap="flat" cmpd="sng" algn="ctr">
+                          <a:solidFill>
+                            <a:schemeClr val="tx1"/>
+                          </a:solidFill>
+                          <a:prstDash val="solid"/>
+                          <a:round/>
+                          <a:headEnd type="none" w="med" len="med"/>
+                          <a:tailEnd type="none" w="med" len="med"/>
+                        </a:lnL>
+                        <a:lnR w="12700" cap="flat" cmpd="sng" algn="ctr">
+                          <a:solidFill>
+                            <a:schemeClr val="tx1"/>
+                          </a:solidFill>
+                          <a:prstDash val="solid"/>
+                          <a:round/>
+                          <a:headEnd type="none" w="med" len="med"/>
+                          <a:tailEnd type="none" w="med" len="med"/>
+                        </a:lnR>
+                        <a:lnT w="12700" cap="flat" cmpd="sng" algn="ctr">
+                          <a:solidFill>
+                            <a:schemeClr val="tx1"/>
+                          </a:solidFill>
+                          <a:prstDash val="solid"/>
+                          <a:round/>
+                          <a:headEnd type="none" w="med" len="med"/>
+                          <a:tailEnd type="none" w="med" len="med"/>
+                        </a:lnT>
+                        <a:lnB w="12700" cap="flat" cmpd="sng" algn="ctr">
+                          <a:solidFill>
+                            <a:schemeClr val="tx1"/>
+                          </a:solidFill>
+                          <a:prstDash val="solid"/>
+                          <a:round/>
+                          <a:headEnd type="none" w="med" len="med"/>
+                          <a:tailEnd type="none" w="med" len="med"/>
+                        </a:lnB>
+                      </a:tcPr>
+                    </a:tc>
+                    <a:tc>
+                      <a:txBody>
+                        <a:bodyPr/>
+                        <a:lstStyle/>
+                        <a:p>
+                          <a:endParaRPr lang="ru-RU"/>
+                        </a:p>
+                      </a:txBody>
+                      <a:tcPr>
+                        <a:lnL w="12700" cap="flat" cmpd="sng" algn="ctr">
+                          <a:solidFill>
+                            <a:schemeClr val="tx1"/>
+                          </a:solidFill>
+                          <a:prstDash val="solid"/>
+                          <a:round/>
+                          <a:headEnd type="none" w="med" len="med"/>
+                          <a:tailEnd type="none" w="med" len="med"/>
+                        </a:lnL>
+                        <a:lnR w="12700" cap="flat" cmpd="sng" algn="ctr">
+                          <a:solidFill>
+                            <a:schemeClr val="tx1"/>
+                          </a:solidFill>
+                          <a:prstDash val="solid"/>
+                          <a:round/>
+                          <a:headEnd type="none" w="med" len="med"/>
+                          <a:tailEnd type="none" w="med" len="med"/>
+                        </a:lnR>
+                        <a:lnT w="12700" cap="flat" cmpd="sng" algn="ctr">
+                          <a:solidFill>
+                            <a:schemeClr val="tx1"/>
+                          </a:solidFill>
+                          <a:prstDash val="solid"/>
+                          <a:round/>
+                          <a:headEnd type="none" w="med" len="med"/>
+                          <a:tailEnd type="none" w="med" len="med"/>
+                        </a:lnT>
+                        <a:lnB w="12700" cap="flat" cmpd="sng" algn="ctr">
+                          <a:solidFill>
+                            <a:schemeClr val="tx1"/>
+                          </a:solidFill>
+                          <a:prstDash val="solid"/>
+                          <a:round/>
+                          <a:headEnd type="none" w="med" len="med"/>
+                          <a:tailEnd type="none" w="med" len="med"/>
+                        </a:lnB>
+                        <a:blipFill>
+                          <a:blip r:embed="rId2"/>
+                          <a:stretch>
+                            <a:fillRect l="-58556" t="-146629" r="-314" b="-1124"/>
+                          </a:stretch>
+                        </a:blipFill>
+                      </a:tcPr>
+                    </a:tc>
+                    <a:extLst>
+                      <a:ext uri="{0D108BD9-81ED-4DB2-BD59-A6C34878D82A}">
+                        <a16:rowId xmlns:a16="http://schemas.microsoft.com/office/drawing/2014/main" val="3405266559"/>
+                      </a:ext>
+                    </a:extLst>
+                  </a:tr>
+                </a:tbl>
+              </a:graphicData>
+            </a:graphic>
+          </p:graphicFrame>
+        </mc:Fallback>
+      </mc:AlternateContent>
+      <p:sp>
+        <p:nvSpPr>
+          <p:cNvPr id="3" name="TextBox 2">
+            <a:extLst>
+              <a:ext uri="{FF2B5EF4-FFF2-40B4-BE49-F238E27FC236}">
+                <a16:creationId xmlns:a16="http://schemas.microsoft.com/office/drawing/2014/main" id="{1C0982F3-426F-9ABD-C49E-A94722281731}"/>
+              </a:ext>
+            </a:extLst>
+          </p:cNvPr>
+          <p:cNvSpPr txBox="1"/>
+          <p:nvPr/>
+        </p:nvSpPr>
+        <p:spPr>
+          <a:xfrm>
+            <a:off x="6776815" y="1996963"/>
+            <a:ext cx="5192994" cy="1938992"/>
+          </a:xfrm>
+          <a:prstGeom prst="rect">
+            <a:avLst/>
+          </a:prstGeom>
+          <a:noFill/>
+        </p:spPr>
+        <p:txBody>
+          <a:bodyPr wrap="square" rtlCol="0">
+            <a:spAutoFit/>
+          </a:bodyPr>
+          <a:lstStyle/>
+          <a:p>
+            <a:pPr marL="342900" indent="-342900">
+              <a:buFont typeface="Arial" panose="020B0604020202020204" pitchFamily="34" charset="0"/>
+              <a:buChar char="•"/>
+            </a:pPr>
+            <a:r>
+              <a:rPr lang="ru-RU" sz="2400" dirty="0">
+                <a:latin typeface="Times New Roman" panose="02020603050405020304" pitchFamily="18" charset="0"/>
+                <a:cs typeface="Times New Roman" panose="02020603050405020304" pitchFamily="18" charset="0"/>
+              </a:rPr>
+              <a:t>Оптимизатор: </a:t>
+            </a:r>
+            <a:r>
+              <a:rPr lang="en-US" sz="2400" dirty="0">
+                <a:latin typeface="Times New Roman" panose="02020603050405020304" pitchFamily="18" charset="0"/>
+                <a:cs typeface="Times New Roman" panose="02020603050405020304" pitchFamily="18" charset="0"/>
+              </a:rPr>
+              <a:t>Adam</a:t>
+            </a:r>
+            <a:endParaRPr lang="ru-RU" sz="2400" dirty="0">
+              <a:latin typeface="Times New Roman" panose="02020603050405020304" pitchFamily="18" charset="0"/>
+              <a:cs typeface="Times New Roman" panose="02020603050405020304" pitchFamily="18" charset="0"/>
+            </a:endParaRPr>
+          </a:p>
+          <a:p>
+            <a:pPr marL="342900" indent="-342900">
+              <a:buFont typeface="Arial" panose="020B0604020202020204" pitchFamily="34" charset="0"/>
+              <a:buChar char="•"/>
+            </a:pPr>
+            <a:r>
+              <a:rPr lang="ru-RU" sz="2400" dirty="0">
+                <a:latin typeface="Times New Roman" panose="02020603050405020304" pitchFamily="18" charset="0"/>
+                <a:cs typeface="Times New Roman" panose="02020603050405020304" pitchFamily="18" charset="0"/>
+              </a:rPr>
+              <a:t>Шаг обучения на первой эпохе: 0,1</a:t>
+            </a:r>
+            <a:endParaRPr lang="en-US" sz="2400" dirty="0">
+              <a:latin typeface="Times New Roman" panose="02020603050405020304" pitchFamily="18" charset="0"/>
+              <a:cs typeface="Times New Roman" panose="02020603050405020304" pitchFamily="18" charset="0"/>
+            </a:endParaRPr>
+          </a:p>
+          <a:p>
+            <a:pPr marL="342900" indent="-342900">
+              <a:buFont typeface="Arial" panose="020B0604020202020204" pitchFamily="34" charset="0"/>
+              <a:buChar char="•"/>
+            </a:pPr>
+            <a:r>
+              <a:rPr lang="ru-RU" sz="2400" dirty="0">
+                <a:latin typeface="Times New Roman" panose="02020603050405020304" pitchFamily="18" charset="0"/>
+                <a:cs typeface="Times New Roman" panose="02020603050405020304" pitchFamily="18" charset="0"/>
+              </a:rPr>
+              <a:t>Уменьшение шага обучения каждые 4 эпохи: в 10 раз</a:t>
+            </a:r>
+          </a:p>
+          <a:p>
+            <a:pPr marL="342900" indent="-342900">
+              <a:buFont typeface="Arial" panose="020B0604020202020204" pitchFamily="34" charset="0"/>
+              <a:buChar char="•"/>
+            </a:pPr>
+            <a:r>
+              <a:rPr lang="ru-RU" sz="2400" dirty="0">
+                <a:latin typeface="Times New Roman" panose="02020603050405020304" pitchFamily="18" charset="0"/>
+                <a:cs typeface="Times New Roman" panose="02020603050405020304" pitchFamily="18" charset="0"/>
+              </a:rPr>
+              <a:t>Количество эпох: 12</a:t>
+            </a:r>
           </a:p>
         </p:txBody>
       </p:sp>
@@ -5369,7 +7440,7 @@
         </p:nvSpPr>
         <p:spPr>
           <a:xfrm>
-            <a:off x="1062447" y="365125"/>
+            <a:off x="1062447" y="105066"/>
             <a:ext cx="10067108" cy="885857"/>
           </a:xfrm>
         </p:spPr>
@@ -5390,7 +7461,2698 @@
                 <a:ea typeface="+mj-ea"/>
                 <a:cs typeface="Times New Roman" panose="02020603050405020304" pitchFamily="18" charset="0"/>
               </a:rPr>
-              <a:t>Создание набора данных для обучения</a:t>
+              <a:t>Результаты</a:t>
+            </a:r>
+            <a:endParaRPr lang="ru-RU" sz="3600" b="1" dirty="0">
+              <a:latin typeface="Times New Roman" panose="02020603050405020304" pitchFamily="18" charset="0"/>
+              <a:cs typeface="Times New Roman" panose="02020603050405020304" pitchFamily="18" charset="0"/>
+            </a:endParaRPr>
+          </a:p>
+        </p:txBody>
+      </p:sp>
+      <p:pic>
+        <p:nvPicPr>
+          <p:cNvPr id="11" name="Рисунок 10" descr="Изображение выглядит как черно-белый, Аэрофотосъемка, воздушный, самолет&#10;&#10;Автоматически созданное описание">
+            <a:extLst>
+              <a:ext uri="{FF2B5EF4-FFF2-40B4-BE49-F238E27FC236}">
+                <a16:creationId xmlns:a16="http://schemas.microsoft.com/office/drawing/2014/main" id="{4D6705C7-296D-A03C-BF8B-0BD60CFD9E22}"/>
+              </a:ext>
+            </a:extLst>
+          </p:cNvPr>
+          <p:cNvPicPr>
+            <a:picLocks noChangeAspect="1"/>
+          </p:cNvPicPr>
+          <p:nvPr/>
+        </p:nvPicPr>
+        <p:blipFill>
+          <a:blip r:embed="rId2">
+            <a:extLst>
+              <a:ext uri="{28A0092B-C50C-407E-A947-70E740481C1C}">
+                <a14:useLocalDpi xmlns:a14="http://schemas.microsoft.com/office/drawing/2010/main" val="0"/>
+              </a:ext>
+            </a:extLst>
+          </a:blip>
+          <a:stretch>
+            <a:fillRect/>
+          </a:stretch>
+        </p:blipFill>
+        <p:spPr>
+          <a:xfrm>
+            <a:off x="1062445" y="1250982"/>
+            <a:ext cx="3000000" cy="1800000"/>
+          </a:xfrm>
+          <a:prstGeom prst="rect">
+            <a:avLst/>
+          </a:prstGeom>
+        </p:spPr>
+      </p:pic>
+      <p:pic>
+        <p:nvPicPr>
+          <p:cNvPr id="13" name="Рисунок 12" descr="Изображение выглядит как черно-белый, Аэрофотосъемка, воздушный, карта&#10;&#10;Автоматически созданное описание">
+            <a:extLst>
+              <a:ext uri="{FF2B5EF4-FFF2-40B4-BE49-F238E27FC236}">
+                <a16:creationId xmlns:a16="http://schemas.microsoft.com/office/drawing/2014/main" id="{14DE80C6-D131-A5C3-76CB-53E2035630CE}"/>
+              </a:ext>
+            </a:extLst>
+          </p:cNvPr>
+          <p:cNvPicPr>
+            <a:picLocks noChangeAspect="1"/>
+          </p:cNvPicPr>
+          <p:nvPr/>
+        </p:nvPicPr>
+        <p:blipFill>
+          <a:blip r:embed="rId3">
+            <a:extLst>
+              <a:ext uri="{28A0092B-C50C-407E-A947-70E740481C1C}">
+                <a14:useLocalDpi xmlns:a14="http://schemas.microsoft.com/office/drawing/2010/main" val="0"/>
+              </a:ext>
+            </a:extLst>
+          </a:blip>
+          <a:stretch>
+            <a:fillRect/>
+          </a:stretch>
+        </p:blipFill>
+        <p:spPr>
+          <a:xfrm>
+            <a:off x="1062445" y="4172999"/>
+            <a:ext cx="3000000" cy="1800000"/>
+          </a:xfrm>
+          <a:prstGeom prst="rect">
+            <a:avLst/>
+          </a:prstGeom>
+        </p:spPr>
+      </p:pic>
+      <p:pic>
+        <p:nvPicPr>
+          <p:cNvPr id="15" name="Рисунок 14" descr="Изображение выглядит как Аэрофотосъемка, черно-белый, самолет, авиация&#10;&#10;Автоматически созданное описание">
+            <a:extLst>
+              <a:ext uri="{FF2B5EF4-FFF2-40B4-BE49-F238E27FC236}">
+                <a16:creationId xmlns:a16="http://schemas.microsoft.com/office/drawing/2014/main" id="{935FF8E2-4E52-B7C1-C9E9-00AB8BFEA397}"/>
+              </a:ext>
+            </a:extLst>
+          </p:cNvPr>
+          <p:cNvPicPr>
+            <a:picLocks noChangeAspect="1"/>
+          </p:cNvPicPr>
+          <p:nvPr/>
+        </p:nvPicPr>
+        <p:blipFill>
+          <a:blip r:embed="rId4">
+            <a:extLst>
+              <a:ext uri="{28A0092B-C50C-407E-A947-70E740481C1C}">
+                <a14:useLocalDpi xmlns:a14="http://schemas.microsoft.com/office/drawing/2010/main" val="0"/>
+              </a:ext>
+            </a:extLst>
+          </a:blip>
+          <a:stretch>
+            <a:fillRect/>
+          </a:stretch>
+        </p:blipFill>
+        <p:spPr>
+          <a:xfrm>
+            <a:off x="5374547" y="990923"/>
+            <a:ext cx="3000000" cy="1800000"/>
+          </a:xfrm>
+          <a:prstGeom prst="rect">
+            <a:avLst/>
+          </a:prstGeom>
+        </p:spPr>
+      </p:pic>
+      <p:pic>
+        <p:nvPicPr>
+          <p:cNvPr id="17" name="Рисунок 16" descr="Изображение выглядит как Аэрофотосъемка, черно-белый, воздушный, авиация&#10;&#10;Автоматически созданное описание">
+            <a:extLst>
+              <a:ext uri="{FF2B5EF4-FFF2-40B4-BE49-F238E27FC236}">
+                <a16:creationId xmlns:a16="http://schemas.microsoft.com/office/drawing/2014/main" id="{4B4253D8-8A1D-AE6D-B6BF-BEFF1F0A2702}"/>
+              </a:ext>
+            </a:extLst>
+          </p:cNvPr>
+          <p:cNvPicPr>
+            <a:picLocks noChangeAspect="1"/>
+          </p:cNvPicPr>
+          <p:nvPr/>
+        </p:nvPicPr>
+        <p:blipFill>
+          <a:blip r:embed="rId5">
+            <a:extLst>
+              <a:ext uri="{28A0092B-C50C-407E-A947-70E740481C1C}">
+                <a14:useLocalDpi xmlns:a14="http://schemas.microsoft.com/office/drawing/2010/main" val="0"/>
+              </a:ext>
+            </a:extLst>
+          </a:blip>
+          <a:stretch>
+            <a:fillRect/>
+          </a:stretch>
+        </p:blipFill>
+        <p:spPr>
+          <a:xfrm>
+            <a:off x="8470547" y="990923"/>
+            <a:ext cx="3000000" cy="1800000"/>
+          </a:xfrm>
+          <a:prstGeom prst="rect">
+            <a:avLst/>
+          </a:prstGeom>
+        </p:spPr>
+      </p:pic>
+      <p:pic>
+        <p:nvPicPr>
+          <p:cNvPr id="19" name="Рисунок 18" descr="Изображение выглядит как Аэрофотосъемка, черно-белый, воздушный, самолет&#10;&#10;Автоматически созданное описание">
+            <a:extLst>
+              <a:ext uri="{FF2B5EF4-FFF2-40B4-BE49-F238E27FC236}">
+                <a16:creationId xmlns:a16="http://schemas.microsoft.com/office/drawing/2014/main" id="{036FA5FF-E222-0C58-410A-ADDEE7543429}"/>
+              </a:ext>
+            </a:extLst>
+          </p:cNvPr>
+          <p:cNvPicPr>
+            <a:picLocks noChangeAspect="1"/>
+          </p:cNvPicPr>
+          <p:nvPr/>
+        </p:nvPicPr>
+        <p:blipFill>
+          <a:blip r:embed="rId6">
+            <a:extLst>
+              <a:ext uri="{28A0092B-C50C-407E-A947-70E740481C1C}">
+                <a14:useLocalDpi xmlns:a14="http://schemas.microsoft.com/office/drawing/2010/main" val="0"/>
+              </a:ext>
+            </a:extLst>
+          </a:blip>
+          <a:stretch>
+            <a:fillRect/>
+          </a:stretch>
+        </p:blipFill>
+        <p:spPr>
+          <a:xfrm>
+            <a:off x="5374547" y="2936427"/>
+            <a:ext cx="3000000" cy="1800000"/>
+          </a:xfrm>
+          <a:prstGeom prst="rect">
+            <a:avLst/>
+          </a:prstGeom>
+        </p:spPr>
+      </p:pic>
+      <p:pic>
+        <p:nvPicPr>
+          <p:cNvPr id="21" name="Рисунок 20" descr="Изображение выглядит как Аэрофотосъемка, черно-белый, воздушный, самолет&#10;&#10;Автоматически созданное описание">
+            <a:extLst>
+              <a:ext uri="{FF2B5EF4-FFF2-40B4-BE49-F238E27FC236}">
+                <a16:creationId xmlns:a16="http://schemas.microsoft.com/office/drawing/2014/main" id="{C4B9B6DE-CF9F-876C-FDAE-2D5984352317}"/>
+              </a:ext>
+            </a:extLst>
+          </p:cNvPr>
+          <p:cNvPicPr>
+            <a:picLocks noChangeAspect="1"/>
+          </p:cNvPicPr>
+          <p:nvPr/>
+        </p:nvPicPr>
+        <p:blipFill>
+          <a:blip r:embed="rId7">
+            <a:extLst>
+              <a:ext uri="{28A0092B-C50C-407E-A947-70E740481C1C}">
+                <a14:useLocalDpi xmlns:a14="http://schemas.microsoft.com/office/drawing/2010/main" val="0"/>
+              </a:ext>
+            </a:extLst>
+          </a:blip>
+          <a:stretch>
+            <a:fillRect/>
+          </a:stretch>
+        </p:blipFill>
+        <p:spPr>
+          <a:xfrm>
+            <a:off x="8470547" y="2936427"/>
+            <a:ext cx="3000000" cy="1800000"/>
+          </a:xfrm>
+          <a:prstGeom prst="rect">
+            <a:avLst/>
+          </a:prstGeom>
+        </p:spPr>
+      </p:pic>
+      <p:pic>
+        <p:nvPicPr>
+          <p:cNvPr id="23" name="Рисунок 22" descr="Изображение выглядит как черно-белый, Аэрофотосъемка, воздушный, карта&#10;&#10;Автоматически созданное описание">
+            <a:extLst>
+              <a:ext uri="{FF2B5EF4-FFF2-40B4-BE49-F238E27FC236}">
+                <a16:creationId xmlns:a16="http://schemas.microsoft.com/office/drawing/2014/main" id="{330F5B92-60CF-FADD-BFB7-D43493414D3C}"/>
+              </a:ext>
+            </a:extLst>
+          </p:cNvPr>
+          <p:cNvPicPr>
+            <a:picLocks noChangeAspect="1"/>
+          </p:cNvPicPr>
+          <p:nvPr/>
+        </p:nvPicPr>
+        <p:blipFill>
+          <a:blip r:embed="rId8">
+            <a:extLst>
+              <a:ext uri="{28A0092B-C50C-407E-A947-70E740481C1C}">
+                <a14:useLocalDpi xmlns:a14="http://schemas.microsoft.com/office/drawing/2010/main" val="0"/>
+              </a:ext>
+            </a:extLst>
+          </a:blip>
+          <a:stretch>
+            <a:fillRect/>
+          </a:stretch>
+        </p:blipFill>
+        <p:spPr>
+          <a:xfrm>
+            <a:off x="6970547" y="4921475"/>
+            <a:ext cx="3000000" cy="1800000"/>
+          </a:xfrm>
+          <a:prstGeom prst="rect">
+            <a:avLst/>
+          </a:prstGeom>
+        </p:spPr>
+      </p:pic>
+    </p:spTree>
+    <p:extLst>
+      <p:ext uri="{BB962C8B-B14F-4D97-AF65-F5344CB8AC3E}">
+        <p14:creationId xmlns:p14="http://schemas.microsoft.com/office/powerpoint/2010/main" val="534260545"/>
+      </p:ext>
+    </p:extLst>
+  </p:cSld>
+  <p:clrMapOvr>
+    <a:masterClrMapping/>
+  </p:clrMapOvr>
+</p:sld>
+</file>
+
+<file path=ppt/slides/slide8.xml><?xml version="1.0" encoding="utf-8"?>
+<p:sld xmlns:a="http://schemas.openxmlformats.org/drawingml/2006/main" xmlns:r="http://schemas.openxmlformats.org/officeDocument/2006/relationships" xmlns:p="http://schemas.openxmlformats.org/presentationml/2006/main">
+  <p:cSld>
+    <p:spTree>
+      <p:nvGrpSpPr>
+        <p:cNvPr id="1" name=""/>
+        <p:cNvGrpSpPr/>
+        <p:nvPr/>
+      </p:nvGrpSpPr>
+      <p:grpSpPr>
+        <a:xfrm>
+          <a:off x="0" y="0"/>
+          <a:ext cx="0" cy="0"/>
+          <a:chOff x="0" y="0"/>
+          <a:chExt cx="0" cy="0"/>
+        </a:xfrm>
+      </p:grpSpPr>
+      <p:sp>
+        <p:nvSpPr>
+          <p:cNvPr id="7" name="Номер слайда 6">
+            <a:extLst>
+              <a:ext uri="{FF2B5EF4-FFF2-40B4-BE49-F238E27FC236}">
+                <a16:creationId xmlns:a16="http://schemas.microsoft.com/office/drawing/2014/main" id="{1F92D821-E28A-5FDA-0B87-E79FDB88A215}"/>
+              </a:ext>
+            </a:extLst>
+          </p:cNvPr>
+          <p:cNvSpPr>
+            <a:spLocks noGrp="1"/>
+          </p:cNvSpPr>
+          <p:nvPr>
+            <p:ph type="sldNum" sz="quarter" idx="12"/>
+          </p:nvPr>
+        </p:nvSpPr>
+        <p:spPr/>
+        <p:txBody>
+          <a:bodyPr/>
+          <a:lstStyle/>
+          <a:p>
+            <a:fld id="{36B25E5C-C684-4992-99DD-DF99FD03ACF3}" type="slidenum">
+              <a:rPr lang="ru-RU" smtClean="0"/>
+              <a:t>8</a:t>
+            </a:fld>
+            <a:endParaRPr lang="ru-RU" dirty="0"/>
+          </a:p>
+        </p:txBody>
+      </p:sp>
+      <p:graphicFrame>
+        <p:nvGraphicFramePr>
+          <p:cNvPr id="2" name="Таблица 1">
+            <a:extLst>
+              <a:ext uri="{FF2B5EF4-FFF2-40B4-BE49-F238E27FC236}">
+                <a16:creationId xmlns:a16="http://schemas.microsoft.com/office/drawing/2014/main" id="{D12FA33D-DDA7-1E12-5658-FB81E036E20B}"/>
+              </a:ext>
+            </a:extLst>
+          </p:cNvPr>
+          <p:cNvGraphicFramePr>
+            <a:graphicFrameLocks noGrp="1"/>
+          </p:cNvGraphicFramePr>
+          <p:nvPr>
+            <p:extLst>
+              <p:ext uri="{D42A27DB-BD31-4B8C-83A1-F6EECF244321}">
+                <p14:modId xmlns:p14="http://schemas.microsoft.com/office/powerpoint/2010/main" val="587196780"/>
+              </p:ext>
+            </p:extLst>
+          </p:nvPr>
+        </p:nvGraphicFramePr>
+        <p:xfrm>
+          <a:off x="1103501" y="1557432"/>
+          <a:ext cx="9984998" cy="3017520"/>
+        </p:xfrm>
+        <a:graphic>
+          <a:graphicData uri="http://schemas.openxmlformats.org/drawingml/2006/table">
+            <a:tbl>
+              <a:tblPr firstRow="1" firstCol="1" bandRow="1">
+                <a:tableStyleId>{2D5ABB26-0587-4C30-8999-92F81FD0307C}</a:tableStyleId>
+              </a:tblPr>
+              <a:tblGrid>
+                <a:gridCol w="1647197">
+                  <a:extLst>
+                    <a:ext uri="{9D8B030D-6E8A-4147-A177-3AD203B41FA5}">
+                      <a16:colId xmlns:a16="http://schemas.microsoft.com/office/drawing/2014/main" val="3068054777"/>
+                    </a:ext>
+                  </a:extLst>
+                </a:gridCol>
+                <a:gridCol w="1870745">
+                  <a:extLst>
+                    <a:ext uri="{9D8B030D-6E8A-4147-A177-3AD203B41FA5}">
+                      <a16:colId xmlns:a16="http://schemas.microsoft.com/office/drawing/2014/main" val="808476238"/>
+                    </a:ext>
+                  </a:extLst>
+                </a:gridCol>
+                <a:gridCol w="1946246">
+                  <a:extLst>
+                    <a:ext uri="{9D8B030D-6E8A-4147-A177-3AD203B41FA5}">
+                      <a16:colId xmlns:a16="http://schemas.microsoft.com/office/drawing/2014/main" val="3073163338"/>
+                    </a:ext>
+                  </a:extLst>
+                </a:gridCol>
+                <a:gridCol w="1887523">
+                  <a:extLst>
+                    <a:ext uri="{9D8B030D-6E8A-4147-A177-3AD203B41FA5}">
+                      <a16:colId xmlns:a16="http://schemas.microsoft.com/office/drawing/2014/main" val="4248216670"/>
+                    </a:ext>
+                  </a:extLst>
+                </a:gridCol>
+                <a:gridCol w="1434517">
+                  <a:extLst>
+                    <a:ext uri="{9D8B030D-6E8A-4147-A177-3AD203B41FA5}">
+                      <a16:colId xmlns:a16="http://schemas.microsoft.com/office/drawing/2014/main" val="3838038777"/>
+                    </a:ext>
+                  </a:extLst>
+                </a:gridCol>
+                <a:gridCol w="1198770">
+                  <a:extLst>
+                    <a:ext uri="{9D8B030D-6E8A-4147-A177-3AD203B41FA5}">
+                      <a16:colId xmlns:a16="http://schemas.microsoft.com/office/drawing/2014/main" val="3612326279"/>
+                    </a:ext>
+                  </a:extLst>
+                </a:gridCol>
+              </a:tblGrid>
+              <a:tr h="0">
+                <a:tc>
+                  <a:txBody>
+                    <a:bodyPr/>
+                    <a:lstStyle/>
+                    <a:p>
+                      <a:pPr algn="l"/>
+                      <a:r>
+                        <a:rPr lang="ru-RU" sz="1800">
+                          <a:effectLst/>
+                        </a:rPr>
+                        <a:t>Тип фильтра</a:t>
+                      </a:r>
+                      <a:endParaRPr lang="ru-RU" sz="1800">
+                        <a:effectLst/>
+                        <a:latin typeface="Times New Roman" panose="02020603050405020304" pitchFamily="18" charset="0"/>
+                        <a:ea typeface="Times New Roman" panose="02020603050405020304" pitchFamily="18" charset="0"/>
+                        <a:cs typeface="Times New Roman" panose="02020603050405020304" pitchFamily="18" charset="0"/>
+                      </a:endParaRPr>
+                    </a:p>
+                  </a:txBody>
+                  <a:tcPr marL="68580" marR="68580" marT="0" marB="0">
+                    <a:lnL w="12700" cap="flat" cmpd="sng" algn="ctr">
+                      <a:solidFill>
+                        <a:schemeClr val="tx1"/>
+                      </a:solidFill>
+                      <a:prstDash val="solid"/>
+                      <a:round/>
+                      <a:headEnd type="none" w="med" len="med"/>
+                      <a:tailEnd type="none" w="med" len="med"/>
+                    </a:lnL>
+                    <a:lnR w="12700" cap="flat" cmpd="sng" algn="ctr">
+                      <a:solidFill>
+                        <a:schemeClr val="tx1"/>
+                      </a:solidFill>
+                      <a:prstDash val="solid"/>
+                      <a:round/>
+                      <a:headEnd type="none" w="med" len="med"/>
+                      <a:tailEnd type="none" w="med" len="med"/>
+                    </a:lnR>
+                    <a:lnT w="12700" cap="flat" cmpd="sng" algn="ctr">
+                      <a:solidFill>
+                        <a:schemeClr val="tx1"/>
+                      </a:solidFill>
+                      <a:prstDash val="solid"/>
+                      <a:round/>
+                      <a:headEnd type="none" w="med" len="med"/>
+                      <a:tailEnd type="none" w="med" len="med"/>
+                    </a:lnT>
+                    <a:lnB w="12700" cap="flat" cmpd="sng" algn="ctr">
+                      <a:solidFill>
+                        <a:schemeClr val="tx1"/>
+                      </a:solidFill>
+                      <a:prstDash val="solid"/>
+                      <a:round/>
+                      <a:headEnd type="none" w="med" len="med"/>
+                      <a:tailEnd type="none" w="med" len="med"/>
+                    </a:lnB>
+                  </a:tcPr>
+                </a:tc>
+                <a:tc>
+                  <a:txBody>
+                    <a:bodyPr/>
+                    <a:lstStyle/>
+                    <a:p>
+                      <a:pPr algn="l"/>
+                      <a:r>
+                        <a:rPr lang="ru-RU" sz="1800" dirty="0">
+                          <a:effectLst/>
+                        </a:rPr>
+                        <a:t>Размер окна</a:t>
+                      </a:r>
+                      <a:r>
+                        <a:rPr lang="en-US" sz="1800" dirty="0">
+                          <a:effectLst/>
+                        </a:rPr>
+                        <a:t> </a:t>
+                      </a:r>
+                      <a:r>
+                        <a:rPr lang="en-US" sz="1800" i="1" dirty="0">
+                          <a:effectLst/>
+                        </a:rPr>
+                        <a:t>N</a:t>
+                      </a:r>
+                      <a:r>
+                        <a:rPr lang="ru-RU" sz="1800" dirty="0">
+                          <a:effectLst/>
+                        </a:rPr>
+                        <a:t>, пикселей</a:t>
+                      </a:r>
+                      <a:endParaRPr lang="ru-RU" sz="1800" dirty="0">
+                        <a:effectLst/>
+                        <a:latin typeface="Times New Roman" panose="02020603050405020304" pitchFamily="18" charset="0"/>
+                        <a:ea typeface="Times New Roman" panose="02020603050405020304" pitchFamily="18" charset="0"/>
+                        <a:cs typeface="Times New Roman" panose="02020603050405020304" pitchFamily="18" charset="0"/>
+                      </a:endParaRPr>
+                    </a:p>
+                  </a:txBody>
+                  <a:tcPr marL="68580" marR="68580" marT="0" marB="0">
+                    <a:lnL w="12700" cap="flat" cmpd="sng" algn="ctr">
+                      <a:solidFill>
+                        <a:schemeClr val="tx1"/>
+                      </a:solidFill>
+                      <a:prstDash val="solid"/>
+                      <a:round/>
+                      <a:headEnd type="none" w="med" len="med"/>
+                      <a:tailEnd type="none" w="med" len="med"/>
+                    </a:lnL>
+                    <a:lnR w="12700" cap="flat" cmpd="sng" algn="ctr">
+                      <a:solidFill>
+                        <a:schemeClr val="tx1"/>
+                      </a:solidFill>
+                      <a:prstDash val="solid"/>
+                      <a:round/>
+                      <a:headEnd type="none" w="med" len="med"/>
+                      <a:tailEnd type="none" w="med" len="med"/>
+                    </a:lnR>
+                    <a:lnT w="12700" cap="flat" cmpd="sng" algn="ctr">
+                      <a:solidFill>
+                        <a:schemeClr val="tx1"/>
+                      </a:solidFill>
+                      <a:prstDash val="solid"/>
+                      <a:round/>
+                      <a:headEnd type="none" w="med" len="med"/>
+                      <a:tailEnd type="none" w="med" len="med"/>
+                    </a:lnT>
+                    <a:lnB w="12700" cap="flat" cmpd="sng" algn="ctr">
+                      <a:solidFill>
+                        <a:schemeClr val="tx1"/>
+                      </a:solidFill>
+                      <a:prstDash val="solid"/>
+                      <a:round/>
+                      <a:headEnd type="none" w="med" len="med"/>
+                      <a:tailEnd type="none" w="med" len="med"/>
+                    </a:lnB>
+                  </a:tcPr>
+                </a:tc>
+                <a:tc>
+                  <a:txBody>
+                    <a:bodyPr/>
+                    <a:lstStyle/>
+                    <a:p>
+                      <a:pPr algn="l"/>
+                      <a:r>
+                        <a:rPr lang="ru-RU" sz="1800">
+                          <a:effectLst/>
+                        </a:rPr>
+                        <a:t>Количество скрытых слоёв</a:t>
+                      </a:r>
+                      <a:endParaRPr lang="ru-RU" sz="1800">
+                        <a:effectLst/>
+                        <a:latin typeface="Times New Roman" panose="02020603050405020304" pitchFamily="18" charset="0"/>
+                        <a:ea typeface="Times New Roman" panose="02020603050405020304" pitchFamily="18" charset="0"/>
+                        <a:cs typeface="Times New Roman" panose="02020603050405020304" pitchFamily="18" charset="0"/>
+                      </a:endParaRPr>
+                    </a:p>
+                  </a:txBody>
+                  <a:tcPr marL="68580" marR="68580" marT="0" marB="0">
+                    <a:lnL w="12700" cap="flat" cmpd="sng" algn="ctr">
+                      <a:solidFill>
+                        <a:schemeClr val="tx1"/>
+                      </a:solidFill>
+                      <a:prstDash val="solid"/>
+                      <a:round/>
+                      <a:headEnd type="none" w="med" len="med"/>
+                      <a:tailEnd type="none" w="med" len="med"/>
+                    </a:lnL>
+                    <a:lnR w="12700" cap="flat" cmpd="sng" algn="ctr">
+                      <a:solidFill>
+                        <a:schemeClr val="tx1"/>
+                      </a:solidFill>
+                      <a:prstDash val="solid"/>
+                      <a:round/>
+                      <a:headEnd type="none" w="med" len="med"/>
+                      <a:tailEnd type="none" w="med" len="med"/>
+                    </a:lnR>
+                    <a:lnT w="12700" cap="flat" cmpd="sng" algn="ctr">
+                      <a:solidFill>
+                        <a:schemeClr val="tx1"/>
+                      </a:solidFill>
+                      <a:prstDash val="solid"/>
+                      <a:round/>
+                      <a:headEnd type="none" w="med" len="med"/>
+                      <a:tailEnd type="none" w="med" len="med"/>
+                    </a:lnT>
+                    <a:lnB w="12700" cap="flat" cmpd="sng" algn="ctr">
+                      <a:solidFill>
+                        <a:schemeClr val="tx1"/>
+                      </a:solidFill>
+                      <a:prstDash val="solid"/>
+                      <a:round/>
+                      <a:headEnd type="none" w="med" len="med"/>
+                      <a:tailEnd type="none" w="med" len="med"/>
+                    </a:lnB>
+                  </a:tcPr>
+                </a:tc>
+                <a:tc>
+                  <a:txBody>
+                    <a:bodyPr/>
+                    <a:lstStyle/>
+                    <a:p>
+                      <a:pPr algn="l"/>
+                      <a:r>
+                        <a:rPr lang="ru-RU" sz="1800" dirty="0">
+                          <a:effectLst/>
+                        </a:rPr>
+                        <a:t>Использование нормализации</a:t>
+                      </a:r>
+                      <a:endParaRPr lang="ru-RU" sz="1800" dirty="0">
+                        <a:effectLst/>
+                        <a:latin typeface="Times New Roman" panose="02020603050405020304" pitchFamily="18" charset="0"/>
+                        <a:ea typeface="Times New Roman" panose="02020603050405020304" pitchFamily="18" charset="0"/>
+                        <a:cs typeface="Times New Roman" panose="02020603050405020304" pitchFamily="18" charset="0"/>
+                      </a:endParaRPr>
+                    </a:p>
+                  </a:txBody>
+                  <a:tcPr marL="68580" marR="68580" marT="0" marB="0">
+                    <a:lnL w="12700" cap="flat" cmpd="sng" algn="ctr">
+                      <a:solidFill>
+                        <a:schemeClr val="tx1"/>
+                      </a:solidFill>
+                      <a:prstDash val="solid"/>
+                      <a:round/>
+                      <a:headEnd type="none" w="med" len="med"/>
+                      <a:tailEnd type="none" w="med" len="med"/>
+                    </a:lnL>
+                    <a:lnR w="12700" cap="flat" cmpd="sng" algn="ctr">
+                      <a:solidFill>
+                        <a:schemeClr val="tx1"/>
+                      </a:solidFill>
+                      <a:prstDash val="solid"/>
+                      <a:round/>
+                      <a:headEnd type="none" w="med" len="med"/>
+                      <a:tailEnd type="none" w="med" len="med"/>
+                    </a:lnR>
+                    <a:lnT w="12700" cap="flat" cmpd="sng" algn="ctr">
+                      <a:solidFill>
+                        <a:schemeClr val="tx1"/>
+                      </a:solidFill>
+                      <a:prstDash val="solid"/>
+                      <a:round/>
+                      <a:headEnd type="none" w="med" len="med"/>
+                      <a:tailEnd type="none" w="med" len="med"/>
+                    </a:lnT>
+                    <a:lnB w="12700" cap="flat" cmpd="sng" algn="ctr">
+                      <a:solidFill>
+                        <a:schemeClr val="tx1"/>
+                      </a:solidFill>
+                      <a:prstDash val="solid"/>
+                      <a:round/>
+                      <a:headEnd type="none" w="med" len="med"/>
+                      <a:tailEnd type="none" w="med" len="med"/>
+                    </a:lnB>
+                  </a:tcPr>
+                </a:tc>
+                <a:tc>
+                  <a:txBody>
+                    <a:bodyPr/>
+                    <a:lstStyle/>
+                    <a:p>
+                      <a:pPr algn="l"/>
+                      <a:r>
+                        <a:rPr lang="en-US" sz="1800">
+                          <a:effectLst/>
+                        </a:rPr>
+                        <a:t>SSIM</a:t>
+                      </a:r>
+                      <a:endParaRPr lang="ru-RU" sz="1800">
+                        <a:effectLst/>
+                        <a:latin typeface="Times New Roman" panose="02020603050405020304" pitchFamily="18" charset="0"/>
+                        <a:ea typeface="Times New Roman" panose="02020603050405020304" pitchFamily="18" charset="0"/>
+                        <a:cs typeface="Times New Roman" panose="02020603050405020304" pitchFamily="18" charset="0"/>
+                      </a:endParaRPr>
+                    </a:p>
+                  </a:txBody>
+                  <a:tcPr marL="68580" marR="68580" marT="0" marB="0">
+                    <a:lnL w="12700" cap="flat" cmpd="sng" algn="ctr">
+                      <a:solidFill>
+                        <a:schemeClr val="tx1"/>
+                      </a:solidFill>
+                      <a:prstDash val="solid"/>
+                      <a:round/>
+                      <a:headEnd type="none" w="med" len="med"/>
+                      <a:tailEnd type="none" w="med" len="med"/>
+                    </a:lnL>
+                    <a:lnR w="12700" cap="flat" cmpd="sng" algn="ctr">
+                      <a:solidFill>
+                        <a:schemeClr val="tx1"/>
+                      </a:solidFill>
+                      <a:prstDash val="solid"/>
+                      <a:round/>
+                      <a:headEnd type="none" w="med" len="med"/>
+                      <a:tailEnd type="none" w="med" len="med"/>
+                    </a:lnR>
+                    <a:lnT w="12700" cap="flat" cmpd="sng" algn="ctr">
+                      <a:solidFill>
+                        <a:schemeClr val="tx1"/>
+                      </a:solidFill>
+                      <a:prstDash val="solid"/>
+                      <a:round/>
+                      <a:headEnd type="none" w="med" len="med"/>
+                      <a:tailEnd type="none" w="med" len="med"/>
+                    </a:lnT>
+                    <a:lnB w="12700" cap="flat" cmpd="sng" algn="ctr">
+                      <a:solidFill>
+                        <a:schemeClr val="tx1"/>
+                      </a:solidFill>
+                      <a:prstDash val="solid"/>
+                      <a:round/>
+                      <a:headEnd type="none" w="med" len="med"/>
+                      <a:tailEnd type="none" w="med" len="med"/>
+                    </a:lnB>
+                  </a:tcPr>
+                </a:tc>
+                <a:tc>
+                  <a:txBody>
+                    <a:bodyPr/>
+                    <a:lstStyle/>
+                    <a:p>
+                      <a:pPr algn="l"/>
+                      <a:r>
+                        <a:rPr lang="en-US" sz="1800">
+                          <a:effectLst/>
+                        </a:rPr>
+                        <a:t>GMSD</a:t>
+                      </a:r>
+                      <a:endParaRPr lang="ru-RU" sz="1800">
+                        <a:effectLst/>
+                        <a:latin typeface="Times New Roman" panose="02020603050405020304" pitchFamily="18" charset="0"/>
+                        <a:ea typeface="Times New Roman" panose="02020603050405020304" pitchFamily="18" charset="0"/>
+                        <a:cs typeface="Times New Roman" panose="02020603050405020304" pitchFamily="18" charset="0"/>
+                      </a:endParaRPr>
+                    </a:p>
+                  </a:txBody>
+                  <a:tcPr marL="68580" marR="68580" marT="0" marB="0">
+                    <a:lnL w="12700" cap="flat" cmpd="sng" algn="ctr">
+                      <a:solidFill>
+                        <a:schemeClr val="tx1"/>
+                      </a:solidFill>
+                      <a:prstDash val="solid"/>
+                      <a:round/>
+                      <a:headEnd type="none" w="med" len="med"/>
+                      <a:tailEnd type="none" w="med" len="med"/>
+                    </a:lnL>
+                    <a:lnR w="12700" cap="flat" cmpd="sng" algn="ctr">
+                      <a:solidFill>
+                        <a:schemeClr val="tx1"/>
+                      </a:solidFill>
+                      <a:prstDash val="solid"/>
+                      <a:round/>
+                      <a:headEnd type="none" w="med" len="med"/>
+                      <a:tailEnd type="none" w="med" len="med"/>
+                    </a:lnR>
+                    <a:lnT w="12700" cap="flat" cmpd="sng" algn="ctr">
+                      <a:solidFill>
+                        <a:schemeClr val="tx1"/>
+                      </a:solidFill>
+                      <a:prstDash val="solid"/>
+                      <a:round/>
+                      <a:headEnd type="none" w="med" len="med"/>
+                      <a:tailEnd type="none" w="med" len="med"/>
+                    </a:lnT>
+                    <a:lnB w="12700" cap="flat" cmpd="sng" algn="ctr">
+                      <a:solidFill>
+                        <a:schemeClr val="tx1"/>
+                      </a:solidFill>
+                      <a:prstDash val="solid"/>
+                      <a:round/>
+                      <a:headEnd type="none" w="med" len="med"/>
+                      <a:tailEnd type="none" w="med" len="med"/>
+                    </a:lnB>
+                  </a:tcPr>
+                </a:tc>
+                <a:extLst>
+                  <a:ext uri="{0D108BD9-81ED-4DB2-BD59-A6C34878D82A}">
+                    <a16:rowId xmlns:a16="http://schemas.microsoft.com/office/drawing/2014/main" val="557988482"/>
+                  </a:ext>
+                </a:extLst>
+              </a:tr>
+              <a:tr h="0">
+                <a:tc>
+                  <a:txBody>
+                    <a:bodyPr/>
+                    <a:lstStyle/>
+                    <a:p>
+                      <a:pPr algn="l"/>
+                      <a:r>
+                        <a:rPr lang="ru-RU" sz="1800" dirty="0">
+                          <a:effectLst/>
+                        </a:rPr>
+                        <a:t>ИНС Регрессия</a:t>
+                      </a:r>
+                      <a:endParaRPr lang="ru-RU" sz="1800" dirty="0">
+                        <a:effectLst/>
+                        <a:latin typeface="Times New Roman" panose="02020603050405020304" pitchFamily="18" charset="0"/>
+                        <a:ea typeface="Times New Roman" panose="02020603050405020304" pitchFamily="18" charset="0"/>
+                        <a:cs typeface="Times New Roman" panose="02020603050405020304" pitchFamily="18" charset="0"/>
+                      </a:endParaRPr>
+                    </a:p>
+                  </a:txBody>
+                  <a:tcPr marL="68580" marR="68580" marT="0" marB="0">
+                    <a:lnL w="12700" cap="flat" cmpd="sng" algn="ctr">
+                      <a:solidFill>
+                        <a:schemeClr val="tx1"/>
+                      </a:solidFill>
+                      <a:prstDash val="solid"/>
+                      <a:round/>
+                      <a:headEnd type="none" w="med" len="med"/>
+                      <a:tailEnd type="none" w="med" len="med"/>
+                    </a:lnL>
+                    <a:lnR w="12700" cap="flat" cmpd="sng" algn="ctr">
+                      <a:solidFill>
+                        <a:schemeClr val="tx1"/>
+                      </a:solidFill>
+                      <a:prstDash val="solid"/>
+                      <a:round/>
+                      <a:headEnd type="none" w="med" len="med"/>
+                      <a:tailEnd type="none" w="med" len="med"/>
+                    </a:lnR>
+                    <a:lnT w="12700" cap="flat" cmpd="sng" algn="ctr">
+                      <a:solidFill>
+                        <a:schemeClr val="tx1"/>
+                      </a:solidFill>
+                      <a:prstDash val="solid"/>
+                      <a:round/>
+                      <a:headEnd type="none" w="med" len="med"/>
+                      <a:tailEnd type="none" w="med" len="med"/>
+                    </a:lnT>
+                    <a:lnB w="12700" cap="flat" cmpd="sng" algn="ctr">
+                      <a:solidFill>
+                        <a:schemeClr val="tx1"/>
+                      </a:solidFill>
+                      <a:prstDash val="solid"/>
+                      <a:round/>
+                      <a:headEnd type="none" w="med" len="med"/>
+                      <a:tailEnd type="none" w="med" len="med"/>
+                    </a:lnB>
+                  </a:tcPr>
+                </a:tc>
+                <a:tc>
+                  <a:txBody>
+                    <a:bodyPr/>
+                    <a:lstStyle/>
+                    <a:p>
+                      <a:pPr algn="l"/>
+                      <a:r>
+                        <a:rPr lang="en-US" sz="1800">
+                          <a:effectLst/>
+                        </a:rPr>
+                        <a:t>7</a:t>
+                      </a:r>
+                      <a:r>
+                        <a:rPr lang="ru-RU" sz="1800">
+                          <a:effectLst/>
+                          <a:sym typeface="Symbol" panose="05050102010706020507" pitchFamily="18" charset="2"/>
+                        </a:rPr>
+                        <a:t></a:t>
+                      </a:r>
+                      <a:r>
+                        <a:rPr lang="en-US" sz="1800">
+                          <a:effectLst/>
+                        </a:rPr>
+                        <a:t>7</a:t>
+                      </a:r>
+                      <a:endParaRPr lang="ru-RU" sz="1800">
+                        <a:effectLst/>
+                        <a:latin typeface="Times New Roman" panose="02020603050405020304" pitchFamily="18" charset="0"/>
+                        <a:ea typeface="Times New Roman" panose="02020603050405020304" pitchFamily="18" charset="0"/>
+                        <a:cs typeface="Times New Roman" panose="02020603050405020304" pitchFamily="18" charset="0"/>
+                      </a:endParaRPr>
+                    </a:p>
+                  </a:txBody>
+                  <a:tcPr marL="68580" marR="68580" marT="0" marB="0">
+                    <a:lnL w="12700" cap="flat" cmpd="sng" algn="ctr">
+                      <a:solidFill>
+                        <a:schemeClr val="tx1"/>
+                      </a:solidFill>
+                      <a:prstDash val="solid"/>
+                      <a:round/>
+                      <a:headEnd type="none" w="med" len="med"/>
+                      <a:tailEnd type="none" w="med" len="med"/>
+                    </a:lnL>
+                    <a:lnR w="12700" cap="flat" cmpd="sng" algn="ctr">
+                      <a:solidFill>
+                        <a:schemeClr val="tx1"/>
+                      </a:solidFill>
+                      <a:prstDash val="solid"/>
+                      <a:round/>
+                      <a:headEnd type="none" w="med" len="med"/>
+                      <a:tailEnd type="none" w="med" len="med"/>
+                    </a:lnR>
+                    <a:lnT w="12700" cap="flat" cmpd="sng" algn="ctr">
+                      <a:solidFill>
+                        <a:schemeClr val="tx1"/>
+                      </a:solidFill>
+                      <a:prstDash val="solid"/>
+                      <a:round/>
+                      <a:headEnd type="none" w="med" len="med"/>
+                      <a:tailEnd type="none" w="med" len="med"/>
+                    </a:lnT>
+                    <a:lnB w="12700" cap="flat" cmpd="sng" algn="ctr">
+                      <a:solidFill>
+                        <a:schemeClr val="tx1"/>
+                      </a:solidFill>
+                      <a:prstDash val="solid"/>
+                      <a:round/>
+                      <a:headEnd type="none" w="med" len="med"/>
+                      <a:tailEnd type="none" w="med" len="med"/>
+                    </a:lnB>
+                  </a:tcPr>
+                </a:tc>
+                <a:tc>
+                  <a:txBody>
+                    <a:bodyPr/>
+                    <a:lstStyle/>
+                    <a:p>
+                      <a:pPr algn="l"/>
+                      <a:r>
+                        <a:rPr lang="en-US" sz="1800">
+                          <a:effectLst/>
+                        </a:rPr>
+                        <a:t>5</a:t>
+                      </a:r>
+                      <a:endParaRPr lang="ru-RU" sz="1800">
+                        <a:effectLst/>
+                        <a:latin typeface="Times New Roman" panose="02020603050405020304" pitchFamily="18" charset="0"/>
+                        <a:ea typeface="Times New Roman" panose="02020603050405020304" pitchFamily="18" charset="0"/>
+                        <a:cs typeface="Times New Roman" panose="02020603050405020304" pitchFamily="18" charset="0"/>
+                      </a:endParaRPr>
+                    </a:p>
+                  </a:txBody>
+                  <a:tcPr marL="68580" marR="68580" marT="0" marB="0">
+                    <a:lnL w="12700" cap="flat" cmpd="sng" algn="ctr">
+                      <a:solidFill>
+                        <a:schemeClr val="tx1"/>
+                      </a:solidFill>
+                      <a:prstDash val="solid"/>
+                      <a:round/>
+                      <a:headEnd type="none" w="med" len="med"/>
+                      <a:tailEnd type="none" w="med" len="med"/>
+                    </a:lnL>
+                    <a:lnR w="12700" cap="flat" cmpd="sng" algn="ctr">
+                      <a:solidFill>
+                        <a:schemeClr val="tx1"/>
+                      </a:solidFill>
+                      <a:prstDash val="solid"/>
+                      <a:round/>
+                      <a:headEnd type="none" w="med" len="med"/>
+                      <a:tailEnd type="none" w="med" len="med"/>
+                    </a:lnR>
+                    <a:lnT w="12700" cap="flat" cmpd="sng" algn="ctr">
+                      <a:solidFill>
+                        <a:schemeClr val="tx1"/>
+                      </a:solidFill>
+                      <a:prstDash val="solid"/>
+                      <a:round/>
+                      <a:headEnd type="none" w="med" len="med"/>
+                      <a:tailEnd type="none" w="med" len="med"/>
+                    </a:lnT>
+                    <a:lnB w="12700" cap="flat" cmpd="sng" algn="ctr">
+                      <a:solidFill>
+                        <a:schemeClr val="tx1"/>
+                      </a:solidFill>
+                      <a:prstDash val="solid"/>
+                      <a:round/>
+                      <a:headEnd type="none" w="med" len="med"/>
+                      <a:tailEnd type="none" w="med" len="med"/>
+                    </a:lnB>
+                  </a:tcPr>
+                </a:tc>
+                <a:tc>
+                  <a:txBody>
+                    <a:bodyPr/>
+                    <a:lstStyle/>
+                    <a:p>
+                      <a:pPr algn="l"/>
+                      <a:r>
+                        <a:rPr lang="ru-RU" sz="1800">
+                          <a:effectLst/>
+                        </a:rPr>
+                        <a:t>Нет</a:t>
+                      </a:r>
+                      <a:endParaRPr lang="ru-RU" sz="1800">
+                        <a:effectLst/>
+                        <a:latin typeface="Times New Roman" panose="02020603050405020304" pitchFamily="18" charset="0"/>
+                        <a:ea typeface="Times New Roman" panose="02020603050405020304" pitchFamily="18" charset="0"/>
+                        <a:cs typeface="Times New Roman" panose="02020603050405020304" pitchFamily="18" charset="0"/>
+                      </a:endParaRPr>
+                    </a:p>
+                  </a:txBody>
+                  <a:tcPr marL="68580" marR="68580" marT="0" marB="0">
+                    <a:lnL w="12700" cap="flat" cmpd="sng" algn="ctr">
+                      <a:solidFill>
+                        <a:schemeClr val="tx1"/>
+                      </a:solidFill>
+                      <a:prstDash val="solid"/>
+                      <a:round/>
+                      <a:headEnd type="none" w="med" len="med"/>
+                      <a:tailEnd type="none" w="med" len="med"/>
+                    </a:lnL>
+                    <a:lnR w="12700" cap="flat" cmpd="sng" algn="ctr">
+                      <a:solidFill>
+                        <a:schemeClr val="tx1"/>
+                      </a:solidFill>
+                      <a:prstDash val="solid"/>
+                      <a:round/>
+                      <a:headEnd type="none" w="med" len="med"/>
+                      <a:tailEnd type="none" w="med" len="med"/>
+                    </a:lnR>
+                    <a:lnT w="12700" cap="flat" cmpd="sng" algn="ctr">
+                      <a:solidFill>
+                        <a:schemeClr val="tx1"/>
+                      </a:solidFill>
+                      <a:prstDash val="solid"/>
+                      <a:round/>
+                      <a:headEnd type="none" w="med" len="med"/>
+                      <a:tailEnd type="none" w="med" len="med"/>
+                    </a:lnT>
+                    <a:lnB w="12700" cap="flat" cmpd="sng" algn="ctr">
+                      <a:solidFill>
+                        <a:schemeClr val="tx1"/>
+                      </a:solidFill>
+                      <a:prstDash val="solid"/>
+                      <a:round/>
+                      <a:headEnd type="none" w="med" len="med"/>
+                      <a:tailEnd type="none" w="med" len="med"/>
+                    </a:lnB>
+                  </a:tcPr>
+                </a:tc>
+                <a:tc>
+                  <a:txBody>
+                    <a:bodyPr/>
+                    <a:lstStyle/>
+                    <a:p>
+                      <a:pPr algn="l"/>
+                      <a:r>
+                        <a:rPr lang="en-US" sz="1800" b="1">
+                          <a:effectLst/>
+                        </a:rPr>
+                        <a:t>0.875</a:t>
+                      </a:r>
+                      <a:endParaRPr lang="ru-RU" sz="1800" b="1">
+                        <a:effectLst/>
+                        <a:latin typeface="Times New Roman" panose="02020603050405020304" pitchFamily="18" charset="0"/>
+                        <a:ea typeface="Times New Roman" panose="02020603050405020304" pitchFamily="18" charset="0"/>
+                        <a:cs typeface="Times New Roman" panose="02020603050405020304" pitchFamily="18" charset="0"/>
+                      </a:endParaRPr>
+                    </a:p>
+                  </a:txBody>
+                  <a:tcPr marL="68580" marR="68580" marT="0" marB="0">
+                    <a:lnL w="12700" cap="flat" cmpd="sng" algn="ctr">
+                      <a:solidFill>
+                        <a:schemeClr val="tx1"/>
+                      </a:solidFill>
+                      <a:prstDash val="solid"/>
+                      <a:round/>
+                      <a:headEnd type="none" w="med" len="med"/>
+                      <a:tailEnd type="none" w="med" len="med"/>
+                    </a:lnL>
+                    <a:lnR w="12700" cap="flat" cmpd="sng" algn="ctr">
+                      <a:solidFill>
+                        <a:schemeClr val="tx1"/>
+                      </a:solidFill>
+                      <a:prstDash val="solid"/>
+                      <a:round/>
+                      <a:headEnd type="none" w="med" len="med"/>
+                      <a:tailEnd type="none" w="med" len="med"/>
+                    </a:lnR>
+                    <a:lnT w="12700" cap="flat" cmpd="sng" algn="ctr">
+                      <a:solidFill>
+                        <a:schemeClr val="tx1"/>
+                      </a:solidFill>
+                      <a:prstDash val="solid"/>
+                      <a:round/>
+                      <a:headEnd type="none" w="med" len="med"/>
+                      <a:tailEnd type="none" w="med" len="med"/>
+                    </a:lnT>
+                    <a:lnB w="12700" cap="flat" cmpd="sng" algn="ctr">
+                      <a:solidFill>
+                        <a:schemeClr val="tx1"/>
+                      </a:solidFill>
+                      <a:prstDash val="solid"/>
+                      <a:round/>
+                      <a:headEnd type="none" w="med" len="med"/>
+                      <a:tailEnd type="none" w="med" len="med"/>
+                    </a:lnB>
+                  </a:tcPr>
+                </a:tc>
+                <a:tc>
+                  <a:txBody>
+                    <a:bodyPr/>
+                    <a:lstStyle/>
+                    <a:p>
+                      <a:pPr algn="l"/>
+                      <a:r>
+                        <a:rPr lang="en-US" sz="1800" b="1" dirty="0">
+                          <a:effectLst/>
+                        </a:rPr>
+                        <a:t>0.056</a:t>
+                      </a:r>
+                      <a:endParaRPr lang="ru-RU" sz="1800" b="1" dirty="0">
+                        <a:effectLst/>
+                        <a:latin typeface="Times New Roman" panose="02020603050405020304" pitchFamily="18" charset="0"/>
+                        <a:ea typeface="Times New Roman" panose="02020603050405020304" pitchFamily="18" charset="0"/>
+                        <a:cs typeface="Times New Roman" panose="02020603050405020304" pitchFamily="18" charset="0"/>
+                      </a:endParaRPr>
+                    </a:p>
+                  </a:txBody>
+                  <a:tcPr marL="68580" marR="68580" marT="0" marB="0">
+                    <a:lnL w="12700" cap="flat" cmpd="sng" algn="ctr">
+                      <a:solidFill>
+                        <a:schemeClr val="tx1"/>
+                      </a:solidFill>
+                      <a:prstDash val="solid"/>
+                      <a:round/>
+                      <a:headEnd type="none" w="med" len="med"/>
+                      <a:tailEnd type="none" w="med" len="med"/>
+                    </a:lnL>
+                    <a:lnR w="12700" cap="flat" cmpd="sng" algn="ctr">
+                      <a:solidFill>
+                        <a:schemeClr val="tx1"/>
+                      </a:solidFill>
+                      <a:prstDash val="solid"/>
+                      <a:round/>
+                      <a:headEnd type="none" w="med" len="med"/>
+                      <a:tailEnd type="none" w="med" len="med"/>
+                    </a:lnR>
+                    <a:lnT w="12700" cap="flat" cmpd="sng" algn="ctr">
+                      <a:solidFill>
+                        <a:schemeClr val="tx1"/>
+                      </a:solidFill>
+                      <a:prstDash val="solid"/>
+                      <a:round/>
+                      <a:headEnd type="none" w="med" len="med"/>
+                      <a:tailEnd type="none" w="med" len="med"/>
+                    </a:lnT>
+                    <a:lnB w="12700" cap="flat" cmpd="sng" algn="ctr">
+                      <a:solidFill>
+                        <a:schemeClr val="tx1"/>
+                      </a:solidFill>
+                      <a:prstDash val="solid"/>
+                      <a:round/>
+                      <a:headEnd type="none" w="med" len="med"/>
+                      <a:tailEnd type="none" w="med" len="med"/>
+                    </a:lnB>
+                  </a:tcPr>
+                </a:tc>
+                <a:extLst>
+                  <a:ext uri="{0D108BD9-81ED-4DB2-BD59-A6C34878D82A}">
+                    <a16:rowId xmlns:a16="http://schemas.microsoft.com/office/drawing/2014/main" val="3812151857"/>
+                  </a:ext>
+                </a:extLst>
+              </a:tr>
+              <a:tr h="0">
+                <a:tc>
+                  <a:txBody>
+                    <a:bodyPr/>
+                    <a:lstStyle/>
+                    <a:p>
+                      <a:pPr algn="l"/>
+                      <a:r>
+                        <a:rPr lang="ru-RU" sz="1800" dirty="0">
+                          <a:effectLst/>
+                        </a:rPr>
+                        <a:t>ИНС Регрессия</a:t>
+                      </a:r>
+                      <a:endParaRPr lang="ru-RU" sz="1800" dirty="0">
+                        <a:effectLst/>
+                        <a:latin typeface="Times New Roman" panose="02020603050405020304" pitchFamily="18" charset="0"/>
+                        <a:ea typeface="Times New Roman" panose="02020603050405020304" pitchFamily="18" charset="0"/>
+                        <a:cs typeface="Times New Roman" panose="02020603050405020304" pitchFamily="18" charset="0"/>
+                      </a:endParaRPr>
+                    </a:p>
+                  </a:txBody>
+                  <a:tcPr marL="68580" marR="68580" marT="0" marB="0">
+                    <a:lnL w="12700" cap="flat" cmpd="sng" algn="ctr">
+                      <a:solidFill>
+                        <a:schemeClr val="tx1"/>
+                      </a:solidFill>
+                      <a:prstDash val="solid"/>
+                      <a:round/>
+                      <a:headEnd type="none" w="med" len="med"/>
+                      <a:tailEnd type="none" w="med" len="med"/>
+                    </a:lnL>
+                    <a:lnR w="12700" cap="flat" cmpd="sng" algn="ctr">
+                      <a:solidFill>
+                        <a:schemeClr val="tx1"/>
+                      </a:solidFill>
+                      <a:prstDash val="solid"/>
+                      <a:round/>
+                      <a:headEnd type="none" w="med" len="med"/>
+                      <a:tailEnd type="none" w="med" len="med"/>
+                    </a:lnR>
+                    <a:lnT w="12700" cap="flat" cmpd="sng" algn="ctr">
+                      <a:solidFill>
+                        <a:schemeClr val="tx1"/>
+                      </a:solidFill>
+                      <a:prstDash val="solid"/>
+                      <a:round/>
+                      <a:headEnd type="none" w="med" len="med"/>
+                      <a:tailEnd type="none" w="med" len="med"/>
+                    </a:lnT>
+                    <a:lnB w="12700" cap="flat" cmpd="sng" algn="ctr">
+                      <a:solidFill>
+                        <a:schemeClr val="tx1"/>
+                      </a:solidFill>
+                      <a:prstDash val="solid"/>
+                      <a:round/>
+                      <a:headEnd type="none" w="med" len="med"/>
+                      <a:tailEnd type="none" w="med" len="med"/>
+                    </a:lnB>
+                  </a:tcPr>
+                </a:tc>
+                <a:tc>
+                  <a:txBody>
+                    <a:bodyPr/>
+                    <a:lstStyle/>
+                    <a:p>
+                      <a:pPr algn="l"/>
+                      <a:r>
+                        <a:rPr lang="en-US" sz="1800" dirty="0">
+                          <a:effectLst/>
+                        </a:rPr>
+                        <a:t>7</a:t>
+                      </a:r>
+                      <a:r>
+                        <a:rPr lang="ru-RU" sz="1800" dirty="0">
+                          <a:effectLst/>
+                          <a:sym typeface="Symbol" panose="05050102010706020507" pitchFamily="18" charset="2"/>
+                        </a:rPr>
+                        <a:t></a:t>
+                      </a:r>
+                      <a:r>
+                        <a:rPr lang="en-US" sz="1800" dirty="0">
+                          <a:effectLst/>
+                        </a:rPr>
+                        <a:t>7</a:t>
+                      </a:r>
+                      <a:endParaRPr lang="ru-RU" sz="1800" dirty="0">
+                        <a:effectLst/>
+                        <a:latin typeface="Times New Roman" panose="02020603050405020304" pitchFamily="18" charset="0"/>
+                        <a:ea typeface="Times New Roman" panose="02020603050405020304" pitchFamily="18" charset="0"/>
+                        <a:cs typeface="Times New Roman" panose="02020603050405020304" pitchFamily="18" charset="0"/>
+                      </a:endParaRPr>
+                    </a:p>
+                  </a:txBody>
+                  <a:tcPr marL="68580" marR="68580" marT="0" marB="0">
+                    <a:lnL w="12700" cap="flat" cmpd="sng" algn="ctr">
+                      <a:solidFill>
+                        <a:schemeClr val="tx1"/>
+                      </a:solidFill>
+                      <a:prstDash val="solid"/>
+                      <a:round/>
+                      <a:headEnd type="none" w="med" len="med"/>
+                      <a:tailEnd type="none" w="med" len="med"/>
+                    </a:lnL>
+                    <a:lnR w="12700" cap="flat" cmpd="sng" algn="ctr">
+                      <a:solidFill>
+                        <a:schemeClr val="tx1"/>
+                      </a:solidFill>
+                      <a:prstDash val="solid"/>
+                      <a:round/>
+                      <a:headEnd type="none" w="med" len="med"/>
+                      <a:tailEnd type="none" w="med" len="med"/>
+                    </a:lnR>
+                    <a:lnT w="12700" cap="flat" cmpd="sng" algn="ctr">
+                      <a:solidFill>
+                        <a:schemeClr val="tx1"/>
+                      </a:solidFill>
+                      <a:prstDash val="solid"/>
+                      <a:round/>
+                      <a:headEnd type="none" w="med" len="med"/>
+                      <a:tailEnd type="none" w="med" len="med"/>
+                    </a:lnT>
+                    <a:lnB w="12700" cap="flat" cmpd="sng" algn="ctr">
+                      <a:solidFill>
+                        <a:schemeClr val="tx1"/>
+                      </a:solidFill>
+                      <a:prstDash val="solid"/>
+                      <a:round/>
+                      <a:headEnd type="none" w="med" len="med"/>
+                      <a:tailEnd type="none" w="med" len="med"/>
+                    </a:lnB>
+                  </a:tcPr>
+                </a:tc>
+                <a:tc>
+                  <a:txBody>
+                    <a:bodyPr/>
+                    <a:lstStyle/>
+                    <a:p>
+                      <a:pPr algn="l"/>
+                      <a:r>
+                        <a:rPr lang="en-US" sz="1800">
+                          <a:effectLst/>
+                        </a:rPr>
+                        <a:t>5</a:t>
+                      </a:r>
+                      <a:endParaRPr lang="ru-RU" sz="1800">
+                        <a:effectLst/>
+                        <a:latin typeface="Times New Roman" panose="02020603050405020304" pitchFamily="18" charset="0"/>
+                        <a:ea typeface="Times New Roman" panose="02020603050405020304" pitchFamily="18" charset="0"/>
+                        <a:cs typeface="Times New Roman" panose="02020603050405020304" pitchFamily="18" charset="0"/>
+                      </a:endParaRPr>
+                    </a:p>
+                  </a:txBody>
+                  <a:tcPr marL="68580" marR="68580" marT="0" marB="0">
+                    <a:lnL w="12700" cap="flat" cmpd="sng" algn="ctr">
+                      <a:solidFill>
+                        <a:schemeClr val="tx1"/>
+                      </a:solidFill>
+                      <a:prstDash val="solid"/>
+                      <a:round/>
+                      <a:headEnd type="none" w="med" len="med"/>
+                      <a:tailEnd type="none" w="med" len="med"/>
+                    </a:lnL>
+                    <a:lnR w="12700" cap="flat" cmpd="sng" algn="ctr">
+                      <a:solidFill>
+                        <a:schemeClr val="tx1"/>
+                      </a:solidFill>
+                      <a:prstDash val="solid"/>
+                      <a:round/>
+                      <a:headEnd type="none" w="med" len="med"/>
+                      <a:tailEnd type="none" w="med" len="med"/>
+                    </a:lnR>
+                    <a:lnT w="12700" cap="flat" cmpd="sng" algn="ctr">
+                      <a:solidFill>
+                        <a:schemeClr val="tx1"/>
+                      </a:solidFill>
+                      <a:prstDash val="solid"/>
+                      <a:round/>
+                      <a:headEnd type="none" w="med" len="med"/>
+                      <a:tailEnd type="none" w="med" len="med"/>
+                    </a:lnT>
+                    <a:lnB w="12700" cap="flat" cmpd="sng" algn="ctr">
+                      <a:solidFill>
+                        <a:schemeClr val="tx1"/>
+                      </a:solidFill>
+                      <a:prstDash val="solid"/>
+                      <a:round/>
+                      <a:headEnd type="none" w="med" len="med"/>
+                      <a:tailEnd type="none" w="med" len="med"/>
+                    </a:lnB>
+                  </a:tcPr>
+                </a:tc>
+                <a:tc>
+                  <a:txBody>
+                    <a:bodyPr/>
+                    <a:lstStyle/>
+                    <a:p>
+                      <a:pPr algn="l"/>
+                      <a:r>
+                        <a:rPr lang="ru-RU" sz="1800">
+                          <a:effectLst/>
+                        </a:rPr>
+                        <a:t>Да</a:t>
+                      </a:r>
+                      <a:endParaRPr lang="ru-RU" sz="1800">
+                        <a:effectLst/>
+                        <a:latin typeface="Times New Roman" panose="02020603050405020304" pitchFamily="18" charset="0"/>
+                        <a:ea typeface="Times New Roman" panose="02020603050405020304" pitchFamily="18" charset="0"/>
+                        <a:cs typeface="Times New Roman" panose="02020603050405020304" pitchFamily="18" charset="0"/>
+                      </a:endParaRPr>
+                    </a:p>
+                  </a:txBody>
+                  <a:tcPr marL="68580" marR="68580" marT="0" marB="0">
+                    <a:lnL w="12700" cap="flat" cmpd="sng" algn="ctr">
+                      <a:solidFill>
+                        <a:schemeClr val="tx1"/>
+                      </a:solidFill>
+                      <a:prstDash val="solid"/>
+                      <a:round/>
+                      <a:headEnd type="none" w="med" len="med"/>
+                      <a:tailEnd type="none" w="med" len="med"/>
+                    </a:lnL>
+                    <a:lnR w="12700" cap="flat" cmpd="sng" algn="ctr">
+                      <a:solidFill>
+                        <a:schemeClr val="tx1"/>
+                      </a:solidFill>
+                      <a:prstDash val="solid"/>
+                      <a:round/>
+                      <a:headEnd type="none" w="med" len="med"/>
+                      <a:tailEnd type="none" w="med" len="med"/>
+                    </a:lnR>
+                    <a:lnT w="12700" cap="flat" cmpd="sng" algn="ctr">
+                      <a:solidFill>
+                        <a:schemeClr val="tx1"/>
+                      </a:solidFill>
+                      <a:prstDash val="solid"/>
+                      <a:round/>
+                      <a:headEnd type="none" w="med" len="med"/>
+                      <a:tailEnd type="none" w="med" len="med"/>
+                    </a:lnT>
+                    <a:lnB w="12700" cap="flat" cmpd="sng" algn="ctr">
+                      <a:solidFill>
+                        <a:schemeClr val="tx1"/>
+                      </a:solidFill>
+                      <a:prstDash val="solid"/>
+                      <a:round/>
+                      <a:headEnd type="none" w="med" len="med"/>
+                      <a:tailEnd type="none" w="med" len="med"/>
+                    </a:lnB>
+                  </a:tcPr>
+                </a:tc>
+                <a:tc>
+                  <a:txBody>
+                    <a:bodyPr/>
+                    <a:lstStyle/>
+                    <a:p>
+                      <a:pPr algn="l"/>
+                      <a:r>
+                        <a:rPr lang="en-US" sz="1800">
+                          <a:effectLst/>
+                        </a:rPr>
+                        <a:t>0.846</a:t>
+                      </a:r>
+                      <a:endParaRPr lang="ru-RU" sz="1800">
+                        <a:effectLst/>
+                        <a:latin typeface="Times New Roman" panose="02020603050405020304" pitchFamily="18" charset="0"/>
+                        <a:ea typeface="Times New Roman" panose="02020603050405020304" pitchFamily="18" charset="0"/>
+                        <a:cs typeface="Times New Roman" panose="02020603050405020304" pitchFamily="18" charset="0"/>
+                      </a:endParaRPr>
+                    </a:p>
+                  </a:txBody>
+                  <a:tcPr marL="68580" marR="68580" marT="0" marB="0">
+                    <a:lnL w="12700" cap="flat" cmpd="sng" algn="ctr">
+                      <a:solidFill>
+                        <a:schemeClr val="tx1"/>
+                      </a:solidFill>
+                      <a:prstDash val="solid"/>
+                      <a:round/>
+                      <a:headEnd type="none" w="med" len="med"/>
+                      <a:tailEnd type="none" w="med" len="med"/>
+                    </a:lnL>
+                    <a:lnR w="12700" cap="flat" cmpd="sng" algn="ctr">
+                      <a:solidFill>
+                        <a:schemeClr val="tx1"/>
+                      </a:solidFill>
+                      <a:prstDash val="solid"/>
+                      <a:round/>
+                      <a:headEnd type="none" w="med" len="med"/>
+                      <a:tailEnd type="none" w="med" len="med"/>
+                    </a:lnR>
+                    <a:lnT w="12700" cap="flat" cmpd="sng" algn="ctr">
+                      <a:solidFill>
+                        <a:schemeClr val="tx1"/>
+                      </a:solidFill>
+                      <a:prstDash val="solid"/>
+                      <a:round/>
+                      <a:headEnd type="none" w="med" len="med"/>
+                      <a:tailEnd type="none" w="med" len="med"/>
+                    </a:lnT>
+                    <a:lnB w="12700" cap="flat" cmpd="sng" algn="ctr">
+                      <a:solidFill>
+                        <a:schemeClr val="tx1"/>
+                      </a:solidFill>
+                      <a:prstDash val="solid"/>
+                      <a:round/>
+                      <a:headEnd type="none" w="med" len="med"/>
+                      <a:tailEnd type="none" w="med" len="med"/>
+                    </a:lnB>
+                  </a:tcPr>
+                </a:tc>
+                <a:tc>
+                  <a:txBody>
+                    <a:bodyPr/>
+                    <a:lstStyle/>
+                    <a:p>
+                      <a:pPr algn="l"/>
+                      <a:r>
+                        <a:rPr lang="en-US" sz="1800">
+                          <a:effectLst/>
+                        </a:rPr>
+                        <a:t>0.064</a:t>
+                      </a:r>
+                      <a:endParaRPr lang="ru-RU" sz="1800">
+                        <a:effectLst/>
+                        <a:latin typeface="Times New Roman" panose="02020603050405020304" pitchFamily="18" charset="0"/>
+                        <a:ea typeface="Times New Roman" panose="02020603050405020304" pitchFamily="18" charset="0"/>
+                        <a:cs typeface="Times New Roman" panose="02020603050405020304" pitchFamily="18" charset="0"/>
+                      </a:endParaRPr>
+                    </a:p>
+                  </a:txBody>
+                  <a:tcPr marL="68580" marR="68580" marT="0" marB="0">
+                    <a:lnL w="12700" cap="flat" cmpd="sng" algn="ctr">
+                      <a:solidFill>
+                        <a:schemeClr val="tx1"/>
+                      </a:solidFill>
+                      <a:prstDash val="solid"/>
+                      <a:round/>
+                      <a:headEnd type="none" w="med" len="med"/>
+                      <a:tailEnd type="none" w="med" len="med"/>
+                    </a:lnL>
+                    <a:lnR w="12700" cap="flat" cmpd="sng" algn="ctr">
+                      <a:solidFill>
+                        <a:schemeClr val="tx1"/>
+                      </a:solidFill>
+                      <a:prstDash val="solid"/>
+                      <a:round/>
+                      <a:headEnd type="none" w="med" len="med"/>
+                      <a:tailEnd type="none" w="med" len="med"/>
+                    </a:lnR>
+                    <a:lnT w="12700" cap="flat" cmpd="sng" algn="ctr">
+                      <a:solidFill>
+                        <a:schemeClr val="tx1"/>
+                      </a:solidFill>
+                      <a:prstDash val="solid"/>
+                      <a:round/>
+                      <a:headEnd type="none" w="med" len="med"/>
+                      <a:tailEnd type="none" w="med" len="med"/>
+                    </a:lnT>
+                    <a:lnB w="12700" cap="flat" cmpd="sng" algn="ctr">
+                      <a:solidFill>
+                        <a:schemeClr val="tx1"/>
+                      </a:solidFill>
+                      <a:prstDash val="solid"/>
+                      <a:round/>
+                      <a:headEnd type="none" w="med" len="med"/>
+                      <a:tailEnd type="none" w="med" len="med"/>
+                    </a:lnB>
+                  </a:tcPr>
+                </a:tc>
+                <a:extLst>
+                  <a:ext uri="{0D108BD9-81ED-4DB2-BD59-A6C34878D82A}">
+                    <a16:rowId xmlns:a16="http://schemas.microsoft.com/office/drawing/2014/main" val="3039855828"/>
+                  </a:ext>
+                </a:extLst>
+              </a:tr>
+              <a:tr h="0">
+                <a:tc>
+                  <a:txBody>
+                    <a:bodyPr/>
+                    <a:lstStyle/>
+                    <a:p>
+                      <a:pPr algn="l"/>
+                      <a:r>
+                        <a:rPr lang="ru-RU" sz="1800">
+                          <a:effectLst/>
+                        </a:rPr>
+                        <a:t>ИНС Классификация</a:t>
+                      </a:r>
+                      <a:endParaRPr lang="ru-RU" sz="1800">
+                        <a:effectLst/>
+                        <a:latin typeface="Times New Roman" panose="02020603050405020304" pitchFamily="18" charset="0"/>
+                        <a:ea typeface="Times New Roman" panose="02020603050405020304" pitchFamily="18" charset="0"/>
+                        <a:cs typeface="Times New Roman" panose="02020603050405020304" pitchFamily="18" charset="0"/>
+                      </a:endParaRPr>
+                    </a:p>
+                  </a:txBody>
+                  <a:tcPr marL="68580" marR="68580" marT="0" marB="0">
+                    <a:lnL w="12700" cap="flat" cmpd="sng" algn="ctr">
+                      <a:solidFill>
+                        <a:schemeClr val="tx1"/>
+                      </a:solidFill>
+                      <a:prstDash val="solid"/>
+                      <a:round/>
+                      <a:headEnd type="none" w="med" len="med"/>
+                      <a:tailEnd type="none" w="med" len="med"/>
+                    </a:lnL>
+                    <a:lnR w="12700" cap="flat" cmpd="sng" algn="ctr">
+                      <a:solidFill>
+                        <a:schemeClr val="tx1"/>
+                      </a:solidFill>
+                      <a:prstDash val="solid"/>
+                      <a:round/>
+                      <a:headEnd type="none" w="med" len="med"/>
+                      <a:tailEnd type="none" w="med" len="med"/>
+                    </a:lnR>
+                    <a:lnT w="12700" cap="flat" cmpd="sng" algn="ctr">
+                      <a:solidFill>
+                        <a:schemeClr val="tx1"/>
+                      </a:solidFill>
+                      <a:prstDash val="solid"/>
+                      <a:round/>
+                      <a:headEnd type="none" w="med" len="med"/>
+                      <a:tailEnd type="none" w="med" len="med"/>
+                    </a:lnT>
+                    <a:lnB w="12700" cap="flat" cmpd="sng" algn="ctr">
+                      <a:solidFill>
+                        <a:schemeClr val="tx1"/>
+                      </a:solidFill>
+                      <a:prstDash val="solid"/>
+                      <a:round/>
+                      <a:headEnd type="none" w="med" len="med"/>
+                      <a:tailEnd type="none" w="med" len="med"/>
+                    </a:lnB>
+                  </a:tcPr>
+                </a:tc>
+                <a:tc>
+                  <a:txBody>
+                    <a:bodyPr/>
+                    <a:lstStyle/>
+                    <a:p>
+                      <a:pPr algn="l"/>
+                      <a:r>
+                        <a:rPr lang="en-US" sz="1800" dirty="0">
+                          <a:effectLst/>
+                        </a:rPr>
+                        <a:t>7</a:t>
+                      </a:r>
+                      <a:r>
+                        <a:rPr lang="ru-RU" sz="1800" dirty="0">
+                          <a:effectLst/>
+                          <a:sym typeface="Symbol" panose="05050102010706020507" pitchFamily="18" charset="2"/>
+                        </a:rPr>
+                        <a:t></a:t>
+                      </a:r>
+                      <a:r>
+                        <a:rPr lang="en-US" sz="1800" dirty="0">
+                          <a:effectLst/>
+                        </a:rPr>
+                        <a:t>7</a:t>
+                      </a:r>
+                      <a:endParaRPr lang="ru-RU" sz="1800" dirty="0">
+                        <a:effectLst/>
+                        <a:latin typeface="Times New Roman" panose="02020603050405020304" pitchFamily="18" charset="0"/>
+                        <a:ea typeface="Times New Roman" panose="02020603050405020304" pitchFamily="18" charset="0"/>
+                        <a:cs typeface="Times New Roman" panose="02020603050405020304" pitchFamily="18" charset="0"/>
+                      </a:endParaRPr>
+                    </a:p>
+                  </a:txBody>
+                  <a:tcPr marL="68580" marR="68580" marT="0" marB="0">
+                    <a:lnL w="12700" cap="flat" cmpd="sng" algn="ctr">
+                      <a:solidFill>
+                        <a:schemeClr val="tx1"/>
+                      </a:solidFill>
+                      <a:prstDash val="solid"/>
+                      <a:round/>
+                      <a:headEnd type="none" w="med" len="med"/>
+                      <a:tailEnd type="none" w="med" len="med"/>
+                    </a:lnL>
+                    <a:lnR w="12700" cap="flat" cmpd="sng" algn="ctr">
+                      <a:solidFill>
+                        <a:schemeClr val="tx1"/>
+                      </a:solidFill>
+                      <a:prstDash val="solid"/>
+                      <a:round/>
+                      <a:headEnd type="none" w="med" len="med"/>
+                      <a:tailEnd type="none" w="med" len="med"/>
+                    </a:lnR>
+                    <a:lnT w="12700" cap="flat" cmpd="sng" algn="ctr">
+                      <a:solidFill>
+                        <a:schemeClr val="tx1"/>
+                      </a:solidFill>
+                      <a:prstDash val="solid"/>
+                      <a:round/>
+                      <a:headEnd type="none" w="med" len="med"/>
+                      <a:tailEnd type="none" w="med" len="med"/>
+                    </a:lnT>
+                    <a:lnB w="12700" cap="flat" cmpd="sng" algn="ctr">
+                      <a:solidFill>
+                        <a:schemeClr val="tx1"/>
+                      </a:solidFill>
+                      <a:prstDash val="solid"/>
+                      <a:round/>
+                      <a:headEnd type="none" w="med" len="med"/>
+                      <a:tailEnd type="none" w="med" len="med"/>
+                    </a:lnB>
+                  </a:tcPr>
+                </a:tc>
+                <a:tc>
+                  <a:txBody>
+                    <a:bodyPr/>
+                    <a:lstStyle/>
+                    <a:p>
+                      <a:pPr algn="l"/>
+                      <a:r>
+                        <a:rPr lang="en-US" sz="1800">
+                          <a:effectLst/>
+                        </a:rPr>
+                        <a:t>5</a:t>
+                      </a:r>
+                      <a:endParaRPr lang="ru-RU" sz="1800">
+                        <a:effectLst/>
+                        <a:latin typeface="Times New Roman" panose="02020603050405020304" pitchFamily="18" charset="0"/>
+                        <a:ea typeface="Times New Roman" panose="02020603050405020304" pitchFamily="18" charset="0"/>
+                        <a:cs typeface="Times New Roman" panose="02020603050405020304" pitchFamily="18" charset="0"/>
+                      </a:endParaRPr>
+                    </a:p>
+                  </a:txBody>
+                  <a:tcPr marL="68580" marR="68580" marT="0" marB="0">
+                    <a:lnL w="12700" cap="flat" cmpd="sng" algn="ctr">
+                      <a:solidFill>
+                        <a:schemeClr val="tx1"/>
+                      </a:solidFill>
+                      <a:prstDash val="solid"/>
+                      <a:round/>
+                      <a:headEnd type="none" w="med" len="med"/>
+                      <a:tailEnd type="none" w="med" len="med"/>
+                    </a:lnL>
+                    <a:lnR w="12700" cap="flat" cmpd="sng" algn="ctr">
+                      <a:solidFill>
+                        <a:schemeClr val="tx1"/>
+                      </a:solidFill>
+                      <a:prstDash val="solid"/>
+                      <a:round/>
+                      <a:headEnd type="none" w="med" len="med"/>
+                      <a:tailEnd type="none" w="med" len="med"/>
+                    </a:lnR>
+                    <a:lnT w="12700" cap="flat" cmpd="sng" algn="ctr">
+                      <a:solidFill>
+                        <a:schemeClr val="tx1"/>
+                      </a:solidFill>
+                      <a:prstDash val="solid"/>
+                      <a:round/>
+                      <a:headEnd type="none" w="med" len="med"/>
+                      <a:tailEnd type="none" w="med" len="med"/>
+                    </a:lnT>
+                    <a:lnB w="12700" cap="flat" cmpd="sng" algn="ctr">
+                      <a:solidFill>
+                        <a:schemeClr val="tx1"/>
+                      </a:solidFill>
+                      <a:prstDash val="solid"/>
+                      <a:round/>
+                      <a:headEnd type="none" w="med" len="med"/>
+                      <a:tailEnd type="none" w="med" len="med"/>
+                    </a:lnB>
+                  </a:tcPr>
+                </a:tc>
+                <a:tc>
+                  <a:txBody>
+                    <a:bodyPr/>
+                    <a:lstStyle/>
+                    <a:p>
+                      <a:pPr algn="l"/>
+                      <a:r>
+                        <a:rPr lang="ru-RU" sz="1800" dirty="0">
+                          <a:effectLst/>
+                        </a:rPr>
+                        <a:t>Нет</a:t>
+                      </a:r>
+                      <a:endParaRPr lang="ru-RU" sz="1800" dirty="0">
+                        <a:effectLst/>
+                        <a:latin typeface="Times New Roman" panose="02020603050405020304" pitchFamily="18" charset="0"/>
+                        <a:ea typeface="Times New Roman" panose="02020603050405020304" pitchFamily="18" charset="0"/>
+                        <a:cs typeface="Times New Roman" panose="02020603050405020304" pitchFamily="18" charset="0"/>
+                      </a:endParaRPr>
+                    </a:p>
+                  </a:txBody>
+                  <a:tcPr marL="68580" marR="68580" marT="0" marB="0">
+                    <a:lnL w="12700" cap="flat" cmpd="sng" algn="ctr">
+                      <a:solidFill>
+                        <a:schemeClr val="tx1"/>
+                      </a:solidFill>
+                      <a:prstDash val="solid"/>
+                      <a:round/>
+                      <a:headEnd type="none" w="med" len="med"/>
+                      <a:tailEnd type="none" w="med" len="med"/>
+                    </a:lnL>
+                    <a:lnR w="12700" cap="flat" cmpd="sng" algn="ctr">
+                      <a:solidFill>
+                        <a:schemeClr val="tx1"/>
+                      </a:solidFill>
+                      <a:prstDash val="solid"/>
+                      <a:round/>
+                      <a:headEnd type="none" w="med" len="med"/>
+                      <a:tailEnd type="none" w="med" len="med"/>
+                    </a:lnR>
+                    <a:lnT w="12700" cap="flat" cmpd="sng" algn="ctr">
+                      <a:solidFill>
+                        <a:schemeClr val="tx1"/>
+                      </a:solidFill>
+                      <a:prstDash val="solid"/>
+                      <a:round/>
+                      <a:headEnd type="none" w="med" len="med"/>
+                      <a:tailEnd type="none" w="med" len="med"/>
+                    </a:lnT>
+                    <a:lnB w="12700" cap="flat" cmpd="sng" algn="ctr">
+                      <a:solidFill>
+                        <a:schemeClr val="tx1"/>
+                      </a:solidFill>
+                      <a:prstDash val="solid"/>
+                      <a:round/>
+                      <a:headEnd type="none" w="med" len="med"/>
+                      <a:tailEnd type="none" w="med" len="med"/>
+                    </a:lnB>
+                  </a:tcPr>
+                </a:tc>
+                <a:tc>
+                  <a:txBody>
+                    <a:bodyPr/>
+                    <a:lstStyle/>
+                    <a:p>
+                      <a:pPr algn="l"/>
+                      <a:r>
+                        <a:rPr lang="ru-RU" sz="1800">
+                          <a:effectLst/>
+                        </a:rPr>
+                        <a:t>0.864</a:t>
+                      </a:r>
+                      <a:endParaRPr lang="ru-RU" sz="1800">
+                        <a:effectLst/>
+                        <a:latin typeface="Times New Roman" panose="02020603050405020304" pitchFamily="18" charset="0"/>
+                        <a:ea typeface="Times New Roman" panose="02020603050405020304" pitchFamily="18" charset="0"/>
+                        <a:cs typeface="Times New Roman" panose="02020603050405020304" pitchFamily="18" charset="0"/>
+                      </a:endParaRPr>
+                    </a:p>
+                  </a:txBody>
+                  <a:tcPr marL="68580" marR="68580" marT="0" marB="0">
+                    <a:lnL w="12700" cap="flat" cmpd="sng" algn="ctr">
+                      <a:solidFill>
+                        <a:schemeClr val="tx1"/>
+                      </a:solidFill>
+                      <a:prstDash val="solid"/>
+                      <a:round/>
+                      <a:headEnd type="none" w="med" len="med"/>
+                      <a:tailEnd type="none" w="med" len="med"/>
+                    </a:lnL>
+                    <a:lnR w="12700" cap="flat" cmpd="sng" algn="ctr">
+                      <a:solidFill>
+                        <a:schemeClr val="tx1"/>
+                      </a:solidFill>
+                      <a:prstDash val="solid"/>
+                      <a:round/>
+                      <a:headEnd type="none" w="med" len="med"/>
+                      <a:tailEnd type="none" w="med" len="med"/>
+                    </a:lnR>
+                    <a:lnT w="12700" cap="flat" cmpd="sng" algn="ctr">
+                      <a:solidFill>
+                        <a:schemeClr val="tx1"/>
+                      </a:solidFill>
+                      <a:prstDash val="solid"/>
+                      <a:round/>
+                      <a:headEnd type="none" w="med" len="med"/>
+                      <a:tailEnd type="none" w="med" len="med"/>
+                    </a:lnT>
+                    <a:lnB w="12700" cap="flat" cmpd="sng" algn="ctr">
+                      <a:solidFill>
+                        <a:schemeClr val="tx1"/>
+                      </a:solidFill>
+                      <a:prstDash val="solid"/>
+                      <a:round/>
+                      <a:headEnd type="none" w="med" len="med"/>
+                      <a:tailEnd type="none" w="med" len="med"/>
+                    </a:lnB>
+                  </a:tcPr>
+                </a:tc>
+                <a:tc>
+                  <a:txBody>
+                    <a:bodyPr/>
+                    <a:lstStyle/>
+                    <a:p>
+                      <a:pPr algn="l"/>
+                      <a:r>
+                        <a:rPr lang="ru-RU" sz="1800">
+                          <a:effectLst/>
+                        </a:rPr>
+                        <a:t>0.062</a:t>
+                      </a:r>
+                      <a:endParaRPr lang="ru-RU" sz="1800">
+                        <a:effectLst/>
+                        <a:latin typeface="Times New Roman" panose="02020603050405020304" pitchFamily="18" charset="0"/>
+                        <a:ea typeface="Times New Roman" panose="02020603050405020304" pitchFamily="18" charset="0"/>
+                        <a:cs typeface="Times New Roman" panose="02020603050405020304" pitchFamily="18" charset="0"/>
+                      </a:endParaRPr>
+                    </a:p>
+                  </a:txBody>
+                  <a:tcPr marL="68580" marR="68580" marT="0" marB="0">
+                    <a:lnL w="12700" cap="flat" cmpd="sng" algn="ctr">
+                      <a:solidFill>
+                        <a:schemeClr val="tx1"/>
+                      </a:solidFill>
+                      <a:prstDash val="solid"/>
+                      <a:round/>
+                      <a:headEnd type="none" w="med" len="med"/>
+                      <a:tailEnd type="none" w="med" len="med"/>
+                    </a:lnL>
+                    <a:lnR w="12700" cap="flat" cmpd="sng" algn="ctr">
+                      <a:solidFill>
+                        <a:schemeClr val="tx1"/>
+                      </a:solidFill>
+                      <a:prstDash val="solid"/>
+                      <a:round/>
+                      <a:headEnd type="none" w="med" len="med"/>
+                      <a:tailEnd type="none" w="med" len="med"/>
+                    </a:lnR>
+                    <a:lnT w="12700" cap="flat" cmpd="sng" algn="ctr">
+                      <a:solidFill>
+                        <a:schemeClr val="tx1"/>
+                      </a:solidFill>
+                      <a:prstDash val="solid"/>
+                      <a:round/>
+                      <a:headEnd type="none" w="med" len="med"/>
+                      <a:tailEnd type="none" w="med" len="med"/>
+                    </a:lnT>
+                    <a:lnB w="12700" cap="flat" cmpd="sng" algn="ctr">
+                      <a:solidFill>
+                        <a:schemeClr val="tx1"/>
+                      </a:solidFill>
+                      <a:prstDash val="solid"/>
+                      <a:round/>
+                      <a:headEnd type="none" w="med" len="med"/>
+                      <a:tailEnd type="none" w="med" len="med"/>
+                    </a:lnB>
+                  </a:tcPr>
+                </a:tc>
+                <a:extLst>
+                  <a:ext uri="{0D108BD9-81ED-4DB2-BD59-A6C34878D82A}">
+                    <a16:rowId xmlns:a16="http://schemas.microsoft.com/office/drawing/2014/main" val="3067364480"/>
+                  </a:ext>
+                </a:extLst>
+              </a:tr>
+              <a:tr h="0">
+                <a:tc>
+                  <a:txBody>
+                    <a:bodyPr/>
+                    <a:lstStyle/>
+                    <a:p>
+                      <a:pPr algn="l"/>
+                      <a:r>
+                        <a:rPr lang="ru-RU" sz="1800">
+                          <a:effectLst/>
+                        </a:rPr>
+                        <a:t>ИНС Классификация</a:t>
+                      </a:r>
+                      <a:endParaRPr lang="ru-RU" sz="1800">
+                        <a:effectLst/>
+                        <a:latin typeface="Times New Roman" panose="02020603050405020304" pitchFamily="18" charset="0"/>
+                        <a:ea typeface="Times New Roman" panose="02020603050405020304" pitchFamily="18" charset="0"/>
+                        <a:cs typeface="Times New Roman" panose="02020603050405020304" pitchFamily="18" charset="0"/>
+                      </a:endParaRPr>
+                    </a:p>
+                  </a:txBody>
+                  <a:tcPr marL="68580" marR="68580" marT="0" marB="0">
+                    <a:lnL w="12700" cap="flat" cmpd="sng" algn="ctr">
+                      <a:solidFill>
+                        <a:schemeClr val="tx1"/>
+                      </a:solidFill>
+                      <a:prstDash val="solid"/>
+                      <a:round/>
+                      <a:headEnd type="none" w="med" len="med"/>
+                      <a:tailEnd type="none" w="med" len="med"/>
+                    </a:lnL>
+                    <a:lnR w="12700" cap="flat" cmpd="sng" algn="ctr">
+                      <a:solidFill>
+                        <a:schemeClr val="tx1"/>
+                      </a:solidFill>
+                      <a:prstDash val="solid"/>
+                      <a:round/>
+                      <a:headEnd type="none" w="med" len="med"/>
+                      <a:tailEnd type="none" w="med" len="med"/>
+                    </a:lnR>
+                    <a:lnT w="12700" cap="flat" cmpd="sng" algn="ctr">
+                      <a:solidFill>
+                        <a:schemeClr val="tx1"/>
+                      </a:solidFill>
+                      <a:prstDash val="solid"/>
+                      <a:round/>
+                      <a:headEnd type="none" w="med" len="med"/>
+                      <a:tailEnd type="none" w="med" len="med"/>
+                    </a:lnT>
+                    <a:lnB w="12700" cap="flat" cmpd="sng" algn="ctr">
+                      <a:solidFill>
+                        <a:schemeClr val="tx1"/>
+                      </a:solidFill>
+                      <a:prstDash val="solid"/>
+                      <a:round/>
+                      <a:headEnd type="none" w="med" len="med"/>
+                      <a:tailEnd type="none" w="med" len="med"/>
+                    </a:lnB>
+                  </a:tcPr>
+                </a:tc>
+                <a:tc>
+                  <a:txBody>
+                    <a:bodyPr/>
+                    <a:lstStyle/>
+                    <a:p>
+                      <a:pPr algn="l"/>
+                      <a:r>
+                        <a:rPr lang="en-US" sz="1800" dirty="0">
+                          <a:effectLst/>
+                        </a:rPr>
+                        <a:t>7</a:t>
+                      </a:r>
+                      <a:r>
+                        <a:rPr lang="ru-RU" sz="1800" dirty="0">
+                          <a:effectLst/>
+                          <a:sym typeface="Symbol" panose="05050102010706020507" pitchFamily="18" charset="2"/>
+                        </a:rPr>
+                        <a:t></a:t>
+                      </a:r>
+                      <a:r>
+                        <a:rPr lang="en-US" sz="1800" dirty="0">
+                          <a:effectLst/>
+                        </a:rPr>
+                        <a:t>7</a:t>
+                      </a:r>
+                      <a:endParaRPr lang="ru-RU" sz="1800" dirty="0">
+                        <a:effectLst/>
+                        <a:latin typeface="Times New Roman" panose="02020603050405020304" pitchFamily="18" charset="0"/>
+                        <a:ea typeface="Times New Roman" panose="02020603050405020304" pitchFamily="18" charset="0"/>
+                        <a:cs typeface="Times New Roman" panose="02020603050405020304" pitchFamily="18" charset="0"/>
+                      </a:endParaRPr>
+                    </a:p>
+                  </a:txBody>
+                  <a:tcPr marL="68580" marR="68580" marT="0" marB="0">
+                    <a:lnL w="12700" cap="flat" cmpd="sng" algn="ctr">
+                      <a:solidFill>
+                        <a:schemeClr val="tx1"/>
+                      </a:solidFill>
+                      <a:prstDash val="solid"/>
+                      <a:round/>
+                      <a:headEnd type="none" w="med" len="med"/>
+                      <a:tailEnd type="none" w="med" len="med"/>
+                    </a:lnL>
+                    <a:lnR w="12700" cap="flat" cmpd="sng" algn="ctr">
+                      <a:solidFill>
+                        <a:schemeClr val="tx1"/>
+                      </a:solidFill>
+                      <a:prstDash val="solid"/>
+                      <a:round/>
+                      <a:headEnd type="none" w="med" len="med"/>
+                      <a:tailEnd type="none" w="med" len="med"/>
+                    </a:lnR>
+                    <a:lnT w="12700" cap="flat" cmpd="sng" algn="ctr">
+                      <a:solidFill>
+                        <a:schemeClr val="tx1"/>
+                      </a:solidFill>
+                      <a:prstDash val="solid"/>
+                      <a:round/>
+                      <a:headEnd type="none" w="med" len="med"/>
+                      <a:tailEnd type="none" w="med" len="med"/>
+                    </a:lnT>
+                    <a:lnB w="12700" cap="flat" cmpd="sng" algn="ctr">
+                      <a:solidFill>
+                        <a:schemeClr val="tx1"/>
+                      </a:solidFill>
+                      <a:prstDash val="solid"/>
+                      <a:round/>
+                      <a:headEnd type="none" w="med" len="med"/>
+                      <a:tailEnd type="none" w="med" len="med"/>
+                    </a:lnB>
+                  </a:tcPr>
+                </a:tc>
+                <a:tc>
+                  <a:txBody>
+                    <a:bodyPr/>
+                    <a:lstStyle/>
+                    <a:p>
+                      <a:pPr algn="l"/>
+                      <a:r>
+                        <a:rPr lang="en-US" sz="1800" dirty="0">
+                          <a:effectLst/>
+                        </a:rPr>
+                        <a:t>5</a:t>
+                      </a:r>
+                      <a:endParaRPr lang="ru-RU" sz="1800" dirty="0">
+                        <a:effectLst/>
+                        <a:latin typeface="Times New Roman" panose="02020603050405020304" pitchFamily="18" charset="0"/>
+                        <a:ea typeface="Times New Roman" panose="02020603050405020304" pitchFamily="18" charset="0"/>
+                        <a:cs typeface="Times New Roman" panose="02020603050405020304" pitchFamily="18" charset="0"/>
+                      </a:endParaRPr>
+                    </a:p>
+                  </a:txBody>
+                  <a:tcPr marL="68580" marR="68580" marT="0" marB="0">
+                    <a:lnL w="12700" cap="flat" cmpd="sng" algn="ctr">
+                      <a:solidFill>
+                        <a:schemeClr val="tx1"/>
+                      </a:solidFill>
+                      <a:prstDash val="solid"/>
+                      <a:round/>
+                      <a:headEnd type="none" w="med" len="med"/>
+                      <a:tailEnd type="none" w="med" len="med"/>
+                    </a:lnL>
+                    <a:lnR w="12700" cap="flat" cmpd="sng" algn="ctr">
+                      <a:solidFill>
+                        <a:schemeClr val="tx1"/>
+                      </a:solidFill>
+                      <a:prstDash val="solid"/>
+                      <a:round/>
+                      <a:headEnd type="none" w="med" len="med"/>
+                      <a:tailEnd type="none" w="med" len="med"/>
+                    </a:lnR>
+                    <a:lnT w="12700" cap="flat" cmpd="sng" algn="ctr">
+                      <a:solidFill>
+                        <a:schemeClr val="tx1"/>
+                      </a:solidFill>
+                      <a:prstDash val="solid"/>
+                      <a:round/>
+                      <a:headEnd type="none" w="med" len="med"/>
+                      <a:tailEnd type="none" w="med" len="med"/>
+                    </a:lnT>
+                    <a:lnB w="12700" cap="flat" cmpd="sng" algn="ctr">
+                      <a:solidFill>
+                        <a:schemeClr val="tx1"/>
+                      </a:solidFill>
+                      <a:prstDash val="solid"/>
+                      <a:round/>
+                      <a:headEnd type="none" w="med" len="med"/>
+                      <a:tailEnd type="none" w="med" len="med"/>
+                    </a:lnB>
+                  </a:tcPr>
+                </a:tc>
+                <a:tc>
+                  <a:txBody>
+                    <a:bodyPr/>
+                    <a:lstStyle/>
+                    <a:p>
+                      <a:pPr algn="l"/>
+                      <a:r>
+                        <a:rPr lang="ru-RU" sz="1800" dirty="0">
+                          <a:effectLst/>
+                        </a:rPr>
+                        <a:t>Да</a:t>
+                      </a:r>
+                      <a:endParaRPr lang="ru-RU" sz="1800" dirty="0">
+                        <a:effectLst/>
+                        <a:latin typeface="Times New Roman" panose="02020603050405020304" pitchFamily="18" charset="0"/>
+                        <a:ea typeface="Times New Roman" panose="02020603050405020304" pitchFamily="18" charset="0"/>
+                        <a:cs typeface="Times New Roman" panose="02020603050405020304" pitchFamily="18" charset="0"/>
+                      </a:endParaRPr>
+                    </a:p>
+                  </a:txBody>
+                  <a:tcPr marL="68580" marR="68580" marT="0" marB="0">
+                    <a:lnL w="12700" cap="flat" cmpd="sng" algn="ctr">
+                      <a:solidFill>
+                        <a:schemeClr val="tx1"/>
+                      </a:solidFill>
+                      <a:prstDash val="solid"/>
+                      <a:round/>
+                      <a:headEnd type="none" w="med" len="med"/>
+                      <a:tailEnd type="none" w="med" len="med"/>
+                    </a:lnL>
+                    <a:lnR w="12700" cap="flat" cmpd="sng" algn="ctr">
+                      <a:solidFill>
+                        <a:schemeClr val="tx1"/>
+                      </a:solidFill>
+                      <a:prstDash val="solid"/>
+                      <a:round/>
+                      <a:headEnd type="none" w="med" len="med"/>
+                      <a:tailEnd type="none" w="med" len="med"/>
+                    </a:lnR>
+                    <a:lnT w="12700" cap="flat" cmpd="sng" algn="ctr">
+                      <a:solidFill>
+                        <a:schemeClr val="tx1"/>
+                      </a:solidFill>
+                      <a:prstDash val="solid"/>
+                      <a:round/>
+                      <a:headEnd type="none" w="med" len="med"/>
+                      <a:tailEnd type="none" w="med" len="med"/>
+                    </a:lnT>
+                    <a:lnB w="12700" cap="flat" cmpd="sng" algn="ctr">
+                      <a:solidFill>
+                        <a:schemeClr val="tx1"/>
+                      </a:solidFill>
+                      <a:prstDash val="solid"/>
+                      <a:round/>
+                      <a:headEnd type="none" w="med" len="med"/>
+                      <a:tailEnd type="none" w="med" len="med"/>
+                    </a:lnB>
+                  </a:tcPr>
+                </a:tc>
+                <a:tc>
+                  <a:txBody>
+                    <a:bodyPr/>
+                    <a:lstStyle/>
+                    <a:p>
+                      <a:pPr algn="l"/>
+                      <a:r>
+                        <a:rPr lang="ru-RU" sz="1800">
+                          <a:effectLst/>
+                        </a:rPr>
+                        <a:t>0.863</a:t>
+                      </a:r>
+                      <a:endParaRPr lang="ru-RU" sz="1800">
+                        <a:effectLst/>
+                        <a:latin typeface="Times New Roman" panose="02020603050405020304" pitchFamily="18" charset="0"/>
+                        <a:ea typeface="Times New Roman" panose="02020603050405020304" pitchFamily="18" charset="0"/>
+                        <a:cs typeface="Times New Roman" panose="02020603050405020304" pitchFamily="18" charset="0"/>
+                      </a:endParaRPr>
+                    </a:p>
+                  </a:txBody>
+                  <a:tcPr marL="68580" marR="68580" marT="0" marB="0">
+                    <a:lnL w="12700" cap="flat" cmpd="sng" algn="ctr">
+                      <a:solidFill>
+                        <a:schemeClr val="tx1"/>
+                      </a:solidFill>
+                      <a:prstDash val="solid"/>
+                      <a:round/>
+                      <a:headEnd type="none" w="med" len="med"/>
+                      <a:tailEnd type="none" w="med" len="med"/>
+                    </a:lnL>
+                    <a:lnR w="12700" cap="flat" cmpd="sng" algn="ctr">
+                      <a:solidFill>
+                        <a:schemeClr val="tx1"/>
+                      </a:solidFill>
+                      <a:prstDash val="solid"/>
+                      <a:round/>
+                      <a:headEnd type="none" w="med" len="med"/>
+                      <a:tailEnd type="none" w="med" len="med"/>
+                    </a:lnR>
+                    <a:lnT w="12700" cap="flat" cmpd="sng" algn="ctr">
+                      <a:solidFill>
+                        <a:schemeClr val="tx1"/>
+                      </a:solidFill>
+                      <a:prstDash val="solid"/>
+                      <a:round/>
+                      <a:headEnd type="none" w="med" len="med"/>
+                      <a:tailEnd type="none" w="med" len="med"/>
+                    </a:lnT>
+                    <a:lnB w="12700" cap="flat" cmpd="sng" algn="ctr">
+                      <a:solidFill>
+                        <a:schemeClr val="tx1"/>
+                      </a:solidFill>
+                      <a:prstDash val="solid"/>
+                      <a:round/>
+                      <a:headEnd type="none" w="med" len="med"/>
+                      <a:tailEnd type="none" w="med" len="med"/>
+                    </a:lnB>
+                  </a:tcPr>
+                </a:tc>
+                <a:tc>
+                  <a:txBody>
+                    <a:bodyPr/>
+                    <a:lstStyle/>
+                    <a:p>
+                      <a:pPr algn="l"/>
+                      <a:r>
+                        <a:rPr lang="ru-RU" sz="1800">
+                          <a:effectLst/>
+                        </a:rPr>
+                        <a:t>0.065</a:t>
+                      </a:r>
+                      <a:endParaRPr lang="ru-RU" sz="1800">
+                        <a:effectLst/>
+                        <a:latin typeface="Times New Roman" panose="02020603050405020304" pitchFamily="18" charset="0"/>
+                        <a:ea typeface="Times New Roman" panose="02020603050405020304" pitchFamily="18" charset="0"/>
+                        <a:cs typeface="Times New Roman" panose="02020603050405020304" pitchFamily="18" charset="0"/>
+                      </a:endParaRPr>
+                    </a:p>
+                  </a:txBody>
+                  <a:tcPr marL="68580" marR="68580" marT="0" marB="0">
+                    <a:lnL w="12700" cap="flat" cmpd="sng" algn="ctr">
+                      <a:solidFill>
+                        <a:schemeClr val="tx1"/>
+                      </a:solidFill>
+                      <a:prstDash val="solid"/>
+                      <a:round/>
+                      <a:headEnd type="none" w="med" len="med"/>
+                      <a:tailEnd type="none" w="med" len="med"/>
+                    </a:lnL>
+                    <a:lnR w="12700" cap="flat" cmpd="sng" algn="ctr">
+                      <a:solidFill>
+                        <a:schemeClr val="tx1"/>
+                      </a:solidFill>
+                      <a:prstDash val="solid"/>
+                      <a:round/>
+                      <a:headEnd type="none" w="med" len="med"/>
+                      <a:tailEnd type="none" w="med" len="med"/>
+                    </a:lnR>
+                    <a:lnT w="12700" cap="flat" cmpd="sng" algn="ctr">
+                      <a:solidFill>
+                        <a:schemeClr val="tx1"/>
+                      </a:solidFill>
+                      <a:prstDash val="solid"/>
+                      <a:round/>
+                      <a:headEnd type="none" w="med" len="med"/>
+                      <a:tailEnd type="none" w="med" len="med"/>
+                    </a:lnT>
+                    <a:lnB w="12700" cap="flat" cmpd="sng" algn="ctr">
+                      <a:solidFill>
+                        <a:schemeClr val="tx1"/>
+                      </a:solidFill>
+                      <a:prstDash val="solid"/>
+                      <a:round/>
+                      <a:headEnd type="none" w="med" len="med"/>
+                      <a:tailEnd type="none" w="med" len="med"/>
+                    </a:lnB>
+                  </a:tcPr>
+                </a:tc>
+                <a:extLst>
+                  <a:ext uri="{0D108BD9-81ED-4DB2-BD59-A6C34878D82A}">
+                    <a16:rowId xmlns:a16="http://schemas.microsoft.com/office/drawing/2014/main" val="2166079521"/>
+                  </a:ext>
+                </a:extLst>
+              </a:tr>
+              <a:tr h="0">
+                <a:tc>
+                  <a:txBody>
+                    <a:bodyPr/>
+                    <a:lstStyle/>
+                    <a:p>
+                      <a:pPr algn="l"/>
+                      <a:r>
+                        <a:rPr lang="ru-RU" sz="1800" dirty="0">
+                          <a:effectLst/>
+                        </a:rPr>
+                        <a:t>Фильтр анизотропной диффузии</a:t>
+                      </a:r>
+                      <a:endParaRPr lang="ru-RU" sz="1800" dirty="0">
+                        <a:effectLst/>
+                        <a:latin typeface="Times New Roman" panose="02020603050405020304" pitchFamily="18" charset="0"/>
+                        <a:ea typeface="Times New Roman" panose="02020603050405020304" pitchFamily="18" charset="0"/>
+                        <a:cs typeface="Times New Roman" panose="02020603050405020304" pitchFamily="18" charset="0"/>
+                      </a:endParaRPr>
+                    </a:p>
+                  </a:txBody>
+                  <a:tcPr marL="68580" marR="68580" marT="0" marB="0">
+                    <a:lnL w="12700" cap="flat" cmpd="sng" algn="ctr">
+                      <a:solidFill>
+                        <a:schemeClr val="tx1"/>
+                      </a:solidFill>
+                      <a:prstDash val="solid"/>
+                      <a:round/>
+                      <a:headEnd type="none" w="med" len="med"/>
+                      <a:tailEnd type="none" w="med" len="med"/>
+                    </a:lnL>
+                    <a:lnR w="12700" cap="flat" cmpd="sng" algn="ctr">
+                      <a:solidFill>
+                        <a:schemeClr val="tx1"/>
+                      </a:solidFill>
+                      <a:prstDash val="solid"/>
+                      <a:round/>
+                      <a:headEnd type="none" w="med" len="med"/>
+                      <a:tailEnd type="none" w="med" len="med"/>
+                    </a:lnR>
+                    <a:lnT w="12700" cap="flat" cmpd="sng" algn="ctr">
+                      <a:solidFill>
+                        <a:schemeClr val="tx1"/>
+                      </a:solidFill>
+                      <a:prstDash val="solid"/>
+                      <a:round/>
+                      <a:headEnd type="none" w="med" len="med"/>
+                      <a:tailEnd type="none" w="med" len="med"/>
+                    </a:lnT>
+                    <a:lnB w="12700" cap="flat" cmpd="sng" algn="ctr">
+                      <a:solidFill>
+                        <a:schemeClr val="tx1"/>
+                      </a:solidFill>
+                      <a:prstDash val="solid"/>
+                      <a:round/>
+                      <a:headEnd type="none" w="med" len="med"/>
+                      <a:tailEnd type="none" w="med" len="med"/>
+                    </a:lnB>
+                  </a:tcPr>
+                </a:tc>
+                <a:tc>
+                  <a:txBody>
+                    <a:bodyPr/>
+                    <a:lstStyle/>
+                    <a:p>
+                      <a:pPr algn="l"/>
+                      <a:r>
+                        <a:rPr lang="ru-RU" sz="1800" dirty="0">
+                          <a:effectLst/>
+                        </a:rPr>
+                        <a:t> </a:t>
+                      </a:r>
+                      <a:r>
+                        <a:rPr lang="en-US" sz="1800" dirty="0">
+                          <a:effectLst/>
+                        </a:rPr>
+                        <a:t>-</a:t>
+                      </a:r>
+                      <a:endParaRPr lang="ru-RU" sz="1800" dirty="0">
+                        <a:effectLst/>
+                        <a:latin typeface="Times New Roman" panose="02020603050405020304" pitchFamily="18" charset="0"/>
+                        <a:ea typeface="Times New Roman" panose="02020603050405020304" pitchFamily="18" charset="0"/>
+                        <a:cs typeface="Times New Roman" panose="02020603050405020304" pitchFamily="18" charset="0"/>
+                      </a:endParaRPr>
+                    </a:p>
+                  </a:txBody>
+                  <a:tcPr marL="68580" marR="68580" marT="0" marB="0">
+                    <a:lnL w="12700" cap="flat" cmpd="sng" algn="ctr">
+                      <a:solidFill>
+                        <a:schemeClr val="tx1"/>
+                      </a:solidFill>
+                      <a:prstDash val="solid"/>
+                      <a:round/>
+                      <a:headEnd type="none" w="med" len="med"/>
+                      <a:tailEnd type="none" w="med" len="med"/>
+                    </a:lnL>
+                    <a:lnR w="12700" cap="flat" cmpd="sng" algn="ctr">
+                      <a:solidFill>
+                        <a:schemeClr val="tx1"/>
+                      </a:solidFill>
+                      <a:prstDash val="solid"/>
+                      <a:round/>
+                      <a:headEnd type="none" w="med" len="med"/>
+                      <a:tailEnd type="none" w="med" len="med"/>
+                    </a:lnR>
+                    <a:lnT w="12700" cap="flat" cmpd="sng" algn="ctr">
+                      <a:solidFill>
+                        <a:schemeClr val="tx1"/>
+                      </a:solidFill>
+                      <a:prstDash val="solid"/>
+                      <a:round/>
+                      <a:headEnd type="none" w="med" len="med"/>
+                      <a:tailEnd type="none" w="med" len="med"/>
+                    </a:lnT>
+                    <a:lnB w="12700" cap="flat" cmpd="sng" algn="ctr">
+                      <a:solidFill>
+                        <a:schemeClr val="tx1"/>
+                      </a:solidFill>
+                      <a:prstDash val="solid"/>
+                      <a:round/>
+                      <a:headEnd type="none" w="med" len="med"/>
+                      <a:tailEnd type="none" w="med" len="med"/>
+                    </a:lnB>
+                  </a:tcPr>
+                </a:tc>
+                <a:tc>
+                  <a:txBody>
+                    <a:bodyPr/>
+                    <a:lstStyle/>
+                    <a:p>
+                      <a:pPr algn="l"/>
+                      <a:r>
+                        <a:rPr lang="en-US" sz="1800" dirty="0">
+                          <a:effectLst/>
+                        </a:rPr>
+                        <a:t>-</a:t>
+                      </a:r>
+                      <a:endParaRPr lang="ru-RU" sz="1800" dirty="0">
+                        <a:effectLst/>
+                        <a:latin typeface="Times New Roman" panose="02020603050405020304" pitchFamily="18" charset="0"/>
+                        <a:ea typeface="Times New Roman" panose="02020603050405020304" pitchFamily="18" charset="0"/>
+                        <a:cs typeface="Times New Roman" panose="02020603050405020304" pitchFamily="18" charset="0"/>
+                      </a:endParaRPr>
+                    </a:p>
+                  </a:txBody>
+                  <a:tcPr marL="68580" marR="68580" marT="0" marB="0">
+                    <a:lnL w="12700" cap="flat" cmpd="sng" algn="ctr">
+                      <a:solidFill>
+                        <a:schemeClr val="tx1"/>
+                      </a:solidFill>
+                      <a:prstDash val="solid"/>
+                      <a:round/>
+                      <a:headEnd type="none" w="med" len="med"/>
+                      <a:tailEnd type="none" w="med" len="med"/>
+                    </a:lnL>
+                    <a:lnR w="12700" cap="flat" cmpd="sng" algn="ctr">
+                      <a:solidFill>
+                        <a:schemeClr val="tx1"/>
+                      </a:solidFill>
+                      <a:prstDash val="solid"/>
+                      <a:round/>
+                      <a:headEnd type="none" w="med" len="med"/>
+                      <a:tailEnd type="none" w="med" len="med"/>
+                    </a:lnR>
+                    <a:lnT w="12700" cap="flat" cmpd="sng" algn="ctr">
+                      <a:solidFill>
+                        <a:schemeClr val="tx1"/>
+                      </a:solidFill>
+                      <a:prstDash val="solid"/>
+                      <a:round/>
+                      <a:headEnd type="none" w="med" len="med"/>
+                      <a:tailEnd type="none" w="med" len="med"/>
+                    </a:lnT>
+                    <a:lnB w="12700" cap="flat" cmpd="sng" algn="ctr">
+                      <a:solidFill>
+                        <a:schemeClr val="tx1"/>
+                      </a:solidFill>
+                      <a:prstDash val="solid"/>
+                      <a:round/>
+                      <a:headEnd type="none" w="med" len="med"/>
+                      <a:tailEnd type="none" w="med" len="med"/>
+                    </a:lnB>
+                  </a:tcPr>
+                </a:tc>
+                <a:tc>
+                  <a:txBody>
+                    <a:bodyPr/>
+                    <a:lstStyle/>
+                    <a:p>
+                      <a:pPr algn="l"/>
+                      <a:r>
+                        <a:rPr lang="en-US" sz="1800" dirty="0">
+                          <a:effectLst/>
+                        </a:rPr>
+                        <a:t>-</a:t>
+                      </a:r>
+                      <a:r>
+                        <a:rPr lang="ru-RU" sz="1800" dirty="0">
+                          <a:effectLst/>
+                        </a:rPr>
+                        <a:t> </a:t>
+                      </a:r>
+                      <a:endParaRPr lang="ru-RU" sz="1800" dirty="0">
+                        <a:effectLst/>
+                        <a:latin typeface="Times New Roman" panose="02020603050405020304" pitchFamily="18" charset="0"/>
+                        <a:ea typeface="Times New Roman" panose="02020603050405020304" pitchFamily="18" charset="0"/>
+                        <a:cs typeface="Times New Roman" panose="02020603050405020304" pitchFamily="18" charset="0"/>
+                      </a:endParaRPr>
+                    </a:p>
+                  </a:txBody>
+                  <a:tcPr marL="68580" marR="68580" marT="0" marB="0">
+                    <a:lnL w="12700" cap="flat" cmpd="sng" algn="ctr">
+                      <a:solidFill>
+                        <a:schemeClr val="tx1"/>
+                      </a:solidFill>
+                      <a:prstDash val="solid"/>
+                      <a:round/>
+                      <a:headEnd type="none" w="med" len="med"/>
+                      <a:tailEnd type="none" w="med" len="med"/>
+                    </a:lnL>
+                    <a:lnR w="12700" cap="flat" cmpd="sng" algn="ctr">
+                      <a:solidFill>
+                        <a:schemeClr val="tx1"/>
+                      </a:solidFill>
+                      <a:prstDash val="solid"/>
+                      <a:round/>
+                      <a:headEnd type="none" w="med" len="med"/>
+                      <a:tailEnd type="none" w="med" len="med"/>
+                    </a:lnR>
+                    <a:lnT w="12700" cap="flat" cmpd="sng" algn="ctr">
+                      <a:solidFill>
+                        <a:schemeClr val="tx1"/>
+                      </a:solidFill>
+                      <a:prstDash val="solid"/>
+                      <a:round/>
+                      <a:headEnd type="none" w="med" len="med"/>
+                      <a:tailEnd type="none" w="med" len="med"/>
+                    </a:lnT>
+                    <a:lnB w="12700" cap="flat" cmpd="sng" algn="ctr">
+                      <a:solidFill>
+                        <a:schemeClr val="tx1"/>
+                      </a:solidFill>
+                      <a:prstDash val="solid"/>
+                      <a:round/>
+                      <a:headEnd type="none" w="med" len="med"/>
+                      <a:tailEnd type="none" w="med" len="med"/>
+                    </a:lnB>
+                  </a:tcPr>
+                </a:tc>
+                <a:tc>
+                  <a:txBody>
+                    <a:bodyPr/>
+                    <a:lstStyle/>
+                    <a:p>
+                      <a:pPr algn="l"/>
+                      <a:r>
+                        <a:rPr lang="ru-RU" sz="1800" dirty="0">
+                          <a:effectLst/>
+                        </a:rPr>
+                        <a:t>0.82</a:t>
+                      </a:r>
+                      <a:r>
+                        <a:rPr lang="en-US" sz="1800" dirty="0">
+                          <a:effectLst/>
+                        </a:rPr>
+                        <a:t>7</a:t>
+                      </a:r>
+                      <a:endParaRPr lang="ru-RU" sz="1800" dirty="0">
+                        <a:effectLst/>
+                        <a:latin typeface="Times New Roman" panose="02020603050405020304" pitchFamily="18" charset="0"/>
+                        <a:ea typeface="Times New Roman" panose="02020603050405020304" pitchFamily="18" charset="0"/>
+                        <a:cs typeface="Times New Roman" panose="02020603050405020304" pitchFamily="18" charset="0"/>
+                      </a:endParaRPr>
+                    </a:p>
+                  </a:txBody>
+                  <a:tcPr marL="68580" marR="68580" marT="0" marB="0">
+                    <a:lnL w="12700" cap="flat" cmpd="sng" algn="ctr">
+                      <a:solidFill>
+                        <a:schemeClr val="tx1"/>
+                      </a:solidFill>
+                      <a:prstDash val="solid"/>
+                      <a:round/>
+                      <a:headEnd type="none" w="med" len="med"/>
+                      <a:tailEnd type="none" w="med" len="med"/>
+                    </a:lnL>
+                    <a:lnR w="12700" cap="flat" cmpd="sng" algn="ctr">
+                      <a:solidFill>
+                        <a:schemeClr val="tx1"/>
+                      </a:solidFill>
+                      <a:prstDash val="solid"/>
+                      <a:round/>
+                      <a:headEnd type="none" w="med" len="med"/>
+                      <a:tailEnd type="none" w="med" len="med"/>
+                    </a:lnR>
+                    <a:lnT w="12700" cap="flat" cmpd="sng" algn="ctr">
+                      <a:solidFill>
+                        <a:schemeClr val="tx1"/>
+                      </a:solidFill>
+                      <a:prstDash val="solid"/>
+                      <a:round/>
+                      <a:headEnd type="none" w="med" len="med"/>
+                      <a:tailEnd type="none" w="med" len="med"/>
+                    </a:lnT>
+                    <a:lnB w="12700" cap="flat" cmpd="sng" algn="ctr">
+                      <a:solidFill>
+                        <a:schemeClr val="tx1"/>
+                      </a:solidFill>
+                      <a:prstDash val="solid"/>
+                      <a:round/>
+                      <a:headEnd type="none" w="med" len="med"/>
+                      <a:tailEnd type="none" w="med" len="med"/>
+                    </a:lnB>
+                  </a:tcPr>
+                </a:tc>
+                <a:tc>
+                  <a:txBody>
+                    <a:bodyPr/>
+                    <a:lstStyle/>
+                    <a:p>
+                      <a:pPr algn="l"/>
+                      <a:r>
+                        <a:rPr lang="en-US" sz="1800" dirty="0">
+                          <a:effectLst/>
+                        </a:rPr>
+                        <a:t>0.078</a:t>
+                      </a:r>
+                      <a:endParaRPr lang="ru-RU" sz="1800" dirty="0">
+                        <a:effectLst/>
+                        <a:latin typeface="Times New Roman" panose="02020603050405020304" pitchFamily="18" charset="0"/>
+                        <a:ea typeface="Times New Roman" panose="02020603050405020304" pitchFamily="18" charset="0"/>
+                        <a:cs typeface="Times New Roman" panose="02020603050405020304" pitchFamily="18" charset="0"/>
+                      </a:endParaRPr>
+                    </a:p>
+                  </a:txBody>
+                  <a:tcPr marL="68580" marR="68580" marT="0" marB="0">
+                    <a:lnL w="12700" cap="flat" cmpd="sng" algn="ctr">
+                      <a:solidFill>
+                        <a:schemeClr val="tx1"/>
+                      </a:solidFill>
+                      <a:prstDash val="solid"/>
+                      <a:round/>
+                      <a:headEnd type="none" w="med" len="med"/>
+                      <a:tailEnd type="none" w="med" len="med"/>
+                    </a:lnL>
+                    <a:lnR w="12700" cap="flat" cmpd="sng" algn="ctr">
+                      <a:solidFill>
+                        <a:schemeClr val="tx1"/>
+                      </a:solidFill>
+                      <a:prstDash val="solid"/>
+                      <a:round/>
+                      <a:headEnd type="none" w="med" len="med"/>
+                      <a:tailEnd type="none" w="med" len="med"/>
+                    </a:lnR>
+                    <a:lnT w="12700" cap="flat" cmpd="sng" algn="ctr">
+                      <a:solidFill>
+                        <a:schemeClr val="tx1"/>
+                      </a:solidFill>
+                      <a:prstDash val="solid"/>
+                      <a:round/>
+                      <a:headEnd type="none" w="med" len="med"/>
+                      <a:tailEnd type="none" w="med" len="med"/>
+                    </a:lnT>
+                    <a:lnB w="12700" cap="flat" cmpd="sng" algn="ctr">
+                      <a:solidFill>
+                        <a:schemeClr val="tx1"/>
+                      </a:solidFill>
+                      <a:prstDash val="solid"/>
+                      <a:round/>
+                      <a:headEnd type="none" w="med" len="med"/>
+                      <a:tailEnd type="none" w="med" len="med"/>
+                    </a:lnB>
+                  </a:tcPr>
+                </a:tc>
+                <a:extLst>
+                  <a:ext uri="{0D108BD9-81ED-4DB2-BD59-A6C34878D82A}">
+                    <a16:rowId xmlns:a16="http://schemas.microsoft.com/office/drawing/2014/main" val="778871550"/>
+                  </a:ext>
+                </a:extLst>
+              </a:tr>
+            </a:tbl>
+          </a:graphicData>
+        </a:graphic>
+      </p:graphicFrame>
+      <p:sp>
+        <p:nvSpPr>
+          <p:cNvPr id="5" name="Заголовок 1">
+            <a:extLst>
+              <a:ext uri="{FF2B5EF4-FFF2-40B4-BE49-F238E27FC236}">
+                <a16:creationId xmlns:a16="http://schemas.microsoft.com/office/drawing/2014/main" id="{C46918C8-D358-E049-51D2-9330435EE135}"/>
+              </a:ext>
+            </a:extLst>
+          </p:cNvPr>
+          <p:cNvSpPr>
+            <a:spLocks noGrp="1"/>
+          </p:cNvSpPr>
+          <p:nvPr>
+            <p:ph type="title"/>
+          </p:nvPr>
+        </p:nvSpPr>
+        <p:spPr>
+          <a:xfrm>
+            <a:off x="1062447" y="105066"/>
+            <a:ext cx="10067108" cy="885857"/>
+          </a:xfrm>
+        </p:spPr>
+        <p:txBody>
+          <a:bodyPr>
+            <a:normAutofit/>
+          </a:bodyPr>
+          <a:lstStyle/>
+          <a:p>
+            <a:pPr algn="ctr"/>
+            <a:r>
+              <a:rPr lang="ru-RU" sz="3600" b="1" kern="1200" dirty="0">
+                <a:solidFill>
+                  <a:srgbClr val="000000"/>
+                </a:solidFill>
+                <a:effectLst/>
+                <a:latin typeface="Times New Roman" panose="02020603050405020304" pitchFamily="18" charset="0"/>
+                <a:ea typeface="+mj-ea"/>
+                <a:cs typeface="Times New Roman" panose="02020603050405020304" pitchFamily="18" charset="0"/>
+              </a:rPr>
+              <a:t>Результаты</a:t>
             </a:r>
             <a:endParaRPr lang="ru-RU" sz="3600" b="1" dirty="0">
               <a:latin typeface="Times New Roman" panose="02020603050405020304" pitchFamily="18" charset="0"/>
@@ -5403,6 +10165,113 @@
     <p:extLst>
       <p:ext uri="{BB962C8B-B14F-4D97-AF65-F5344CB8AC3E}">
         <p14:creationId xmlns:p14="http://schemas.microsoft.com/office/powerpoint/2010/main" val="3111353122"/>
+      </p:ext>
+    </p:extLst>
+  </p:cSld>
+  <p:clrMapOvr>
+    <a:masterClrMapping/>
+  </p:clrMapOvr>
+</p:sld>
+</file>
+
+<file path=ppt/slides/slide9.xml><?xml version="1.0" encoding="utf-8"?>
+<p:sld xmlns:a="http://schemas.openxmlformats.org/drawingml/2006/main" xmlns:r="http://schemas.openxmlformats.org/officeDocument/2006/relationships" xmlns:p="http://schemas.openxmlformats.org/presentationml/2006/main">
+  <p:cSld>
+    <p:spTree>
+      <p:nvGrpSpPr>
+        <p:cNvPr id="1" name=""/>
+        <p:cNvGrpSpPr/>
+        <p:nvPr/>
+      </p:nvGrpSpPr>
+      <p:grpSpPr>
+        <a:xfrm>
+          <a:off x="0" y="0"/>
+          <a:ext cx="0" cy="0"/>
+          <a:chOff x="0" y="0"/>
+          <a:chExt cx="0" cy="0"/>
+        </a:xfrm>
+      </p:grpSpPr>
+      <p:sp>
+        <p:nvSpPr>
+          <p:cNvPr id="7" name="Номер слайда 6">
+            <a:extLst>
+              <a:ext uri="{FF2B5EF4-FFF2-40B4-BE49-F238E27FC236}">
+                <a16:creationId xmlns:a16="http://schemas.microsoft.com/office/drawing/2014/main" id="{1F92D821-E28A-5FDA-0B87-E79FDB88A215}"/>
+              </a:ext>
+            </a:extLst>
+          </p:cNvPr>
+          <p:cNvSpPr>
+            <a:spLocks noGrp="1"/>
+          </p:cNvSpPr>
+          <p:nvPr>
+            <p:ph type="sldNum" sz="quarter" idx="12"/>
+          </p:nvPr>
+        </p:nvSpPr>
+        <p:spPr/>
+        <p:txBody>
+          <a:bodyPr/>
+          <a:lstStyle/>
+          <a:p>
+            <a:fld id="{36B25E5C-C684-4992-99DD-DF99FD03ACF3}" type="slidenum">
+              <a:rPr lang="ru-RU" smtClean="0"/>
+              <a:t>9</a:t>
+            </a:fld>
+            <a:endParaRPr lang="ru-RU" dirty="0"/>
+          </a:p>
+        </p:txBody>
+      </p:sp>
+      <p:sp>
+        <p:nvSpPr>
+          <p:cNvPr id="25" name="Заголовок 1">
+            <a:extLst>
+              <a:ext uri="{FF2B5EF4-FFF2-40B4-BE49-F238E27FC236}">
+                <a16:creationId xmlns:a16="http://schemas.microsoft.com/office/drawing/2014/main" id="{F580BB72-6A76-5C57-51F7-FA1DBBFB9442}"/>
+              </a:ext>
+            </a:extLst>
+          </p:cNvPr>
+          <p:cNvSpPr>
+            <a:spLocks noGrp="1"/>
+          </p:cNvSpPr>
+          <p:nvPr>
+            <p:ph type="title"/>
+          </p:nvPr>
+        </p:nvSpPr>
+        <p:spPr>
+          <a:xfrm>
+            <a:off x="1062447" y="365125"/>
+            <a:ext cx="10067108" cy="885857"/>
+          </a:xfrm>
+        </p:spPr>
+        <p:txBody>
+          <a:bodyPr>
+            <a:normAutofit/>
+          </a:bodyPr>
+          <a:lstStyle/>
+          <a:p>
+            <a:pPr algn="ctr"/>
+            <a:r>
+              <a:rPr lang="ru-RU" sz="3600" b="1" kern="1200" dirty="0">
+                <a:solidFill>
+                  <a:srgbClr val="000000"/>
+                </a:solidFill>
+                <a:effectLst/>
+                <a:latin typeface="Times New Roman" panose="02020603050405020304" pitchFamily="18" charset="0"/>
+                <a:ea typeface="+mj-ea"/>
+                <a:cs typeface="Times New Roman" panose="02020603050405020304" pitchFamily="18" charset="0"/>
+              </a:rPr>
+              <a:t>Результаты</a:t>
+            </a:r>
+            <a:endParaRPr lang="ru-RU" sz="3600" b="1" dirty="0">
+              <a:latin typeface="Times New Roman" panose="02020603050405020304" pitchFamily="18" charset="0"/>
+              <a:cs typeface="Times New Roman" panose="02020603050405020304" pitchFamily="18" charset="0"/>
+            </a:endParaRPr>
+          </a:p>
+        </p:txBody>
+      </p:sp>
+    </p:spTree>
+    <p:extLst>
+      <p:ext uri="{BB962C8B-B14F-4D97-AF65-F5344CB8AC3E}">
+        <p14:creationId xmlns:p14="http://schemas.microsoft.com/office/powerpoint/2010/main" val="1879344607"/>
       </p:ext>
     </p:extLst>
   </p:cSld>

--- a/text/ВКР_преза.pptx
+++ b/text/ВКР_преза.pptx
@@ -18,10 +18,10 @@
     <p:sldId id="260" r:id="rId6"/>
     <p:sldId id="261" r:id="rId7"/>
     <p:sldId id="263" r:id="rId8"/>
-    <p:sldId id="262" r:id="rId9"/>
-    <p:sldId id="264" r:id="rId10"/>
-    <p:sldId id="265" r:id="rId11"/>
-    <p:sldId id="266" r:id="rId12"/>
+    <p:sldId id="264" r:id="rId9"/>
+    <p:sldId id="262" r:id="rId10"/>
+    <p:sldId id="266" r:id="rId11"/>
+    <p:sldId id="267" r:id="rId12"/>
   </p:sldIdLst>
   <p:sldSz cx="12192000" cy="6858000"/>
   <p:notesSz cx="6858000" cy="9144000"/>
@@ -233,7 +233,7 @@
           <a:p>
             <a:fld id="{557224CE-4543-4FA2-B644-542293151773}" type="datetimeFigureOut">
               <a:rPr lang="ru-RU" smtClean="0"/>
-              <a:t>31.05.2023</a:t>
+              <a:t>01.06.2023</a:t>
             </a:fld>
             <a:endParaRPr lang="ru-RU"/>
           </a:p>
@@ -410,7 +410,7 @@
           <a:p>
             <a:fld id="{383DDE2E-1DCA-488C-881C-EAB2D1B4B02D}" type="datetimeFigureOut">
               <a:rPr lang="ru-RU" smtClean="0"/>
-              <a:t>31.05.2023</a:t>
+              <a:t>01.06.2023</a:t>
             </a:fld>
             <a:endParaRPr lang="ru-RU"/>
           </a:p>
@@ -677,6 +677,90 @@
 </p:notesMaster>
 </file>
 
+<file path=ppt/notesSlides/notesSlide1.xml><?xml version="1.0" encoding="utf-8"?>
+<p:notes xmlns:a="http://schemas.openxmlformats.org/drawingml/2006/main" xmlns:r="http://schemas.openxmlformats.org/officeDocument/2006/relationships" xmlns:p="http://schemas.openxmlformats.org/presentationml/2006/main">
+  <p:cSld>
+    <p:spTree>
+      <p:nvGrpSpPr>
+        <p:cNvPr id="1" name=""/>
+        <p:cNvGrpSpPr/>
+        <p:nvPr/>
+      </p:nvGrpSpPr>
+      <p:grpSpPr>
+        <a:xfrm>
+          <a:off x="0" y="0"/>
+          <a:ext cx="0" cy="0"/>
+          <a:chOff x="0" y="0"/>
+          <a:chExt cx="0" cy="0"/>
+        </a:xfrm>
+      </p:grpSpPr>
+      <p:sp>
+        <p:nvSpPr>
+          <p:cNvPr id="2" name="Образ слайда 1"/>
+          <p:cNvSpPr>
+            <a:spLocks noGrp="1" noRot="1" noChangeAspect="1"/>
+          </p:cNvSpPr>
+          <p:nvPr>
+            <p:ph type="sldImg"/>
+          </p:nvPr>
+        </p:nvSpPr>
+        <p:spPr/>
+      </p:sp>
+      <p:sp>
+        <p:nvSpPr>
+          <p:cNvPr id="3" name="Заметки 2"/>
+          <p:cNvSpPr>
+            <a:spLocks noGrp="1"/>
+          </p:cNvSpPr>
+          <p:nvPr>
+            <p:ph type="body" idx="1"/>
+          </p:nvPr>
+        </p:nvSpPr>
+        <p:spPr/>
+        <p:txBody>
+          <a:bodyPr/>
+          <a:lstStyle/>
+          <a:p>
+            <a:endParaRPr lang="ru-RU" dirty="0"/>
+          </a:p>
+        </p:txBody>
+      </p:sp>
+      <p:sp>
+        <p:nvSpPr>
+          <p:cNvPr id="4" name="Номер слайда 3"/>
+          <p:cNvSpPr>
+            <a:spLocks noGrp="1"/>
+          </p:cNvSpPr>
+          <p:nvPr>
+            <p:ph type="sldNum" sz="quarter" idx="5"/>
+          </p:nvPr>
+        </p:nvSpPr>
+        <p:spPr/>
+        <p:txBody>
+          <a:bodyPr/>
+          <a:lstStyle/>
+          <a:p>
+            <a:fld id="{2EB20275-2B3D-4C64-9B33-66B9987F8DA8}" type="slidenum">
+              <a:rPr lang="ru-RU" smtClean="0"/>
+              <a:t>9</a:t>
+            </a:fld>
+            <a:endParaRPr lang="ru-RU"/>
+          </a:p>
+        </p:txBody>
+      </p:sp>
+    </p:spTree>
+    <p:extLst>
+      <p:ext uri="{BB962C8B-B14F-4D97-AF65-F5344CB8AC3E}">
+        <p14:creationId xmlns:p14="http://schemas.microsoft.com/office/powerpoint/2010/main" val="144861182"/>
+      </p:ext>
+    </p:extLst>
+  </p:cSld>
+  <p:clrMapOvr>
+    <a:masterClrMapping/>
+  </p:clrMapOvr>
+</p:notes>
+</file>
+
 <file path=ppt/slideLayouts/slideLayout1.xml><?xml version="1.0" encoding="utf-8"?>
 <p:sldLayout xmlns:a="http://schemas.openxmlformats.org/drawingml/2006/main" xmlns:r="http://schemas.openxmlformats.org/officeDocument/2006/relationships" xmlns:p="http://schemas.openxmlformats.org/presentationml/2006/main" type="title" preserve="1">
   <p:cSld name="Титульный слайд">
@@ -824,7 +908,7 @@
           <a:p>
             <a:fld id="{1BD278F7-5847-4D9D-8601-9EFCF6E293C9}" type="datetime1">
               <a:rPr lang="ru-RU" smtClean="0"/>
-              <a:t>31.05.2023</a:t>
+              <a:t>01.06.2023</a:t>
             </a:fld>
             <a:endParaRPr lang="ru-RU"/>
           </a:p>
@@ -1022,7 +1106,7 @@
           <a:p>
             <a:fld id="{A502D22C-2B89-4318-8427-F19A23518E0A}" type="datetime1">
               <a:rPr lang="ru-RU" smtClean="0"/>
-              <a:t>31.05.2023</a:t>
+              <a:t>01.06.2023</a:t>
             </a:fld>
             <a:endParaRPr lang="ru-RU"/>
           </a:p>
@@ -1230,7 +1314,7 @@
           <a:p>
             <a:fld id="{93714055-A23C-494A-8C2B-73A145CC5629}" type="datetime1">
               <a:rPr lang="ru-RU" smtClean="0"/>
-              <a:t>31.05.2023</a:t>
+              <a:t>01.06.2023</a:t>
             </a:fld>
             <a:endParaRPr lang="ru-RU"/>
           </a:p>
@@ -1428,7 +1512,7 @@
           <a:p>
             <a:fld id="{07A62A0B-2AE1-4708-8C28-8E66949D8F87}" type="datetime1">
               <a:rPr lang="ru-RU" smtClean="0"/>
-              <a:t>31.05.2023</a:t>
+              <a:t>01.06.2023</a:t>
             </a:fld>
             <a:endParaRPr lang="ru-RU"/>
           </a:p>
@@ -1703,7 +1787,7 @@
           <a:p>
             <a:fld id="{23DE4278-67CE-4635-9A6E-EC92F1B4E3DC}" type="datetime1">
               <a:rPr lang="ru-RU" smtClean="0"/>
-              <a:t>31.05.2023</a:t>
+              <a:t>01.06.2023</a:t>
             </a:fld>
             <a:endParaRPr lang="ru-RU"/>
           </a:p>
@@ -1968,7 +2052,7 @@
           <a:p>
             <a:fld id="{211C2D90-6605-46C1-BC36-340E69C88DE7}" type="datetime1">
               <a:rPr lang="ru-RU" smtClean="0"/>
-              <a:t>31.05.2023</a:t>
+              <a:t>01.06.2023</a:t>
             </a:fld>
             <a:endParaRPr lang="ru-RU"/>
           </a:p>
@@ -2380,7 +2464,7 @@
           <a:p>
             <a:fld id="{A6E39A03-FB43-4C9B-8A05-8A10C5F573B6}" type="datetime1">
               <a:rPr lang="ru-RU" smtClean="0"/>
-              <a:t>31.05.2023</a:t>
+              <a:t>01.06.2023</a:t>
             </a:fld>
             <a:endParaRPr lang="ru-RU"/>
           </a:p>
@@ -2521,7 +2605,7 @@
           <a:p>
             <a:fld id="{E2836EC4-70D9-4707-B74D-188FC70B3FF0}" type="datetime1">
               <a:rPr lang="ru-RU" smtClean="0"/>
-              <a:t>31.05.2023</a:t>
+              <a:t>01.06.2023</a:t>
             </a:fld>
             <a:endParaRPr lang="ru-RU"/>
           </a:p>
@@ -2634,7 +2718,7 @@
           <a:p>
             <a:fld id="{0530AA8A-102E-41E6-AA1F-61F4268B4974}" type="datetime1">
               <a:rPr lang="ru-RU" smtClean="0"/>
-              <a:t>31.05.2023</a:t>
+              <a:t>01.06.2023</a:t>
             </a:fld>
             <a:endParaRPr lang="ru-RU"/>
           </a:p>
@@ -2945,7 +3029,7 @@
           <a:p>
             <a:fld id="{3AEB3165-CA6E-4579-B3B7-7FB6FAE20FB8}" type="datetime1">
               <a:rPr lang="ru-RU" smtClean="0"/>
-              <a:t>31.05.2023</a:t>
+              <a:t>01.06.2023</a:t>
             </a:fld>
             <a:endParaRPr lang="ru-RU"/>
           </a:p>
@@ -3233,7 +3317,7 @@
           <a:p>
             <a:fld id="{D240AE71-387F-4376-AA7D-586981FEB925}" type="datetime1">
               <a:rPr lang="ru-RU" smtClean="0"/>
-              <a:t>31.05.2023</a:t>
+              <a:t>01.06.2023</a:t>
             </a:fld>
             <a:endParaRPr lang="ru-RU"/>
           </a:p>
@@ -3474,7 +3558,7 @@
           <a:p>
             <a:fld id="{E1604AFC-8EAE-479E-8AC3-09FC56DAFE28}" type="datetime1">
               <a:rPr lang="ru-RU" smtClean="0"/>
-              <a:t>31.05.2023</a:t>
+              <a:t>01.06.2023</a:t>
             </a:fld>
             <a:endParaRPr lang="ru-RU"/>
           </a:p>
@@ -4311,7 +4395,7 @@
                 <a:ea typeface="+mj-ea"/>
                 <a:cs typeface="Times New Roman" panose="02020603050405020304" pitchFamily="18" charset="0"/>
               </a:rPr>
-              <a:t>Результаты</a:t>
+              <a:t>Выводы</a:t>
             </a:r>
             <a:endParaRPr lang="ru-RU" sz="3600" b="1" dirty="0">
               <a:latin typeface="Times New Roman" panose="02020603050405020304" pitchFamily="18" charset="0"/>
@@ -4320,10 +4404,76 @@
           </a:p>
         </p:txBody>
       </p:sp>
+      <p:sp>
+        <p:nvSpPr>
+          <p:cNvPr id="2" name="TextBox 1">
+            <a:extLst>
+              <a:ext uri="{FF2B5EF4-FFF2-40B4-BE49-F238E27FC236}">
+                <a16:creationId xmlns:a16="http://schemas.microsoft.com/office/drawing/2014/main" id="{E0A8FD84-EC54-942F-9B0C-30ED858AB37F}"/>
+              </a:ext>
+            </a:extLst>
+          </p:cNvPr>
+          <p:cNvSpPr txBox="1"/>
+          <p:nvPr/>
+        </p:nvSpPr>
+        <p:spPr>
+          <a:xfrm>
+            <a:off x="1715589" y="1733005"/>
+            <a:ext cx="8273141" cy="2677656"/>
+          </a:xfrm>
+          <a:prstGeom prst="rect">
+            <a:avLst/>
+          </a:prstGeom>
+          <a:noFill/>
+        </p:spPr>
+        <p:txBody>
+          <a:bodyPr wrap="square" rtlCol="0">
+            <a:spAutoFit/>
+          </a:bodyPr>
+          <a:lstStyle/>
+          <a:p>
+            <a:r>
+              <a:rPr lang="ru-RU" sz="2400" dirty="0"/>
+              <a:t>Спроектированы алгоритмы на базе нейронных сетей для фильтрации спекл-шума. </a:t>
+            </a:r>
+          </a:p>
+          <a:p>
+            <a:r>
+              <a:rPr lang="ru-RU" sz="2400" dirty="0"/>
+              <a:t>Проведена оценка качества работы алгоритма при помощи метрик </a:t>
+            </a:r>
+            <a:r>
+              <a:rPr lang="en-US" sz="2400" dirty="0"/>
+              <a:t>SSIM</a:t>
+            </a:r>
+            <a:r>
+              <a:rPr lang="ru-RU" sz="2400" dirty="0"/>
+              <a:t> и </a:t>
+            </a:r>
+            <a:r>
+              <a:rPr lang="en-US" sz="2400" dirty="0"/>
+              <a:t>GMSD</a:t>
+            </a:r>
+            <a:r>
+              <a:rPr lang="ru-RU" sz="2400" dirty="0"/>
+              <a:t>.</a:t>
+            </a:r>
+          </a:p>
+          <a:p>
+            <a:endParaRPr lang="ru-RU" sz="2400" dirty="0"/>
+          </a:p>
+          <a:p>
+            <a:endParaRPr lang="ru-RU" sz="2400" dirty="0"/>
+          </a:p>
+          <a:p>
+            <a:endParaRPr lang="ru-RU" sz="2400" dirty="0"/>
+          </a:p>
+        </p:txBody>
+      </p:sp>
     </p:spTree>
     <p:extLst>
       <p:ext uri="{BB962C8B-B14F-4D97-AF65-F5344CB8AC3E}">
-        <p14:creationId xmlns:p14="http://schemas.microsoft.com/office/powerpoint/2010/main" val="1045529555"/>
+        <p14:creationId xmlns:p14="http://schemas.microsoft.com/office/powerpoint/2010/main" val="1021418473"/>
       </p:ext>
     </p:extLst>
   </p:cSld>
@@ -4352,10 +4502,47 @@
       </p:grpSpPr>
       <p:sp>
         <p:nvSpPr>
-          <p:cNvPr id="7" name="Номер слайда 6">
+          <p:cNvPr id="2" name="Заголовок 1">
             <a:extLst>
               <a:ext uri="{FF2B5EF4-FFF2-40B4-BE49-F238E27FC236}">
-                <a16:creationId xmlns:a16="http://schemas.microsoft.com/office/drawing/2014/main" id="{1F92D821-E28A-5FDA-0B87-E79FDB88A215}"/>
+                <a16:creationId xmlns:a16="http://schemas.microsoft.com/office/drawing/2014/main" id="{063C0E93-3A66-FF70-9B5C-65A0B17FFE94}"/>
+              </a:ext>
+            </a:extLst>
+          </p:cNvPr>
+          <p:cNvSpPr>
+            <a:spLocks noGrp="1"/>
+          </p:cNvSpPr>
+          <p:nvPr>
+            <p:ph type="title"/>
+          </p:nvPr>
+        </p:nvSpPr>
+        <p:spPr>
+          <a:xfrm>
+            <a:off x="838200" y="2103437"/>
+            <a:ext cx="10515600" cy="1325563"/>
+          </a:xfrm>
+        </p:spPr>
+        <p:txBody>
+          <a:bodyPr/>
+          <a:lstStyle/>
+          <a:p>
+            <a:pPr algn="ctr"/>
+            <a:r>
+              <a:rPr lang="ru-RU" dirty="0">
+                <a:latin typeface="Times New Roman" panose="02020603050405020304" pitchFamily="18" charset="0"/>
+                <a:cs typeface="Times New Roman" panose="02020603050405020304" pitchFamily="18" charset="0"/>
+              </a:rPr>
+              <a:t>Спасибо за внимание!</a:t>
+            </a:r>
+          </a:p>
+        </p:txBody>
+      </p:sp>
+      <p:sp>
+        <p:nvSpPr>
+          <p:cNvPr id="4" name="Номер слайда 3">
+            <a:extLst>
+              <a:ext uri="{FF2B5EF4-FFF2-40B4-BE49-F238E27FC236}">
+                <a16:creationId xmlns:a16="http://schemas.microsoft.com/office/drawing/2014/main" id="{5773E906-CE40-E42F-6008-4D2C14EC4261}"/>
               </a:ext>
             </a:extLst>
           </p:cNvPr>
@@ -4375,62 +4562,14 @@
               <a:rPr lang="ru-RU" smtClean="0"/>
               <a:t>11</a:t>
             </a:fld>
-            <a:endParaRPr lang="ru-RU" dirty="0"/>
-          </a:p>
-        </p:txBody>
-      </p:sp>
-      <p:sp>
-        <p:nvSpPr>
-          <p:cNvPr id="25" name="Заголовок 1">
-            <a:extLst>
-              <a:ext uri="{FF2B5EF4-FFF2-40B4-BE49-F238E27FC236}">
-                <a16:creationId xmlns:a16="http://schemas.microsoft.com/office/drawing/2014/main" id="{F580BB72-6A76-5C57-51F7-FA1DBBFB9442}"/>
-              </a:ext>
-            </a:extLst>
-          </p:cNvPr>
-          <p:cNvSpPr>
-            <a:spLocks noGrp="1"/>
-          </p:cNvSpPr>
-          <p:nvPr>
-            <p:ph type="title"/>
-          </p:nvPr>
-        </p:nvSpPr>
-        <p:spPr>
-          <a:xfrm>
-            <a:off x="1062447" y="365125"/>
-            <a:ext cx="10067108" cy="885857"/>
-          </a:xfrm>
-        </p:spPr>
-        <p:txBody>
-          <a:bodyPr>
-            <a:normAutofit/>
-          </a:bodyPr>
-          <a:lstStyle/>
-          <a:p>
-            <a:pPr algn="ctr"/>
-            <a:r>
-              <a:rPr lang="ru-RU" sz="3600" b="1" kern="1200" dirty="0">
-                <a:solidFill>
-                  <a:srgbClr val="000000"/>
-                </a:solidFill>
-                <a:effectLst/>
-                <a:latin typeface="Times New Roman" panose="02020603050405020304" pitchFamily="18" charset="0"/>
-                <a:ea typeface="+mj-ea"/>
-                <a:cs typeface="Times New Roman" panose="02020603050405020304" pitchFamily="18" charset="0"/>
-              </a:rPr>
-              <a:t>Результаты</a:t>
-            </a:r>
-            <a:endParaRPr lang="ru-RU" sz="3600" b="1" dirty="0">
-              <a:latin typeface="Times New Roman" panose="02020603050405020304" pitchFamily="18" charset="0"/>
-              <a:cs typeface="Times New Roman" panose="02020603050405020304" pitchFamily="18" charset="0"/>
-            </a:endParaRPr>
+            <a:endParaRPr lang="ru-RU"/>
           </a:p>
         </p:txBody>
       </p:sp>
     </p:spTree>
     <p:extLst>
       <p:ext uri="{BB962C8B-B14F-4D97-AF65-F5344CB8AC3E}">
-        <p14:creationId xmlns:p14="http://schemas.microsoft.com/office/powerpoint/2010/main" val="1021418473"/>
+        <p14:creationId xmlns:p14="http://schemas.microsoft.com/office/powerpoint/2010/main" val="2066943775"/>
       </p:ext>
     </p:extLst>
   </p:cSld>
@@ -5841,8 +5980,8 @@
           </a:p>
         </p:txBody>
       </p:sp>
-      <mc:AlternateContent xmlns:mc="http://schemas.openxmlformats.org/markup-compatibility/2006">
-        <mc:Choice xmlns:a14="http://schemas.microsoft.com/office/drawing/2010/main" Requires="a14">
+      <mc:AlternateContent xmlns:mc="http://schemas.openxmlformats.org/markup-compatibility/2006" xmlns:a14="http://schemas.microsoft.com/office/drawing/2010/main">
+        <mc:Choice Requires="a14">
           <p:graphicFrame>
             <p:nvGraphicFramePr>
               <p:cNvPr id="2" name="Таблица 2">
@@ -5865,7 +6004,7 @@
             </p:nvGraphicFramePr>
             <p:xfrm>
               <a:off x="353494" y="1996963"/>
-              <a:ext cx="6141310" cy="2626234"/>
+              <a:ext cx="6141310" cy="2994343"/>
             </p:xfrm>
             <a:graphic>
               <a:graphicData uri="http://schemas.openxmlformats.org/drawingml/2006/table">
@@ -6079,7 +6218,7 @@
                                           <a:schemeClr val="tx1"/>
                                         </a:solidFill>
                                         <a:effectLst/>
-                                        <a:latin typeface="+mn-lt"/>
+                                        <a:latin typeface="Cambria Math" panose="02040503050406030204" pitchFamily="18" charset="0"/>
                                         <a:ea typeface="+mn-ea"/>
                                         <a:cs typeface="+mn-cs"/>
                                       </a:rPr>
@@ -6092,7 +6231,7 @@
                                           <a:schemeClr val="tx1"/>
                                         </a:solidFill>
                                         <a:effectLst/>
-                                        <a:latin typeface="+mn-lt"/>
+                                        <a:latin typeface="Cambria Math" panose="02040503050406030204" pitchFamily="18" charset="0"/>
                                         <a:ea typeface="+mn-ea"/>
                                         <a:cs typeface="+mn-cs"/>
                                       </a:rPr>
@@ -6106,7 +6245,7 @@
                                           <a:schemeClr val="tx1"/>
                                         </a:solidFill>
                                         <a:effectLst/>
-                                        <a:latin typeface="+mn-lt"/>
+                                        <a:latin typeface="Cambria Math" panose="02040503050406030204" pitchFamily="18" charset="0"/>
                                         <a:ea typeface="+mn-ea"/>
                                         <a:cs typeface="+mn-cs"/>
                                       </a:rPr>
@@ -6120,7 +6259,7 @@
                                       <a:schemeClr val="tx1"/>
                                     </a:solidFill>
                                     <a:effectLst/>
-                                    <a:latin typeface="+mn-lt"/>
+                                    <a:latin typeface="Cambria Math" panose="02040503050406030204" pitchFamily="18" charset="0"/>
                                     <a:ea typeface="+mn-ea"/>
                                     <a:cs typeface="+mn-cs"/>
                                   </a:rPr>
@@ -6134,7 +6273,7 @@
                                           <a:schemeClr val="tx1"/>
                                         </a:solidFill>
                                         <a:effectLst/>
-                                        <a:latin typeface="+mn-lt"/>
+                                        <a:latin typeface="Cambria Math" panose="02040503050406030204" pitchFamily="18" charset="0"/>
                                         <a:ea typeface="+mn-ea"/>
                                         <a:cs typeface="+mn-cs"/>
                                       </a:rPr>
@@ -6147,7 +6286,7 @@
                                           <a:schemeClr val="tx1"/>
                                         </a:solidFill>
                                         <a:effectLst/>
-                                        <a:latin typeface="+mn-lt"/>
+                                        <a:latin typeface="Cambria Math" panose="02040503050406030204" pitchFamily="18" charset="0"/>
                                         <a:ea typeface="+mn-ea"/>
                                         <a:cs typeface="+mn-cs"/>
                                       </a:rPr>
@@ -6161,7 +6300,7 @@
                                           <a:schemeClr val="tx1"/>
                                         </a:solidFill>
                                         <a:effectLst/>
-                                        <a:latin typeface="+mn-lt"/>
+                                        <a:latin typeface="Cambria Math" panose="02040503050406030204" pitchFamily="18" charset="0"/>
                                         <a:ea typeface="+mn-ea"/>
                                         <a:cs typeface="+mn-cs"/>
                                       </a:rPr>
@@ -6179,7 +6318,7 @@
                                           <a:schemeClr val="tx1"/>
                                         </a:solidFill>
                                         <a:effectLst/>
-                                        <a:latin typeface="+mn-lt"/>
+                                        <a:latin typeface="Cambria Math" panose="02040503050406030204" pitchFamily="18" charset="0"/>
                                         <a:ea typeface="+mn-ea"/>
                                         <a:cs typeface="+mn-cs"/>
                                       </a:rPr>
@@ -6192,7 +6331,7 @@
                                           <a:schemeClr val="tx1"/>
                                         </a:solidFill>
                                         <a:effectLst/>
-                                        <a:latin typeface="+mn-lt"/>
+                                        <a:latin typeface="Cambria Math" panose="02040503050406030204" pitchFamily="18" charset="0"/>
                                         <a:ea typeface="+mn-ea"/>
                                         <a:cs typeface="+mn-cs"/>
                                       </a:rPr>
@@ -6204,7 +6343,7 @@
                                           <a:schemeClr val="tx1"/>
                                         </a:solidFill>
                                         <a:effectLst/>
-                                        <a:latin typeface="+mn-lt"/>
+                                        <a:latin typeface="Cambria Math" panose="02040503050406030204" pitchFamily="18" charset="0"/>
                                         <a:ea typeface="+mn-ea"/>
                                         <a:cs typeface="+mn-cs"/>
                                       </a:rPr>
@@ -6218,7 +6357,7 @@
                                           <a:schemeClr val="tx1"/>
                                         </a:solidFill>
                                         <a:effectLst/>
-                                        <a:latin typeface="+mn-lt"/>
+                                        <a:latin typeface="Cambria Math" panose="02040503050406030204" pitchFamily="18" charset="0"/>
                                         <a:ea typeface="+mn-ea"/>
                                         <a:cs typeface="+mn-cs"/>
                                       </a:rPr>
@@ -6234,7 +6373,7 @@
                                               <a:schemeClr val="tx1"/>
                                             </a:solidFill>
                                             <a:effectLst/>
-                                            <a:latin typeface="+mn-lt"/>
+                                            <a:latin typeface="Cambria Math" panose="02040503050406030204" pitchFamily="18" charset="0"/>
                                             <a:ea typeface="+mn-ea"/>
                                             <a:cs typeface="+mn-cs"/>
                                           </a:rPr>
@@ -6249,7 +6388,7 @@
                                                   <a:schemeClr val="tx1"/>
                                                 </a:solidFill>
                                                 <a:effectLst/>
-                                                <a:latin typeface="+mn-lt"/>
+                                                <a:latin typeface="Cambria Math" panose="02040503050406030204" pitchFamily="18" charset="0"/>
                                                 <a:ea typeface="+mn-ea"/>
                                                 <a:cs typeface="+mn-cs"/>
                                               </a:rPr>
@@ -6264,7 +6403,7 @@
                                                       <a:schemeClr val="tx1"/>
                                                     </a:solidFill>
                                                     <a:effectLst/>
-                                                    <a:latin typeface="+mn-lt"/>
+                                                    <a:latin typeface="Cambria Math" panose="02040503050406030204" pitchFamily="18" charset="0"/>
                                                     <a:ea typeface="+mn-ea"/>
                                                     <a:cs typeface="+mn-cs"/>
                                                   </a:rPr>
@@ -6277,7 +6416,7 @@
                                                       <a:schemeClr val="tx1"/>
                                                     </a:solidFill>
                                                     <a:effectLst/>
-                                                    <a:latin typeface="+mn-lt"/>
+                                                    <a:latin typeface="Cambria Math" panose="02040503050406030204" pitchFamily="18" charset="0"/>
                                                     <a:ea typeface="+mn-ea"/>
                                                     <a:cs typeface="+mn-cs"/>
                                                   </a:rPr>
@@ -6291,7 +6430,7 @@
                                                       <a:schemeClr val="tx1"/>
                                                     </a:solidFill>
                                                     <a:effectLst/>
-                                                    <a:latin typeface="+mn-lt"/>
+                                                    <a:latin typeface="Cambria Math" panose="02040503050406030204" pitchFamily="18" charset="0"/>
                                                     <a:ea typeface="+mn-ea"/>
                                                     <a:cs typeface="+mn-cs"/>
                                                   </a:rPr>
@@ -6305,7 +6444,7 @@
                                                   <a:schemeClr val="tx1"/>
                                                 </a:solidFill>
                                                 <a:effectLst/>
-                                                <a:latin typeface="+mn-lt"/>
+                                                <a:latin typeface="Cambria Math" panose="02040503050406030204" pitchFamily="18" charset="0"/>
                                                 <a:ea typeface="+mn-ea"/>
                                                 <a:cs typeface="+mn-cs"/>
                                               </a:rPr>
@@ -6320,7 +6459,7 @@
                                                       <a:schemeClr val="tx1"/>
                                                     </a:solidFill>
                                                     <a:effectLst/>
-                                                    <a:latin typeface="+mn-lt"/>
+                                                    <a:latin typeface="Cambria Math" panose="02040503050406030204" pitchFamily="18" charset="0"/>
                                                     <a:ea typeface="+mn-ea"/>
                                                     <a:cs typeface="+mn-cs"/>
                                                   </a:rPr>
@@ -6335,7 +6474,7 @@
                                                           <a:schemeClr val="tx1"/>
                                                         </a:solidFill>
                                                         <a:effectLst/>
-                                                        <a:latin typeface="+mn-lt"/>
+                                                        <a:latin typeface="Cambria Math" panose="02040503050406030204" pitchFamily="18" charset="0"/>
                                                         <a:ea typeface="+mn-ea"/>
                                                         <a:cs typeface="+mn-cs"/>
                                                       </a:rPr>
@@ -6348,7 +6487,7 @@
                                                           <a:schemeClr val="tx1"/>
                                                         </a:solidFill>
                                                         <a:effectLst/>
-                                                        <a:latin typeface="+mn-lt"/>
+                                                        <a:latin typeface="Cambria Math" panose="02040503050406030204" pitchFamily="18" charset="0"/>
                                                         <a:ea typeface="+mn-ea"/>
                                                         <a:cs typeface="+mn-cs"/>
                                                       </a:rPr>
@@ -6362,7 +6501,7 @@
                                                           <a:schemeClr val="tx1"/>
                                                         </a:solidFill>
                                                         <a:effectLst/>
-                                                        <a:latin typeface="+mn-lt"/>
+                                                        <a:latin typeface="Cambria Math" panose="02040503050406030204" pitchFamily="18" charset="0"/>
                                                         <a:ea typeface="+mn-ea"/>
                                                         <a:cs typeface="+mn-cs"/>
                                                       </a:rPr>
@@ -6382,7 +6521,7 @@
                                               <a:schemeClr val="tx1"/>
                                             </a:solidFill>
                                             <a:effectLst/>
-                                            <a:latin typeface="+mn-lt"/>
+                                            <a:latin typeface="Cambria Math" panose="02040503050406030204" pitchFamily="18" charset="0"/>
                                             <a:ea typeface="+mn-ea"/>
                                             <a:cs typeface="+mn-cs"/>
                                           </a:rPr>
@@ -6545,7 +6684,7 @@
                                           <a:schemeClr val="tx1"/>
                                         </a:solidFill>
                                         <a:effectLst/>
-                                        <a:latin typeface="+mn-lt"/>
+                                        <a:latin typeface="Cambria Math" panose="02040503050406030204" pitchFamily="18" charset="0"/>
                                         <a:ea typeface="+mn-ea"/>
                                         <a:cs typeface="+mn-cs"/>
                                       </a:rPr>
@@ -6558,7 +6697,7 @@
                                           <a:schemeClr val="tx1"/>
                                         </a:solidFill>
                                         <a:effectLst/>
-                                        <a:latin typeface="+mn-lt"/>
+                                        <a:latin typeface="Cambria Math" panose="02040503050406030204" pitchFamily="18" charset="0"/>
                                         <a:ea typeface="+mn-ea"/>
                                         <a:cs typeface="+mn-cs"/>
                                       </a:rPr>
@@ -6572,7 +6711,7 @@
                                           <a:schemeClr val="tx1"/>
                                         </a:solidFill>
                                         <a:effectLst/>
-                                        <a:latin typeface="+mn-lt"/>
+                                        <a:latin typeface="Cambria Math" panose="02040503050406030204" pitchFamily="18" charset="0"/>
                                         <a:ea typeface="+mn-ea"/>
                                         <a:cs typeface="+mn-cs"/>
                                       </a:rPr>
@@ -6586,7 +6725,7 @@
                                       <a:schemeClr val="tx1"/>
                                     </a:solidFill>
                                     <a:effectLst/>
-                                    <a:latin typeface="+mn-lt"/>
+                                    <a:latin typeface="Cambria Math" panose="02040503050406030204" pitchFamily="18" charset="0"/>
                                     <a:ea typeface="+mn-ea"/>
                                     <a:cs typeface="+mn-cs"/>
                                   </a:rPr>
@@ -6602,7 +6741,7 @@
                                           <a:schemeClr val="tx1"/>
                                         </a:solidFill>
                                         <a:effectLst/>
-                                        <a:latin typeface="+mn-lt"/>
+                                        <a:latin typeface="Cambria Math" panose="02040503050406030204" pitchFamily="18" charset="0"/>
                                         <a:ea typeface="+mn-ea"/>
                                         <a:cs typeface="+mn-cs"/>
                                       </a:rPr>
@@ -6615,7 +6754,7 @@
                                           <a:schemeClr val="tx1"/>
                                         </a:solidFill>
                                         <a:effectLst/>
-                                        <a:latin typeface="+mn-lt"/>
+                                        <a:latin typeface="Cambria Math" panose="02040503050406030204" pitchFamily="18" charset="0"/>
                                         <a:ea typeface="+mn-ea"/>
                                         <a:cs typeface="+mn-cs"/>
                                       </a:rPr>
@@ -6627,7 +6766,7 @@
                                           <a:schemeClr val="tx1"/>
                                         </a:solidFill>
                                         <a:effectLst/>
-                                        <a:latin typeface="+mn-lt"/>
+                                        <a:latin typeface="Cambria Math" panose="02040503050406030204" pitchFamily="18" charset="0"/>
                                         <a:ea typeface="+mn-ea"/>
                                         <a:cs typeface="+mn-cs"/>
                                       </a:rPr>
@@ -6641,7 +6780,7 @@
                                           <a:schemeClr val="tx1"/>
                                         </a:solidFill>
                                         <a:effectLst/>
-                                        <a:latin typeface="+mn-lt"/>
+                                        <a:latin typeface="Cambria Math" panose="02040503050406030204" pitchFamily="18" charset="0"/>
                                         <a:ea typeface="+mn-ea"/>
                                         <a:cs typeface="+mn-cs"/>
                                       </a:rPr>
@@ -6657,7 +6796,7 @@
                                               <a:schemeClr val="tx1"/>
                                             </a:solidFill>
                                             <a:effectLst/>
-                                            <a:latin typeface="+mn-lt"/>
+                                            <a:latin typeface="Cambria Math" panose="02040503050406030204" pitchFamily="18" charset="0"/>
                                             <a:ea typeface="+mn-ea"/>
                                             <a:cs typeface="+mn-cs"/>
                                           </a:rPr>
@@ -6670,7 +6809,7 @@
                                               <a:schemeClr val="tx1"/>
                                             </a:solidFill>
                                             <a:effectLst/>
-                                            <a:latin typeface="+mn-lt"/>
+                                            <a:latin typeface="Cambria Math" panose="02040503050406030204" pitchFamily="18" charset="0"/>
                                             <a:ea typeface="+mn-ea"/>
                                             <a:cs typeface="+mn-cs"/>
                                           </a:rPr>
@@ -6684,7 +6823,7 @@
                                               <a:schemeClr val="tx1"/>
                                             </a:solidFill>
                                             <a:effectLst/>
-                                            <a:latin typeface="+mn-lt"/>
+                                            <a:latin typeface="Cambria Math" panose="02040503050406030204" pitchFamily="18" charset="0"/>
                                             <a:ea typeface="+mn-ea"/>
                                             <a:cs typeface="+mn-cs"/>
                                           </a:rPr>
@@ -6700,7 +6839,7 @@
                                               <a:schemeClr val="tx1"/>
                                             </a:solidFill>
                                             <a:effectLst/>
-                                            <a:latin typeface="+mn-lt"/>
+                                            <a:latin typeface="Cambria Math" panose="02040503050406030204" pitchFamily="18" charset="0"/>
                                             <a:ea typeface="+mn-ea"/>
                                             <a:cs typeface="+mn-cs"/>
                                           </a:rPr>
@@ -6716,7 +6855,7 @@
                                               <a:schemeClr val="tx1"/>
                                             </a:solidFill>
                                             <a:effectLst/>
-                                            <a:latin typeface="+mn-lt"/>
+                                            <a:latin typeface="Cambria Math" panose="02040503050406030204" pitchFamily="18" charset="0"/>
                                             <a:ea typeface="+mn-ea"/>
                                             <a:cs typeface="+mn-cs"/>
                                           </a:rPr>
@@ -6732,7 +6871,7 @@
                                                   <a:schemeClr val="tx1"/>
                                                 </a:solidFill>
                                                 <a:effectLst/>
-                                                <a:latin typeface="+mn-lt"/>
+                                                <a:latin typeface="Cambria Math" panose="02040503050406030204" pitchFamily="18" charset="0"/>
                                                 <a:ea typeface="+mn-ea"/>
                                                 <a:cs typeface="+mn-cs"/>
                                               </a:rPr>
@@ -6747,7 +6886,7 @@
                                                       <a:schemeClr val="tx1"/>
                                                     </a:solidFill>
                                                     <a:effectLst/>
-                                                    <a:latin typeface="+mn-lt"/>
+                                                    <a:latin typeface="Cambria Math" panose="02040503050406030204" pitchFamily="18" charset="0"/>
                                                     <a:ea typeface="+mn-ea"/>
                                                     <a:cs typeface="+mn-cs"/>
                                                   </a:rPr>
@@ -6760,7 +6899,7 @@
                                                       <a:schemeClr val="tx1"/>
                                                     </a:solidFill>
                                                     <a:effectLst/>
-                                                    <a:latin typeface="+mn-lt"/>
+                                                    <a:latin typeface="Cambria Math" panose="02040503050406030204" pitchFamily="18" charset="0"/>
                                                     <a:ea typeface="+mn-ea"/>
                                                     <a:cs typeface="+mn-cs"/>
                                                   </a:rPr>
@@ -6774,7 +6913,7 @@
                                                       <a:schemeClr val="tx1"/>
                                                     </a:solidFill>
                                                     <a:effectLst/>
-                                                    <a:latin typeface="+mn-lt"/>
+                                                    <a:latin typeface="Cambria Math" panose="02040503050406030204" pitchFamily="18" charset="0"/>
                                                     <a:ea typeface="+mn-ea"/>
                                                     <a:cs typeface="+mn-cs"/>
                                                   </a:rPr>
@@ -6792,7 +6931,7 @@
                                           <a:schemeClr val="tx1"/>
                                         </a:solidFill>
                                         <a:effectLst/>
-                                        <a:latin typeface="+mn-lt"/>
+                                        <a:latin typeface="Cambria Math" panose="02040503050406030204" pitchFamily="18" charset="0"/>
                                         <a:ea typeface="+mn-ea"/>
                                         <a:cs typeface="+mn-cs"/>
                                       </a:rPr>
@@ -6871,7 +7010,7 @@
             </a:graphic>
           </p:graphicFrame>
         </mc:Choice>
-        <mc:Fallback>
+        <mc:Fallback xmlns="">
           <p:graphicFrame>
             <p:nvGraphicFramePr>
               <p:cNvPr id="2" name="Таблица 2">
@@ -7470,12 +7609,111 @@
           </a:p>
         </p:txBody>
       </p:sp>
+      <p:grpSp>
+        <p:nvGrpSpPr>
+          <p:cNvPr id="8" name="Группа 7">
+            <a:extLst>
+              <a:ext uri="{FF2B5EF4-FFF2-40B4-BE49-F238E27FC236}">
+                <a16:creationId xmlns:a16="http://schemas.microsoft.com/office/drawing/2014/main" id="{D426B26C-51B1-B6B7-950C-3FF579FA7449}"/>
+              </a:ext>
+            </a:extLst>
+          </p:cNvPr>
+          <p:cNvGrpSpPr/>
+          <p:nvPr/>
+        </p:nvGrpSpPr>
+        <p:grpSpPr>
+          <a:xfrm>
+            <a:off x="268661" y="1266739"/>
+            <a:ext cx="3967779" cy="2709645"/>
+            <a:chOff x="604221" y="1082180"/>
+            <a:chExt cx="5374823" cy="3919005"/>
+          </a:xfrm>
+        </p:grpSpPr>
+        <p:sp>
+          <p:nvSpPr>
+            <p:cNvPr id="3" name="TextBox 2">
+              <a:extLst>
+                <a:ext uri="{FF2B5EF4-FFF2-40B4-BE49-F238E27FC236}">
+                  <a16:creationId xmlns:a16="http://schemas.microsoft.com/office/drawing/2014/main" id="{D47329B8-C415-AD0C-D75B-6186D7B0D050}"/>
+                </a:ext>
+              </a:extLst>
+            </p:cNvPr>
+            <p:cNvSpPr txBox="1"/>
+            <p:nvPr/>
+          </p:nvSpPr>
+          <p:spPr>
+            <a:xfrm>
+              <a:off x="1134798" y="4601074"/>
+              <a:ext cx="3353675" cy="400111"/>
+            </a:xfrm>
+            <a:prstGeom prst="rect">
+              <a:avLst/>
+            </a:prstGeom>
+            <a:noFill/>
+          </p:spPr>
+          <p:txBody>
+            <a:bodyPr wrap="none" rtlCol="0">
+              <a:spAutoFit/>
+            </a:bodyPr>
+            <a:lstStyle/>
+            <a:p>
+              <a:r>
+                <a:rPr lang="ru-RU" sz="2000" dirty="0">
+                  <a:latin typeface="Times New Roman" panose="02020603050405020304" pitchFamily="18" charset="0"/>
+                  <a:cs typeface="Times New Roman" panose="02020603050405020304" pitchFamily="18" charset="0"/>
+                </a:rPr>
+                <a:t>Рис. 6. Срез на изображении</a:t>
+              </a:r>
+              <a:r>
+                <a:rPr lang="ru-RU" dirty="0"/>
+                <a:t> </a:t>
+              </a:r>
+            </a:p>
+          </p:txBody>
+        </p:sp>
+        <p:pic>
+          <p:nvPicPr>
+            <p:cNvPr id="6" name="Рисунок 5" descr="Изображение выглядит как снимок экрана, черно-белый&#10;&#10;Автоматически созданное описание">
+              <a:extLst>
+                <a:ext uri="{FF2B5EF4-FFF2-40B4-BE49-F238E27FC236}">
+                  <a16:creationId xmlns:a16="http://schemas.microsoft.com/office/drawing/2014/main" id="{84E97145-6E7C-99F2-14DC-19B33AD275A6}"/>
+                </a:ext>
+              </a:extLst>
+            </p:cNvPr>
+            <p:cNvPicPr>
+              <a:picLocks noChangeAspect="1"/>
+            </p:cNvPicPr>
+            <p:nvPr/>
+          </p:nvPicPr>
+          <p:blipFill>
+            <a:blip r:embed="rId2">
+              <a:extLst>
+                <a:ext uri="{28A0092B-C50C-407E-A947-70E740481C1C}">
+                  <a14:useLocalDpi xmlns:a14="http://schemas.microsoft.com/office/drawing/2010/main" val="0"/>
+                </a:ext>
+              </a:extLst>
+            </a:blip>
+            <a:stretch>
+              <a:fillRect/>
+            </a:stretch>
+          </p:blipFill>
+          <p:spPr>
+            <a:xfrm>
+              <a:off x="604221" y="1082180"/>
+              <a:ext cx="5374823" cy="3431098"/>
+            </a:xfrm>
+            <a:prstGeom prst="rect">
+              <a:avLst/>
+            </a:prstGeom>
+          </p:spPr>
+        </p:pic>
+      </p:grpSp>
       <p:pic>
         <p:nvPicPr>
-          <p:cNvPr id="11" name="Рисунок 10" descr="Изображение выглядит как черно-белый, Аэрофотосъемка, воздушный, самолет&#10;&#10;Автоматически созданное описание">
+          <p:cNvPr id="29" name="Рисунок 28">
             <a:extLst>
               <a:ext uri="{FF2B5EF4-FFF2-40B4-BE49-F238E27FC236}">
-                <a16:creationId xmlns:a16="http://schemas.microsoft.com/office/drawing/2014/main" id="{4D6705C7-296D-A03C-BF8B-0BD60CFD9E22}"/>
+                <a16:creationId xmlns:a16="http://schemas.microsoft.com/office/drawing/2014/main" id="{9E1F6081-CD96-00C7-24F4-CE904BDE58BD}"/>
               </a:ext>
             </a:extLst>
           </p:cNvPr>
@@ -7485,243 +7723,59 @@
           <p:nvPr/>
         </p:nvPicPr>
         <p:blipFill>
-          <a:blip r:embed="rId2">
-            <a:extLst>
-              <a:ext uri="{28A0092B-C50C-407E-A947-70E740481C1C}">
-                <a14:useLocalDpi xmlns:a14="http://schemas.microsoft.com/office/drawing/2010/main" val="0"/>
-              </a:ext>
-            </a:extLst>
-          </a:blip>
+          <a:blip r:embed="rId3"/>
           <a:stretch>
             <a:fillRect/>
           </a:stretch>
         </p:blipFill>
         <p:spPr>
           <a:xfrm>
-            <a:off x="1062445" y="1250982"/>
-            <a:ext cx="3000000" cy="1800000"/>
+            <a:off x="5488640" y="813220"/>
+            <a:ext cx="4933843" cy="5351502"/>
           </a:xfrm>
           <a:prstGeom prst="rect">
             <a:avLst/>
           </a:prstGeom>
         </p:spPr>
       </p:pic>
-      <p:pic>
-        <p:nvPicPr>
-          <p:cNvPr id="13" name="Рисунок 12" descr="Изображение выглядит как черно-белый, Аэрофотосъемка, воздушный, карта&#10;&#10;Автоматически созданное описание">
+      <p:sp>
+        <p:nvSpPr>
+          <p:cNvPr id="30" name="TextBox 29">
             <a:extLst>
               <a:ext uri="{FF2B5EF4-FFF2-40B4-BE49-F238E27FC236}">
-                <a16:creationId xmlns:a16="http://schemas.microsoft.com/office/drawing/2014/main" id="{14DE80C6-D131-A5C3-76CB-53E2035630CE}"/>
+                <a16:creationId xmlns:a16="http://schemas.microsoft.com/office/drawing/2014/main" id="{A36D0F5F-B252-FC90-DDE4-D20C8A43471A}"/>
               </a:ext>
             </a:extLst>
           </p:cNvPr>
-          <p:cNvPicPr>
-            <a:picLocks noChangeAspect="1"/>
-          </p:cNvPicPr>
+          <p:cNvSpPr txBox="1"/>
           <p:nvPr/>
-        </p:nvPicPr>
-        <p:blipFill>
-          <a:blip r:embed="rId3">
-            <a:extLst>
-              <a:ext uri="{28A0092B-C50C-407E-A947-70E740481C1C}">
-                <a14:useLocalDpi xmlns:a14="http://schemas.microsoft.com/office/drawing/2010/main" val="0"/>
-              </a:ext>
-            </a:extLst>
-          </a:blip>
-          <a:stretch>
-            <a:fillRect/>
-          </a:stretch>
-        </p:blipFill>
+        </p:nvSpPr>
         <p:spPr>
           <a:xfrm>
-            <a:off x="1062445" y="4172999"/>
-            <a:ext cx="3000000" cy="1800000"/>
+            <a:off x="4963620" y="6164722"/>
+            <a:ext cx="5983882" cy="369332"/>
           </a:xfrm>
           <a:prstGeom prst="rect">
             <a:avLst/>
           </a:prstGeom>
+          <a:noFill/>
         </p:spPr>
-      </p:pic>
-      <p:pic>
-        <p:nvPicPr>
-          <p:cNvPr id="15" name="Рисунок 14" descr="Изображение выглядит как Аэрофотосъемка, черно-белый, самолет, авиация&#10;&#10;Автоматически созданное описание">
-            <a:extLst>
-              <a:ext uri="{FF2B5EF4-FFF2-40B4-BE49-F238E27FC236}">
-                <a16:creationId xmlns:a16="http://schemas.microsoft.com/office/drawing/2014/main" id="{935FF8E2-4E52-B7C1-C9E9-00AB8BFEA397}"/>
-              </a:ext>
-            </a:extLst>
-          </p:cNvPr>
-          <p:cNvPicPr>
-            <a:picLocks noChangeAspect="1"/>
-          </p:cNvPicPr>
-          <p:nvPr/>
-        </p:nvPicPr>
-        <p:blipFill>
-          <a:blip r:embed="rId4">
-            <a:extLst>
-              <a:ext uri="{28A0092B-C50C-407E-A947-70E740481C1C}">
-                <a14:useLocalDpi xmlns:a14="http://schemas.microsoft.com/office/drawing/2010/main" val="0"/>
-              </a:ext>
-            </a:extLst>
-          </a:blip>
-          <a:stretch>
-            <a:fillRect/>
-          </a:stretch>
-        </p:blipFill>
-        <p:spPr>
-          <a:xfrm>
-            <a:off x="5374547" y="990923"/>
-            <a:ext cx="3000000" cy="1800000"/>
-          </a:xfrm>
-          <a:prstGeom prst="rect">
-            <a:avLst/>
-          </a:prstGeom>
-        </p:spPr>
-      </p:pic>
-      <p:pic>
-        <p:nvPicPr>
-          <p:cNvPr id="17" name="Рисунок 16" descr="Изображение выглядит как Аэрофотосъемка, черно-белый, воздушный, авиация&#10;&#10;Автоматически созданное описание">
-            <a:extLst>
-              <a:ext uri="{FF2B5EF4-FFF2-40B4-BE49-F238E27FC236}">
-                <a16:creationId xmlns:a16="http://schemas.microsoft.com/office/drawing/2014/main" id="{4B4253D8-8A1D-AE6D-B6BF-BEFF1F0A2702}"/>
-              </a:ext>
-            </a:extLst>
-          </p:cNvPr>
-          <p:cNvPicPr>
-            <a:picLocks noChangeAspect="1"/>
-          </p:cNvPicPr>
-          <p:nvPr/>
-        </p:nvPicPr>
-        <p:blipFill>
-          <a:blip r:embed="rId5">
-            <a:extLst>
-              <a:ext uri="{28A0092B-C50C-407E-A947-70E740481C1C}">
-                <a14:useLocalDpi xmlns:a14="http://schemas.microsoft.com/office/drawing/2010/main" val="0"/>
-              </a:ext>
-            </a:extLst>
-          </a:blip>
-          <a:stretch>
-            <a:fillRect/>
-          </a:stretch>
-        </p:blipFill>
-        <p:spPr>
-          <a:xfrm>
-            <a:off x="8470547" y="990923"/>
-            <a:ext cx="3000000" cy="1800000"/>
-          </a:xfrm>
-          <a:prstGeom prst="rect">
-            <a:avLst/>
-          </a:prstGeom>
-        </p:spPr>
-      </p:pic>
-      <p:pic>
-        <p:nvPicPr>
-          <p:cNvPr id="19" name="Рисунок 18" descr="Изображение выглядит как Аэрофотосъемка, черно-белый, воздушный, самолет&#10;&#10;Автоматически созданное описание">
-            <a:extLst>
-              <a:ext uri="{FF2B5EF4-FFF2-40B4-BE49-F238E27FC236}">
-                <a16:creationId xmlns:a16="http://schemas.microsoft.com/office/drawing/2014/main" id="{036FA5FF-E222-0C58-410A-ADDEE7543429}"/>
-              </a:ext>
-            </a:extLst>
-          </p:cNvPr>
-          <p:cNvPicPr>
-            <a:picLocks noChangeAspect="1"/>
-          </p:cNvPicPr>
-          <p:nvPr/>
-        </p:nvPicPr>
-        <p:blipFill>
-          <a:blip r:embed="rId6">
-            <a:extLst>
-              <a:ext uri="{28A0092B-C50C-407E-A947-70E740481C1C}">
-                <a14:useLocalDpi xmlns:a14="http://schemas.microsoft.com/office/drawing/2010/main" val="0"/>
-              </a:ext>
-            </a:extLst>
-          </a:blip>
-          <a:stretch>
-            <a:fillRect/>
-          </a:stretch>
-        </p:blipFill>
-        <p:spPr>
-          <a:xfrm>
-            <a:off x="5374547" y="2936427"/>
-            <a:ext cx="3000000" cy="1800000"/>
-          </a:xfrm>
-          <a:prstGeom prst="rect">
-            <a:avLst/>
-          </a:prstGeom>
-        </p:spPr>
-      </p:pic>
-      <p:pic>
-        <p:nvPicPr>
-          <p:cNvPr id="21" name="Рисунок 20" descr="Изображение выглядит как Аэрофотосъемка, черно-белый, воздушный, самолет&#10;&#10;Автоматически созданное описание">
-            <a:extLst>
-              <a:ext uri="{FF2B5EF4-FFF2-40B4-BE49-F238E27FC236}">
-                <a16:creationId xmlns:a16="http://schemas.microsoft.com/office/drawing/2014/main" id="{C4B9B6DE-CF9F-876C-FDAE-2D5984352317}"/>
-              </a:ext>
-            </a:extLst>
-          </p:cNvPr>
-          <p:cNvPicPr>
-            <a:picLocks noChangeAspect="1"/>
-          </p:cNvPicPr>
-          <p:nvPr/>
-        </p:nvPicPr>
-        <p:blipFill>
-          <a:blip r:embed="rId7">
-            <a:extLst>
-              <a:ext uri="{28A0092B-C50C-407E-A947-70E740481C1C}">
-                <a14:useLocalDpi xmlns:a14="http://schemas.microsoft.com/office/drawing/2010/main" val="0"/>
-              </a:ext>
-            </a:extLst>
-          </a:blip>
-          <a:stretch>
-            <a:fillRect/>
-          </a:stretch>
-        </p:blipFill>
-        <p:spPr>
-          <a:xfrm>
-            <a:off x="8470547" y="2936427"/>
-            <a:ext cx="3000000" cy="1800000"/>
-          </a:xfrm>
-          <a:prstGeom prst="rect">
-            <a:avLst/>
-          </a:prstGeom>
-        </p:spPr>
-      </p:pic>
-      <p:pic>
-        <p:nvPicPr>
-          <p:cNvPr id="23" name="Рисунок 22" descr="Изображение выглядит как черно-белый, Аэрофотосъемка, воздушный, карта&#10;&#10;Автоматически созданное описание">
-            <a:extLst>
-              <a:ext uri="{FF2B5EF4-FFF2-40B4-BE49-F238E27FC236}">
-                <a16:creationId xmlns:a16="http://schemas.microsoft.com/office/drawing/2014/main" id="{330F5B92-60CF-FADD-BFB7-D43493414D3C}"/>
-              </a:ext>
-            </a:extLst>
-          </p:cNvPr>
-          <p:cNvPicPr>
-            <a:picLocks noChangeAspect="1"/>
-          </p:cNvPicPr>
-          <p:nvPr/>
-        </p:nvPicPr>
-        <p:blipFill>
-          <a:blip r:embed="rId8">
-            <a:extLst>
-              <a:ext uri="{28A0092B-C50C-407E-A947-70E740481C1C}">
-                <a14:useLocalDpi xmlns:a14="http://schemas.microsoft.com/office/drawing/2010/main" val="0"/>
-              </a:ext>
-            </a:extLst>
-          </a:blip>
-          <a:stretch>
-            <a:fillRect/>
-          </a:stretch>
-        </p:blipFill>
-        <p:spPr>
-          <a:xfrm>
-            <a:off x="6970547" y="4921475"/>
-            <a:ext cx="3000000" cy="1800000"/>
-          </a:xfrm>
-          <a:prstGeom prst="rect">
-            <a:avLst/>
-          </a:prstGeom>
-        </p:spPr>
-      </p:pic>
+        <p:txBody>
+          <a:bodyPr wrap="none" rtlCol="0">
+            <a:spAutoFit/>
+          </a:bodyPr>
+          <a:lstStyle/>
+          <a:p>
+            <a:r>
+              <a:rPr lang="ru-RU" dirty="0">
+                <a:latin typeface="Times New Roman" panose="02020603050405020304" pitchFamily="18" charset="0"/>
+                <a:cs typeface="Times New Roman" panose="02020603050405020304" pitchFamily="18" charset="0"/>
+              </a:rPr>
+              <a:t>Рис. 7. Зависимость интенсивности пикселя от координаты</a:t>
+            </a:r>
+          </a:p>
+        </p:txBody>
+      </p:sp>
     </p:spTree>
     <p:extLst>
       <p:ext uri="{BB962C8B-B14F-4D97-AF65-F5344CB8AC3E}">
@@ -7781,6 +7835,2035 @@
           </a:p>
         </p:txBody>
       </p:sp>
+      <mc:AlternateContent xmlns:mc="http://schemas.openxmlformats.org/markup-compatibility/2006">
+        <mc:Choice xmlns:a14="http://schemas.microsoft.com/office/drawing/2010/main" Requires="a14">
+          <p:graphicFrame>
+            <p:nvGraphicFramePr>
+              <p:cNvPr id="4" name="Таблица 3">
+                <a:extLst>
+                  <a:ext uri="{FF2B5EF4-FFF2-40B4-BE49-F238E27FC236}">
+                    <a16:creationId xmlns:a16="http://schemas.microsoft.com/office/drawing/2014/main" id="{E2F08E00-BFD2-6E78-BC18-7842B3110AED}"/>
+                  </a:ext>
+                </a:extLst>
+              </p:cNvPr>
+              <p:cNvGraphicFramePr>
+                <a:graphicFrameLocks noGrp="1"/>
+              </p:cNvGraphicFramePr>
+              <p:nvPr>
+                <p:extLst>
+                  <p:ext uri="{D42A27DB-BD31-4B8C-83A1-F6EECF244321}">
+                    <p14:modId xmlns:p14="http://schemas.microsoft.com/office/powerpoint/2010/main" val="2343022813"/>
+                  </p:ext>
+                </p:extLst>
+              </p:nvPr>
+            </p:nvGraphicFramePr>
+            <p:xfrm>
+              <a:off x="6096000" y="1291843"/>
+              <a:ext cx="5676514" cy="3895600"/>
+            </p:xfrm>
+            <a:graphic>
+              <a:graphicData uri="http://schemas.openxmlformats.org/drawingml/2006/table">
+                <a:tbl>
+                  <a:tblPr>
+                    <a:tableStyleId>{5940675A-B579-460E-94D1-54222C63F5DA}</a:tableStyleId>
+                  </a:tblPr>
+                  <a:tblGrid>
+                    <a:gridCol w="3220697">
+                      <a:extLst>
+                        <a:ext uri="{9D8B030D-6E8A-4147-A177-3AD203B41FA5}">
+                          <a16:colId xmlns:a16="http://schemas.microsoft.com/office/drawing/2014/main" val="1958379124"/>
+                        </a:ext>
+                      </a:extLst>
+                    </a:gridCol>
+                    <a:gridCol w="1158240">
+                      <a:extLst>
+                        <a:ext uri="{9D8B030D-6E8A-4147-A177-3AD203B41FA5}">
+                          <a16:colId xmlns:a16="http://schemas.microsoft.com/office/drawing/2014/main" val="1290080182"/>
+                        </a:ext>
+                      </a:extLst>
+                    </a:gridCol>
+                    <a:gridCol w="1297577">
+                      <a:extLst>
+                        <a:ext uri="{9D8B030D-6E8A-4147-A177-3AD203B41FA5}">
+                          <a16:colId xmlns:a16="http://schemas.microsoft.com/office/drawing/2014/main" val="221227059"/>
+                        </a:ext>
+                      </a:extLst>
+                    </a:gridCol>
+                  </a:tblGrid>
+                  <a:tr h="0">
+                    <a:tc>
+                      <a:txBody>
+                        <a:bodyPr/>
+                        <a:lstStyle/>
+                        <a:p>
+                          <a:pPr marL="0" indent="0" algn="l">
+                            <a:lnSpc>
+                              <a:spcPct val="100000"/>
+                            </a:lnSpc>
+                            <a:buFont typeface="+mj-lt"/>
+                            <a:buNone/>
+                          </a:pPr>
+                          <a:r>
+                            <a:rPr lang="ru-RU" sz="2000" kern="100" dirty="0">
+                              <a:effectLst/>
+                              <a:latin typeface="Times New Roman" panose="02020603050405020304" pitchFamily="18" charset="0"/>
+                              <a:cs typeface="Times New Roman" panose="02020603050405020304" pitchFamily="18" charset="0"/>
+                            </a:rPr>
+                            <a:t>Название среза</a:t>
+                          </a:r>
+                          <a:endParaRPr lang="ru-RU" sz="2000" kern="100" dirty="0">
+                            <a:effectLst/>
+                            <a:latin typeface="Times New Roman" panose="02020603050405020304" pitchFamily="18" charset="0"/>
+                            <a:ea typeface="Calibri" panose="020F0502020204030204" pitchFamily="34" charset="0"/>
+                            <a:cs typeface="Times New Roman" panose="02020603050405020304" pitchFamily="18" charset="0"/>
+                          </a:endParaRPr>
+                        </a:p>
+                      </a:txBody>
+                      <a:tcPr marL="68580" marR="68580" marT="0" marB="0" anchor="ctr"/>
+                    </a:tc>
+                    <a:tc>
+                      <a:txBody>
+                        <a:bodyPr/>
+                        <a:lstStyle/>
+                        <a:p>
+                          <a:pPr marL="0" indent="0" algn="l">
+                            <a:lnSpc>
+                              <a:spcPct val="150000"/>
+                            </a:lnSpc>
+                            <a:buFont typeface="+mj-lt"/>
+                            <a:buNone/>
+                          </a:pPr>
+                          <a14:m>
+                            <m:oMathPara xmlns:m="http://schemas.openxmlformats.org/officeDocument/2006/math">
+                              <m:oMathParaPr>
+                                <m:jc m:val="center"/>
+                              </m:oMathParaPr>
+                              <m:oMath xmlns:m="http://schemas.openxmlformats.org/officeDocument/2006/math">
+                                <m:r>
+                                  <a:rPr lang="ru-RU" sz="2000" kern="100">
+                                    <a:effectLst/>
+                                  </a:rPr>
+                                  <m:t>𝜇</m:t>
+                                </m:r>
+                              </m:oMath>
+                            </m:oMathPara>
+                          </a14:m>
+                          <a:endParaRPr lang="ru-RU" sz="2000" kern="100" dirty="0">
+                            <a:effectLst/>
+                            <a:latin typeface="Times New Roman" panose="02020603050405020304" pitchFamily="18" charset="0"/>
+                            <a:ea typeface="Calibri" panose="020F0502020204030204" pitchFamily="34" charset="0"/>
+                            <a:cs typeface="Times New Roman" panose="02020603050405020304" pitchFamily="18" charset="0"/>
+                          </a:endParaRPr>
+                        </a:p>
+                      </a:txBody>
+                      <a:tcPr marL="68580" marR="68580" marT="0" marB="0" anchor="ctr"/>
+                    </a:tc>
+                    <a:tc>
+                      <a:txBody>
+                        <a:bodyPr/>
+                        <a:lstStyle/>
+                        <a:p>
+                          <a:pPr marL="0" marR="0" lvl="0" indent="0" algn="l" defTabSz="914400" rtl="0" eaLnBrk="1" fontAlgn="auto" latinLnBrk="0" hangingPunct="1">
+                            <a:lnSpc>
+                              <a:spcPct val="150000"/>
+                            </a:lnSpc>
+                            <a:spcBef>
+                              <a:spcPts val="0"/>
+                            </a:spcBef>
+                            <a:spcAft>
+                              <a:spcPts val="0"/>
+                            </a:spcAft>
+                            <a:buClrTx/>
+                            <a:buSzTx/>
+                            <a:buFont typeface="Arial" panose="020B0604020202020204" pitchFamily="34" charset="0"/>
+                            <a:buNone/>
+                            <a:tabLst/>
+                            <a:defRPr/>
+                          </a:pPr>
+                          <a14:m>
+                            <m:oMathPara xmlns:m="http://schemas.openxmlformats.org/officeDocument/2006/math">
+                              <m:oMathParaPr>
+                                <m:jc m:val="center"/>
+                              </m:oMathParaPr>
+                              <m:oMath xmlns:m="http://schemas.openxmlformats.org/officeDocument/2006/math">
+                                <m:r>
+                                  <a:rPr lang="en-US" sz="2000" b="0" i="1" kern="100" smtClean="0">
+                                    <a:effectLst/>
+                                    <a:latin typeface="Cambria Math" panose="02040503050406030204" pitchFamily="18" charset="0"/>
+                                  </a:rPr>
+                                  <m:t>𝜎</m:t>
+                                </m:r>
+                              </m:oMath>
+                            </m:oMathPara>
+                          </a14:m>
+                          <a:endParaRPr lang="ru-RU" sz="2000" kern="100" dirty="0">
+                            <a:effectLst/>
+                            <a:latin typeface="Times New Roman" panose="02020603050405020304" pitchFamily="18" charset="0"/>
+                            <a:ea typeface="Calibri" panose="020F0502020204030204" pitchFamily="34" charset="0"/>
+                            <a:cs typeface="Times New Roman" panose="02020603050405020304" pitchFamily="18" charset="0"/>
+                          </a:endParaRPr>
+                        </a:p>
+                      </a:txBody>
+                      <a:tcPr marL="68580" marR="68580" marT="0" marB="0" anchor="ctr"/>
+                    </a:tc>
+                    <a:extLst>
+                      <a:ext uri="{0D108BD9-81ED-4DB2-BD59-A6C34878D82A}">
+                        <a16:rowId xmlns:a16="http://schemas.microsoft.com/office/drawing/2014/main" val="1758468036"/>
+                      </a:ext>
+                    </a:extLst>
+                  </a:tr>
+                  <a:tr h="0">
+                    <a:tc>
+                      <a:txBody>
+                        <a:bodyPr/>
+                        <a:lstStyle/>
+                        <a:p>
+                          <a:pPr marL="0" indent="0" algn="l">
+                            <a:lnSpc>
+                              <a:spcPct val="100000"/>
+                            </a:lnSpc>
+                            <a:buFont typeface="+mj-lt"/>
+                            <a:buNone/>
+                          </a:pPr>
+                          <a:r>
+                            <a:rPr lang="ru-RU" sz="2000" kern="100" dirty="0">
+                              <a:effectLst/>
+                              <a:latin typeface="Times New Roman" panose="02020603050405020304" pitchFamily="18" charset="0"/>
+                              <a:cs typeface="Times New Roman" panose="02020603050405020304" pitchFamily="18" charset="0"/>
+                            </a:rPr>
+                            <a:t>Исходное изображение</a:t>
+                          </a:r>
+                          <a:endParaRPr lang="ru-RU" sz="2000" kern="100" dirty="0">
+                            <a:effectLst/>
+                            <a:latin typeface="Times New Roman" panose="02020603050405020304" pitchFamily="18" charset="0"/>
+                            <a:ea typeface="Calibri" panose="020F0502020204030204" pitchFamily="34" charset="0"/>
+                            <a:cs typeface="Times New Roman" panose="02020603050405020304" pitchFamily="18" charset="0"/>
+                          </a:endParaRPr>
+                        </a:p>
+                      </a:txBody>
+                      <a:tcPr marL="68580" marR="68580" marT="0" marB="0" anchor="ctr"/>
+                    </a:tc>
+                    <a:tc>
+                      <a:txBody>
+                        <a:bodyPr/>
+                        <a:lstStyle/>
+                        <a:p>
+                          <a:pPr marL="0" indent="0" algn="l">
+                            <a:lnSpc>
+                              <a:spcPct val="150000"/>
+                            </a:lnSpc>
+                            <a:buFont typeface="Arial" panose="020B0604020202020204" pitchFamily="34" charset="0"/>
+                            <a:buNone/>
+                          </a:pPr>
+                          <a:r>
+                            <a:rPr lang="en-US" sz="2000" kern="100" dirty="0">
+                              <a:effectLst/>
+                              <a:latin typeface="Times New Roman" panose="02020603050405020304" pitchFamily="18" charset="0"/>
+                              <a:cs typeface="Times New Roman" panose="02020603050405020304" pitchFamily="18" charset="0"/>
+                            </a:rPr>
+                            <a:t>0</a:t>
+                          </a:r>
+                          <a:endParaRPr lang="ru-RU" sz="2000" kern="100" dirty="0">
+                            <a:effectLst/>
+                            <a:latin typeface="Times New Roman" panose="02020603050405020304" pitchFamily="18" charset="0"/>
+                            <a:ea typeface="Calibri" panose="020F0502020204030204" pitchFamily="34" charset="0"/>
+                            <a:cs typeface="Times New Roman" panose="02020603050405020304" pitchFamily="18" charset="0"/>
+                          </a:endParaRPr>
+                        </a:p>
+                      </a:txBody>
+                      <a:tcPr marL="68580" marR="68580" marT="0" marB="0" anchor="ctr"/>
+                    </a:tc>
+                    <a:tc>
+                      <a:txBody>
+                        <a:bodyPr/>
+                        <a:lstStyle/>
+                        <a:p>
+                          <a:pPr marL="0" indent="0" algn="l">
+                            <a:lnSpc>
+                              <a:spcPct val="150000"/>
+                            </a:lnSpc>
+                            <a:buFont typeface="Arial" panose="020B0604020202020204" pitchFamily="34" charset="0"/>
+                            <a:buNone/>
+                          </a:pPr>
+                          <a:r>
+                            <a:rPr lang="ru-RU" sz="2000" kern="100" dirty="0">
+                              <a:effectLst/>
+                              <a:latin typeface="Times New Roman" panose="02020603050405020304" pitchFamily="18" charset="0"/>
+                              <a:cs typeface="Times New Roman" panose="02020603050405020304" pitchFamily="18" charset="0"/>
+                            </a:rPr>
+                            <a:t>0</a:t>
+                          </a:r>
+                          <a:endParaRPr lang="ru-RU" sz="2000" kern="100" dirty="0">
+                            <a:effectLst/>
+                            <a:latin typeface="Times New Roman" panose="02020603050405020304" pitchFamily="18" charset="0"/>
+                            <a:ea typeface="Calibri" panose="020F0502020204030204" pitchFamily="34" charset="0"/>
+                            <a:cs typeface="Times New Roman" panose="02020603050405020304" pitchFamily="18" charset="0"/>
+                          </a:endParaRPr>
+                        </a:p>
+                      </a:txBody>
+                      <a:tcPr marL="68580" marR="68580" marT="0" marB="0" anchor="ctr"/>
+                    </a:tc>
+                    <a:extLst>
+                      <a:ext uri="{0D108BD9-81ED-4DB2-BD59-A6C34878D82A}">
+                        <a16:rowId xmlns:a16="http://schemas.microsoft.com/office/drawing/2014/main" val="3086655519"/>
+                      </a:ext>
+                    </a:extLst>
+                  </a:tr>
+                  <a:tr h="0">
+                    <a:tc>
+                      <a:txBody>
+                        <a:bodyPr/>
+                        <a:lstStyle/>
+                        <a:p>
+                          <a:pPr marL="0" indent="0" algn="l">
+                            <a:lnSpc>
+                              <a:spcPct val="100000"/>
+                            </a:lnSpc>
+                            <a:buFont typeface="+mj-lt"/>
+                            <a:buNone/>
+                          </a:pPr>
+                          <a:r>
+                            <a:rPr lang="ru-RU" sz="2000" kern="100" dirty="0">
+                              <a:effectLst/>
+                              <a:latin typeface="Times New Roman" panose="02020603050405020304" pitchFamily="18" charset="0"/>
+                              <a:cs typeface="Times New Roman" panose="02020603050405020304" pitchFamily="18" charset="0"/>
+                            </a:rPr>
+                            <a:t>Зашумлённое изображение</a:t>
+                          </a:r>
+                          <a:endParaRPr lang="ru-RU" sz="2000" kern="100" dirty="0">
+                            <a:effectLst/>
+                            <a:latin typeface="Times New Roman" panose="02020603050405020304" pitchFamily="18" charset="0"/>
+                            <a:ea typeface="Calibri" panose="020F0502020204030204" pitchFamily="34" charset="0"/>
+                            <a:cs typeface="Times New Roman" panose="02020603050405020304" pitchFamily="18" charset="0"/>
+                          </a:endParaRPr>
+                        </a:p>
+                      </a:txBody>
+                      <a:tcPr marL="68580" marR="68580" marT="0" marB="0" anchor="ctr"/>
+                    </a:tc>
+                    <a:tc>
+                      <a:txBody>
+                        <a:bodyPr/>
+                        <a:lstStyle/>
+                        <a:p>
+                          <a:pPr marL="0" indent="0" algn="l">
+                            <a:lnSpc>
+                              <a:spcPct val="150000"/>
+                            </a:lnSpc>
+                            <a:buFont typeface="Arial" panose="020B0604020202020204" pitchFamily="34" charset="0"/>
+                            <a:buNone/>
+                          </a:pPr>
+                          <a:r>
+                            <a:rPr lang="en-US" sz="2000" kern="100" dirty="0">
+                              <a:effectLst/>
+                              <a:latin typeface="Times New Roman" panose="02020603050405020304" pitchFamily="18" charset="0"/>
+                              <a:ea typeface="Calibri" panose="020F0502020204030204" pitchFamily="34" charset="0"/>
+                              <a:cs typeface="Times New Roman" panose="02020603050405020304" pitchFamily="18" charset="0"/>
+                            </a:rPr>
+                            <a:t>34.34</a:t>
+                          </a:r>
+                          <a:endParaRPr lang="ru-RU" sz="2000" kern="100" dirty="0">
+                            <a:effectLst/>
+                            <a:latin typeface="Times New Roman" panose="02020603050405020304" pitchFamily="18" charset="0"/>
+                            <a:ea typeface="Calibri" panose="020F0502020204030204" pitchFamily="34" charset="0"/>
+                            <a:cs typeface="Times New Roman" panose="02020603050405020304" pitchFamily="18" charset="0"/>
+                          </a:endParaRPr>
+                        </a:p>
+                      </a:txBody>
+                      <a:tcPr marL="68580" marR="68580" marT="0" marB="0" anchor="ctr"/>
+                    </a:tc>
+                    <a:tc>
+                      <a:txBody>
+                        <a:bodyPr/>
+                        <a:lstStyle/>
+                        <a:p>
+                          <a:pPr marL="0" indent="0" algn="l">
+                            <a:lnSpc>
+                              <a:spcPct val="150000"/>
+                            </a:lnSpc>
+                            <a:buFont typeface="Arial" panose="020B0604020202020204" pitchFamily="34" charset="0"/>
+                            <a:buNone/>
+                          </a:pPr>
+                          <a:r>
+                            <a:rPr lang="ru-RU" sz="2000" kern="100" dirty="0">
+                              <a:effectLst/>
+                              <a:latin typeface="Times New Roman" panose="02020603050405020304" pitchFamily="18" charset="0"/>
+                              <a:cs typeface="Times New Roman" panose="02020603050405020304" pitchFamily="18" charset="0"/>
+                            </a:rPr>
+                            <a:t>7</a:t>
+                          </a:r>
+                          <a:r>
+                            <a:rPr lang="en-US" sz="2000" kern="100" dirty="0">
+                              <a:effectLst/>
+                              <a:latin typeface="Times New Roman" panose="02020603050405020304" pitchFamily="18" charset="0"/>
+                              <a:cs typeface="Times New Roman" panose="02020603050405020304" pitchFamily="18" charset="0"/>
+                            </a:rPr>
+                            <a:t>.</a:t>
+                          </a:r>
+                          <a:r>
+                            <a:rPr lang="ru-RU" sz="2000" kern="100" dirty="0">
+                              <a:effectLst/>
+                              <a:latin typeface="Times New Roman" panose="02020603050405020304" pitchFamily="18" charset="0"/>
+                              <a:cs typeface="Times New Roman" panose="02020603050405020304" pitchFamily="18" charset="0"/>
+                            </a:rPr>
+                            <a:t>44</a:t>
+                          </a:r>
+                          <a:endParaRPr lang="ru-RU" sz="2000" kern="100" dirty="0">
+                            <a:effectLst/>
+                            <a:latin typeface="Times New Roman" panose="02020603050405020304" pitchFamily="18" charset="0"/>
+                            <a:ea typeface="Calibri" panose="020F0502020204030204" pitchFamily="34" charset="0"/>
+                            <a:cs typeface="Times New Roman" panose="02020603050405020304" pitchFamily="18" charset="0"/>
+                          </a:endParaRPr>
+                        </a:p>
+                      </a:txBody>
+                      <a:tcPr marL="68580" marR="68580" marT="0" marB="0" anchor="ctr"/>
+                    </a:tc>
+                    <a:extLst>
+                      <a:ext uri="{0D108BD9-81ED-4DB2-BD59-A6C34878D82A}">
+                        <a16:rowId xmlns:a16="http://schemas.microsoft.com/office/drawing/2014/main" val="2852596872"/>
+                      </a:ext>
+                    </a:extLst>
+                  </a:tr>
+                  <a:tr h="43493">
+                    <a:tc>
+                      <a:txBody>
+                        <a:bodyPr/>
+                        <a:lstStyle/>
+                        <a:p>
+                          <a:pPr marL="0" indent="0" algn="l">
+                            <a:lnSpc>
+                              <a:spcPct val="100000"/>
+                            </a:lnSpc>
+                            <a:buFont typeface="+mj-lt"/>
+                            <a:buNone/>
+                          </a:pPr>
+                          <a:r>
+                            <a:rPr lang="ru-RU" sz="2000" kern="100" dirty="0">
+                              <a:effectLst/>
+                              <a:latin typeface="Times New Roman" panose="02020603050405020304" pitchFamily="18" charset="0"/>
+                              <a:cs typeface="Times New Roman" panose="02020603050405020304" pitchFamily="18" charset="0"/>
+                            </a:rPr>
+                            <a:t>Анизотропная диффузия</a:t>
+                          </a:r>
+                          <a:endParaRPr lang="ru-RU" sz="2000" kern="100" dirty="0">
+                            <a:effectLst/>
+                            <a:latin typeface="Times New Roman" panose="02020603050405020304" pitchFamily="18" charset="0"/>
+                            <a:ea typeface="Calibri" panose="020F0502020204030204" pitchFamily="34" charset="0"/>
+                            <a:cs typeface="Times New Roman" panose="02020603050405020304" pitchFamily="18" charset="0"/>
+                          </a:endParaRPr>
+                        </a:p>
+                      </a:txBody>
+                      <a:tcPr marL="68580" marR="68580" marT="0" marB="0" anchor="ctr"/>
+                    </a:tc>
+                    <a:tc>
+                      <a:txBody>
+                        <a:bodyPr/>
+                        <a:lstStyle/>
+                        <a:p>
+                          <a:pPr marL="0" indent="0" algn="l">
+                            <a:lnSpc>
+                              <a:spcPct val="150000"/>
+                            </a:lnSpc>
+                            <a:buFont typeface="Arial" panose="020B0604020202020204" pitchFamily="34" charset="0"/>
+                            <a:buNone/>
+                          </a:pPr>
+                          <a:r>
+                            <a:rPr lang="en-US" sz="2000" kern="100" dirty="0">
+                              <a:effectLst/>
+                              <a:latin typeface="Times New Roman" panose="02020603050405020304" pitchFamily="18" charset="0"/>
+                              <a:ea typeface="Calibri" panose="020F0502020204030204" pitchFamily="34" charset="0"/>
+                              <a:cs typeface="Times New Roman" panose="02020603050405020304" pitchFamily="18" charset="0"/>
+                            </a:rPr>
+                            <a:t>34.98</a:t>
+                          </a:r>
+                          <a:endParaRPr lang="ru-RU" sz="2000" kern="100" dirty="0">
+                            <a:effectLst/>
+                            <a:latin typeface="Times New Roman" panose="02020603050405020304" pitchFamily="18" charset="0"/>
+                            <a:ea typeface="Calibri" panose="020F0502020204030204" pitchFamily="34" charset="0"/>
+                            <a:cs typeface="Times New Roman" panose="02020603050405020304" pitchFamily="18" charset="0"/>
+                          </a:endParaRPr>
+                        </a:p>
+                      </a:txBody>
+                      <a:tcPr marL="68580" marR="68580" marT="0" marB="0" anchor="ctr"/>
+                    </a:tc>
+                    <a:tc>
+                      <a:txBody>
+                        <a:bodyPr/>
+                        <a:lstStyle/>
+                        <a:p>
+                          <a:pPr marL="0" indent="0" algn="l">
+                            <a:lnSpc>
+                              <a:spcPct val="150000"/>
+                            </a:lnSpc>
+                            <a:buFont typeface="Arial" panose="020B0604020202020204" pitchFamily="34" charset="0"/>
+                            <a:buNone/>
+                          </a:pPr>
+                          <a:r>
+                            <a:rPr lang="ru-RU" sz="2000" kern="100" dirty="0">
+                              <a:effectLst/>
+                              <a:latin typeface="Times New Roman" panose="02020603050405020304" pitchFamily="18" charset="0"/>
+                              <a:cs typeface="Times New Roman" panose="02020603050405020304" pitchFamily="18" charset="0"/>
+                            </a:rPr>
+                            <a:t>2</a:t>
+                          </a:r>
+                          <a:r>
+                            <a:rPr lang="en-US" sz="2000" kern="100" dirty="0">
+                              <a:effectLst/>
+                              <a:latin typeface="Times New Roman" panose="02020603050405020304" pitchFamily="18" charset="0"/>
+                              <a:cs typeface="Times New Roman" panose="02020603050405020304" pitchFamily="18" charset="0"/>
+                            </a:rPr>
+                            <a:t>.65</a:t>
+                          </a:r>
+                          <a:endParaRPr lang="ru-RU" sz="2000" kern="100" dirty="0">
+                            <a:effectLst/>
+                            <a:latin typeface="Times New Roman" panose="02020603050405020304" pitchFamily="18" charset="0"/>
+                            <a:ea typeface="Calibri" panose="020F0502020204030204" pitchFamily="34" charset="0"/>
+                            <a:cs typeface="Times New Roman" panose="02020603050405020304" pitchFamily="18" charset="0"/>
+                          </a:endParaRPr>
+                        </a:p>
+                      </a:txBody>
+                      <a:tcPr marL="68580" marR="68580" marT="0" marB="0" anchor="ctr"/>
+                    </a:tc>
+                    <a:extLst>
+                      <a:ext uri="{0D108BD9-81ED-4DB2-BD59-A6C34878D82A}">
+                        <a16:rowId xmlns:a16="http://schemas.microsoft.com/office/drawing/2014/main" val="2894504475"/>
+                      </a:ext>
+                    </a:extLst>
+                  </a:tr>
+                  <a:tr h="0">
+                    <a:tc>
+                      <a:txBody>
+                        <a:bodyPr/>
+                        <a:lstStyle/>
+                        <a:p>
+                          <a:pPr marL="0" indent="0" algn="l">
+                            <a:lnSpc>
+                              <a:spcPct val="100000"/>
+                            </a:lnSpc>
+                            <a:buFont typeface="+mj-lt"/>
+                            <a:buNone/>
+                          </a:pPr>
+                          <a:r>
+                            <a:rPr lang="ru-RU" sz="2000" kern="100" dirty="0">
+                              <a:effectLst/>
+                              <a:latin typeface="Times New Roman" panose="02020603050405020304" pitchFamily="18" charset="0"/>
+                              <a:cs typeface="Times New Roman" panose="02020603050405020304" pitchFamily="18" charset="0"/>
+                            </a:rPr>
+                            <a:t>Регрессия с нормализацией</a:t>
+                          </a:r>
+                          <a:endParaRPr lang="ru-RU" sz="2000" kern="100" dirty="0">
+                            <a:effectLst/>
+                            <a:latin typeface="Times New Roman" panose="02020603050405020304" pitchFamily="18" charset="0"/>
+                            <a:ea typeface="Calibri" panose="020F0502020204030204" pitchFamily="34" charset="0"/>
+                            <a:cs typeface="Times New Roman" panose="02020603050405020304" pitchFamily="18" charset="0"/>
+                          </a:endParaRPr>
+                        </a:p>
+                      </a:txBody>
+                      <a:tcPr marL="68580" marR="68580" marT="0" marB="0" anchor="ctr"/>
+                    </a:tc>
+                    <a:tc>
+                      <a:txBody>
+                        <a:bodyPr/>
+                        <a:lstStyle/>
+                        <a:p>
+                          <a:pPr marL="0" indent="0" algn="l">
+                            <a:lnSpc>
+                              <a:spcPct val="150000"/>
+                            </a:lnSpc>
+                            <a:buFont typeface="Arial" panose="020B0604020202020204" pitchFamily="34" charset="0"/>
+                            <a:buNone/>
+                          </a:pPr>
+                          <a:r>
+                            <a:rPr lang="en-US" sz="2000" kern="100" dirty="0">
+                              <a:effectLst/>
+                              <a:latin typeface="Times New Roman" panose="02020603050405020304" pitchFamily="18" charset="0"/>
+                              <a:cs typeface="Times New Roman" panose="02020603050405020304" pitchFamily="18" charset="0"/>
+                            </a:rPr>
+                            <a:t>-1.66</a:t>
+                          </a:r>
+                          <a:endParaRPr lang="ru-RU" sz="2000" kern="100" dirty="0">
+                            <a:effectLst/>
+                            <a:latin typeface="Times New Roman" panose="02020603050405020304" pitchFamily="18" charset="0"/>
+                            <a:ea typeface="Calibri" panose="020F0502020204030204" pitchFamily="34" charset="0"/>
+                            <a:cs typeface="Times New Roman" panose="02020603050405020304" pitchFamily="18" charset="0"/>
+                          </a:endParaRPr>
+                        </a:p>
+                      </a:txBody>
+                      <a:tcPr marL="68580" marR="68580" marT="0" marB="0" anchor="ctr"/>
+                    </a:tc>
+                    <a:tc>
+                      <a:txBody>
+                        <a:bodyPr/>
+                        <a:lstStyle/>
+                        <a:p>
+                          <a:pPr marL="0" indent="0" algn="l">
+                            <a:lnSpc>
+                              <a:spcPct val="150000"/>
+                            </a:lnSpc>
+                            <a:buFont typeface="Arial" panose="020B0604020202020204" pitchFamily="34" charset="0"/>
+                            <a:buNone/>
+                          </a:pPr>
+                          <a:r>
+                            <a:rPr lang="en-US" sz="2000" kern="100" dirty="0">
+                              <a:effectLst/>
+                              <a:latin typeface="Times New Roman" panose="02020603050405020304" pitchFamily="18" charset="0"/>
+                              <a:cs typeface="Times New Roman" panose="02020603050405020304" pitchFamily="18" charset="0"/>
+                            </a:rPr>
+                            <a:t>1.43</a:t>
+                          </a:r>
+                          <a:endParaRPr lang="ru-RU" sz="2000" kern="100" dirty="0">
+                            <a:effectLst/>
+                            <a:latin typeface="Times New Roman" panose="02020603050405020304" pitchFamily="18" charset="0"/>
+                            <a:ea typeface="Calibri" panose="020F0502020204030204" pitchFamily="34" charset="0"/>
+                            <a:cs typeface="Times New Roman" panose="02020603050405020304" pitchFamily="18" charset="0"/>
+                          </a:endParaRPr>
+                        </a:p>
+                      </a:txBody>
+                      <a:tcPr marL="68580" marR="68580" marT="0" marB="0" anchor="ctr"/>
+                    </a:tc>
+                    <a:extLst>
+                      <a:ext uri="{0D108BD9-81ED-4DB2-BD59-A6C34878D82A}">
+                        <a16:rowId xmlns:a16="http://schemas.microsoft.com/office/drawing/2014/main" val="922234189"/>
+                      </a:ext>
+                    </a:extLst>
+                  </a:tr>
+                  <a:tr h="0">
+                    <a:tc>
+                      <a:txBody>
+                        <a:bodyPr/>
+                        <a:lstStyle/>
+                        <a:p>
+                          <a:pPr marL="0" indent="0" algn="l">
+                            <a:lnSpc>
+                              <a:spcPct val="100000"/>
+                            </a:lnSpc>
+                            <a:buFont typeface="+mj-lt"/>
+                            <a:buNone/>
+                          </a:pPr>
+                          <a:r>
+                            <a:rPr lang="ru-RU" sz="2000" kern="100" dirty="0">
+                              <a:effectLst/>
+                              <a:latin typeface="Times New Roman" panose="02020603050405020304" pitchFamily="18" charset="0"/>
+                              <a:cs typeface="Times New Roman" panose="02020603050405020304" pitchFamily="18" charset="0"/>
+                            </a:rPr>
+                            <a:t>Регрессия без</a:t>
+                          </a:r>
+                          <a:r>
+                            <a:rPr lang="en-US" sz="2000" kern="100" dirty="0">
+                              <a:effectLst/>
+                              <a:latin typeface="Times New Roman" panose="02020603050405020304" pitchFamily="18" charset="0"/>
+                              <a:cs typeface="Times New Roman" panose="02020603050405020304" pitchFamily="18" charset="0"/>
+                            </a:rPr>
+                            <a:t> </a:t>
+                          </a:r>
+                          <a:r>
+                            <a:rPr lang="ru-RU" sz="2000" kern="100" dirty="0">
+                              <a:effectLst/>
+                              <a:latin typeface="Times New Roman" panose="02020603050405020304" pitchFamily="18" charset="0"/>
+                              <a:cs typeface="Times New Roman" panose="02020603050405020304" pitchFamily="18" charset="0"/>
+                            </a:rPr>
+                            <a:t>нормализации</a:t>
+                          </a:r>
+                          <a:endParaRPr lang="ru-RU" sz="2000" kern="100" dirty="0">
+                            <a:effectLst/>
+                            <a:latin typeface="Times New Roman" panose="02020603050405020304" pitchFamily="18" charset="0"/>
+                            <a:ea typeface="Calibri" panose="020F0502020204030204" pitchFamily="34" charset="0"/>
+                            <a:cs typeface="Times New Roman" panose="02020603050405020304" pitchFamily="18" charset="0"/>
+                          </a:endParaRPr>
+                        </a:p>
+                      </a:txBody>
+                      <a:tcPr marL="68580" marR="68580" marT="0" marB="0" anchor="ctr"/>
+                    </a:tc>
+                    <a:tc>
+                      <a:txBody>
+                        <a:bodyPr/>
+                        <a:lstStyle/>
+                        <a:p>
+                          <a:pPr marL="0" indent="0" algn="l">
+                            <a:lnSpc>
+                              <a:spcPct val="150000"/>
+                            </a:lnSpc>
+                            <a:buFont typeface="Arial" panose="020B0604020202020204" pitchFamily="34" charset="0"/>
+                            <a:buNone/>
+                          </a:pPr>
+                          <a:r>
+                            <a:rPr lang="en-US" sz="2000" kern="100" dirty="0">
+                              <a:effectLst/>
+                              <a:latin typeface="Times New Roman" panose="02020603050405020304" pitchFamily="18" charset="0"/>
+                              <a:cs typeface="Times New Roman" panose="02020603050405020304" pitchFamily="18" charset="0"/>
+                            </a:rPr>
+                            <a:t>-1.97</a:t>
+                          </a:r>
+                          <a:endParaRPr lang="ru-RU" sz="2000" kern="100" dirty="0">
+                            <a:effectLst/>
+                            <a:latin typeface="Times New Roman" panose="02020603050405020304" pitchFamily="18" charset="0"/>
+                            <a:ea typeface="Calibri" panose="020F0502020204030204" pitchFamily="34" charset="0"/>
+                            <a:cs typeface="Times New Roman" panose="02020603050405020304" pitchFamily="18" charset="0"/>
+                          </a:endParaRPr>
+                        </a:p>
+                      </a:txBody>
+                      <a:tcPr marL="68580" marR="68580" marT="0" marB="0" anchor="ctr"/>
+                    </a:tc>
+                    <a:tc>
+                      <a:txBody>
+                        <a:bodyPr/>
+                        <a:lstStyle/>
+                        <a:p>
+                          <a:pPr marL="0" indent="0" algn="l">
+                            <a:lnSpc>
+                              <a:spcPct val="150000"/>
+                            </a:lnSpc>
+                            <a:buFont typeface="Arial" panose="020B0604020202020204" pitchFamily="34" charset="0"/>
+                            <a:buNone/>
+                          </a:pPr>
+                          <a:r>
+                            <a:rPr lang="en-US" sz="2000" kern="100" dirty="0">
+                              <a:effectLst/>
+                              <a:latin typeface="Times New Roman" panose="02020603050405020304" pitchFamily="18" charset="0"/>
+                              <a:cs typeface="Times New Roman" panose="02020603050405020304" pitchFamily="18" charset="0"/>
+                            </a:rPr>
+                            <a:t>1.33</a:t>
+                          </a:r>
+                          <a:endParaRPr lang="ru-RU" sz="2000" kern="100" dirty="0">
+                            <a:effectLst/>
+                            <a:latin typeface="Times New Roman" panose="02020603050405020304" pitchFamily="18" charset="0"/>
+                            <a:ea typeface="Calibri" panose="020F0502020204030204" pitchFamily="34" charset="0"/>
+                            <a:cs typeface="Times New Roman" panose="02020603050405020304" pitchFamily="18" charset="0"/>
+                          </a:endParaRPr>
+                        </a:p>
+                      </a:txBody>
+                      <a:tcPr marL="68580" marR="68580" marT="0" marB="0" anchor="ctr"/>
+                    </a:tc>
+                    <a:extLst>
+                      <a:ext uri="{0D108BD9-81ED-4DB2-BD59-A6C34878D82A}">
+                        <a16:rowId xmlns:a16="http://schemas.microsoft.com/office/drawing/2014/main" val="2144031710"/>
+                      </a:ext>
+                    </a:extLst>
+                  </a:tr>
+                  <a:tr h="0">
+                    <a:tc>
+                      <a:txBody>
+                        <a:bodyPr/>
+                        <a:lstStyle/>
+                        <a:p>
+                          <a:pPr marL="0" indent="0" algn="l">
+                            <a:lnSpc>
+                              <a:spcPct val="100000"/>
+                            </a:lnSpc>
+                            <a:buFont typeface="+mj-lt"/>
+                            <a:buNone/>
+                          </a:pPr>
+                          <a:r>
+                            <a:rPr lang="ru-RU" sz="2000" kern="100" dirty="0">
+                              <a:effectLst/>
+                              <a:latin typeface="Times New Roman" panose="02020603050405020304" pitchFamily="18" charset="0"/>
+                              <a:cs typeface="Times New Roman" panose="02020603050405020304" pitchFamily="18" charset="0"/>
+                            </a:rPr>
+                            <a:t>Классификация с</a:t>
+                          </a:r>
+                          <a:r>
+                            <a:rPr lang="en-US" sz="2000" kern="100" dirty="0">
+                              <a:effectLst/>
+                              <a:latin typeface="Times New Roman" panose="02020603050405020304" pitchFamily="18" charset="0"/>
+                              <a:cs typeface="Times New Roman" panose="02020603050405020304" pitchFamily="18" charset="0"/>
+                            </a:rPr>
+                            <a:t> </a:t>
+                          </a:r>
+                          <a:r>
+                            <a:rPr lang="ru-RU" sz="2000" kern="100" dirty="0">
+                              <a:effectLst/>
+                              <a:latin typeface="Times New Roman" panose="02020603050405020304" pitchFamily="18" charset="0"/>
+                              <a:cs typeface="Times New Roman" panose="02020603050405020304" pitchFamily="18" charset="0"/>
+                            </a:rPr>
+                            <a:t>нормализацией</a:t>
+                          </a:r>
+                          <a:endParaRPr lang="ru-RU" sz="2000" kern="100" dirty="0">
+                            <a:effectLst/>
+                            <a:latin typeface="Times New Roman" panose="02020603050405020304" pitchFamily="18" charset="0"/>
+                            <a:ea typeface="Calibri" panose="020F0502020204030204" pitchFamily="34" charset="0"/>
+                            <a:cs typeface="Times New Roman" panose="02020603050405020304" pitchFamily="18" charset="0"/>
+                          </a:endParaRPr>
+                        </a:p>
+                      </a:txBody>
+                      <a:tcPr marL="68580" marR="68580" marT="0" marB="0" anchor="ctr"/>
+                    </a:tc>
+                    <a:tc>
+                      <a:txBody>
+                        <a:bodyPr/>
+                        <a:lstStyle/>
+                        <a:p>
+                          <a:pPr marL="0" indent="0" algn="l">
+                            <a:lnSpc>
+                              <a:spcPct val="150000"/>
+                            </a:lnSpc>
+                            <a:buFont typeface="Arial" panose="020B0604020202020204" pitchFamily="34" charset="0"/>
+                            <a:buNone/>
+                          </a:pPr>
+                          <a:r>
+                            <a:rPr lang="en-US" sz="2000" kern="100" dirty="0">
+                              <a:effectLst/>
+                              <a:latin typeface="Times New Roman" panose="02020603050405020304" pitchFamily="18" charset="0"/>
+                              <a:cs typeface="Times New Roman" panose="02020603050405020304" pitchFamily="18" charset="0"/>
+                            </a:rPr>
+                            <a:t>-1.7</a:t>
+                          </a:r>
+                          <a:endParaRPr lang="ru-RU" sz="2000" kern="100" dirty="0">
+                            <a:effectLst/>
+                            <a:latin typeface="Times New Roman" panose="02020603050405020304" pitchFamily="18" charset="0"/>
+                            <a:ea typeface="Calibri" panose="020F0502020204030204" pitchFamily="34" charset="0"/>
+                            <a:cs typeface="Times New Roman" panose="02020603050405020304" pitchFamily="18" charset="0"/>
+                          </a:endParaRPr>
+                        </a:p>
+                      </a:txBody>
+                      <a:tcPr marL="68580" marR="68580" marT="0" marB="0" anchor="ctr"/>
+                    </a:tc>
+                    <a:tc>
+                      <a:txBody>
+                        <a:bodyPr/>
+                        <a:lstStyle/>
+                        <a:p>
+                          <a:pPr marL="0" indent="0" algn="l">
+                            <a:lnSpc>
+                              <a:spcPct val="150000"/>
+                            </a:lnSpc>
+                            <a:buFont typeface="Arial" panose="020B0604020202020204" pitchFamily="34" charset="0"/>
+                            <a:buNone/>
+                          </a:pPr>
+                          <a:r>
+                            <a:rPr lang="en-US" sz="2000" kern="100" dirty="0">
+                              <a:effectLst/>
+                              <a:latin typeface="Times New Roman" panose="02020603050405020304" pitchFamily="18" charset="0"/>
+                              <a:cs typeface="Times New Roman" panose="02020603050405020304" pitchFamily="18" charset="0"/>
+                            </a:rPr>
+                            <a:t>1.38</a:t>
+                          </a:r>
+                          <a:endParaRPr lang="ru-RU" sz="2000" kern="100" dirty="0">
+                            <a:effectLst/>
+                            <a:latin typeface="Times New Roman" panose="02020603050405020304" pitchFamily="18" charset="0"/>
+                            <a:ea typeface="Calibri" panose="020F0502020204030204" pitchFamily="34" charset="0"/>
+                            <a:cs typeface="Times New Roman" panose="02020603050405020304" pitchFamily="18" charset="0"/>
+                          </a:endParaRPr>
+                        </a:p>
+                      </a:txBody>
+                      <a:tcPr marL="68580" marR="68580" marT="0" marB="0" anchor="ctr"/>
+                    </a:tc>
+                    <a:extLst>
+                      <a:ext uri="{0D108BD9-81ED-4DB2-BD59-A6C34878D82A}">
+                        <a16:rowId xmlns:a16="http://schemas.microsoft.com/office/drawing/2014/main" val="1219987144"/>
+                      </a:ext>
+                    </a:extLst>
+                  </a:tr>
+                  <a:tr h="0">
+                    <a:tc>
+                      <a:txBody>
+                        <a:bodyPr/>
+                        <a:lstStyle/>
+                        <a:p>
+                          <a:pPr marL="0" indent="0" algn="l">
+                            <a:lnSpc>
+                              <a:spcPct val="100000"/>
+                            </a:lnSpc>
+                            <a:buFont typeface="+mj-lt"/>
+                            <a:buNone/>
+                          </a:pPr>
+                          <a:r>
+                            <a:rPr lang="ru-RU" sz="2000" kern="100" dirty="0">
+                              <a:effectLst/>
+                              <a:latin typeface="Times New Roman" panose="02020603050405020304" pitchFamily="18" charset="0"/>
+                              <a:cs typeface="Times New Roman" panose="02020603050405020304" pitchFamily="18" charset="0"/>
+                            </a:rPr>
+                            <a:t>Классификация без</a:t>
+                          </a:r>
+                          <a:r>
+                            <a:rPr lang="en-US" sz="2000" kern="100" dirty="0">
+                              <a:effectLst/>
+                              <a:latin typeface="Times New Roman" panose="02020603050405020304" pitchFamily="18" charset="0"/>
+                              <a:cs typeface="Times New Roman" panose="02020603050405020304" pitchFamily="18" charset="0"/>
+                            </a:rPr>
+                            <a:t> </a:t>
+                          </a:r>
+                          <a:r>
+                            <a:rPr lang="ru-RU" sz="2000" kern="100" dirty="0">
+                              <a:effectLst/>
+                              <a:latin typeface="Times New Roman" panose="02020603050405020304" pitchFamily="18" charset="0"/>
+                              <a:cs typeface="Times New Roman" panose="02020603050405020304" pitchFamily="18" charset="0"/>
+                            </a:rPr>
+                            <a:t>нормализации</a:t>
+                          </a:r>
+                          <a:endParaRPr lang="ru-RU" sz="2000" kern="100" dirty="0">
+                            <a:effectLst/>
+                            <a:latin typeface="Times New Roman" panose="02020603050405020304" pitchFamily="18" charset="0"/>
+                            <a:ea typeface="Calibri" panose="020F0502020204030204" pitchFamily="34" charset="0"/>
+                            <a:cs typeface="Times New Roman" panose="02020603050405020304" pitchFamily="18" charset="0"/>
+                          </a:endParaRPr>
+                        </a:p>
+                      </a:txBody>
+                      <a:tcPr marL="68580" marR="68580" marT="0" marB="0" anchor="ctr"/>
+                    </a:tc>
+                    <a:tc>
+                      <a:txBody>
+                        <a:bodyPr/>
+                        <a:lstStyle/>
+                        <a:p>
+                          <a:pPr marL="0" indent="0" algn="l">
+                            <a:lnSpc>
+                              <a:spcPct val="150000"/>
+                            </a:lnSpc>
+                            <a:buFont typeface="Arial" panose="020B0604020202020204" pitchFamily="34" charset="0"/>
+                            <a:buNone/>
+                          </a:pPr>
+                          <a:r>
+                            <a:rPr lang="en-US" sz="2000" kern="100" dirty="0">
+                              <a:effectLst/>
+                              <a:latin typeface="Times New Roman" panose="02020603050405020304" pitchFamily="18" charset="0"/>
+                              <a:cs typeface="Times New Roman" panose="02020603050405020304" pitchFamily="18" charset="0"/>
+                            </a:rPr>
+                            <a:t>-1.47</a:t>
+                          </a:r>
+                          <a:endParaRPr lang="ru-RU" sz="2000" kern="100" dirty="0">
+                            <a:effectLst/>
+                            <a:latin typeface="Times New Roman" panose="02020603050405020304" pitchFamily="18" charset="0"/>
+                            <a:ea typeface="Calibri" panose="020F0502020204030204" pitchFamily="34" charset="0"/>
+                            <a:cs typeface="Times New Roman" panose="02020603050405020304" pitchFamily="18" charset="0"/>
+                          </a:endParaRPr>
+                        </a:p>
+                      </a:txBody>
+                      <a:tcPr marL="68580" marR="68580" marT="0" marB="0" anchor="ctr"/>
+                    </a:tc>
+                    <a:tc>
+                      <a:txBody>
+                        <a:bodyPr/>
+                        <a:lstStyle/>
+                        <a:p>
+                          <a:pPr marL="0" indent="0" algn="l">
+                            <a:lnSpc>
+                              <a:spcPct val="150000"/>
+                            </a:lnSpc>
+                            <a:buFont typeface="Arial" panose="020B0604020202020204" pitchFamily="34" charset="0"/>
+                            <a:buNone/>
+                          </a:pPr>
+                          <a:r>
+                            <a:rPr lang="en-US" sz="2000" kern="100" dirty="0">
+                              <a:effectLst/>
+                              <a:latin typeface="Times New Roman" panose="02020603050405020304" pitchFamily="18" charset="0"/>
+                              <a:cs typeface="Times New Roman" panose="02020603050405020304" pitchFamily="18" charset="0"/>
+                            </a:rPr>
+                            <a:t>1.34</a:t>
+                          </a:r>
+                          <a:endParaRPr lang="ru-RU" sz="2000" kern="100" dirty="0">
+                            <a:effectLst/>
+                            <a:latin typeface="Times New Roman" panose="02020603050405020304" pitchFamily="18" charset="0"/>
+                            <a:ea typeface="Calibri" panose="020F0502020204030204" pitchFamily="34" charset="0"/>
+                            <a:cs typeface="Times New Roman" panose="02020603050405020304" pitchFamily="18" charset="0"/>
+                          </a:endParaRPr>
+                        </a:p>
+                      </a:txBody>
+                      <a:tcPr marL="68580" marR="68580" marT="0" marB="0" anchor="ctr"/>
+                    </a:tc>
+                    <a:extLst>
+                      <a:ext uri="{0D108BD9-81ED-4DB2-BD59-A6C34878D82A}">
+                        <a16:rowId xmlns:a16="http://schemas.microsoft.com/office/drawing/2014/main" val="1312247034"/>
+                      </a:ext>
+                    </a:extLst>
+                  </a:tr>
+                </a:tbl>
+              </a:graphicData>
+            </a:graphic>
+          </p:graphicFrame>
+        </mc:Choice>
+        <mc:Fallback>
+          <p:graphicFrame>
+            <p:nvGraphicFramePr>
+              <p:cNvPr id="4" name="Таблица 3">
+                <a:extLst>
+                  <a:ext uri="{FF2B5EF4-FFF2-40B4-BE49-F238E27FC236}">
+                    <a16:creationId xmlns:a16="http://schemas.microsoft.com/office/drawing/2014/main" id="{E2F08E00-BFD2-6E78-BC18-7842B3110AED}"/>
+                  </a:ext>
+                </a:extLst>
+              </p:cNvPr>
+              <p:cNvGraphicFramePr>
+                <a:graphicFrameLocks noGrp="1"/>
+              </p:cNvGraphicFramePr>
+              <p:nvPr>
+                <p:extLst>
+                  <p:ext uri="{D42A27DB-BD31-4B8C-83A1-F6EECF244321}">
+                    <p14:modId xmlns:p14="http://schemas.microsoft.com/office/powerpoint/2010/main" val="2343022813"/>
+                  </p:ext>
+                </p:extLst>
+              </p:nvPr>
+            </p:nvGraphicFramePr>
+            <p:xfrm>
+              <a:off x="6096000" y="1291843"/>
+              <a:ext cx="5676514" cy="3895600"/>
+            </p:xfrm>
+            <a:graphic>
+              <a:graphicData uri="http://schemas.openxmlformats.org/drawingml/2006/table">
+                <a:tbl>
+                  <a:tblPr>
+                    <a:tableStyleId>{5940675A-B579-460E-94D1-54222C63F5DA}</a:tableStyleId>
+                  </a:tblPr>
+                  <a:tblGrid>
+                    <a:gridCol w="3220697">
+                      <a:extLst>
+                        <a:ext uri="{9D8B030D-6E8A-4147-A177-3AD203B41FA5}">
+                          <a16:colId xmlns:a16="http://schemas.microsoft.com/office/drawing/2014/main" val="1958379124"/>
+                        </a:ext>
+                      </a:extLst>
+                    </a:gridCol>
+                    <a:gridCol w="1158240">
+                      <a:extLst>
+                        <a:ext uri="{9D8B030D-6E8A-4147-A177-3AD203B41FA5}">
+                          <a16:colId xmlns:a16="http://schemas.microsoft.com/office/drawing/2014/main" val="1290080182"/>
+                        </a:ext>
+                      </a:extLst>
+                    </a:gridCol>
+                    <a:gridCol w="1297577">
+                      <a:extLst>
+                        <a:ext uri="{9D8B030D-6E8A-4147-A177-3AD203B41FA5}">
+                          <a16:colId xmlns:a16="http://schemas.microsoft.com/office/drawing/2014/main" val="221227059"/>
+                        </a:ext>
+                      </a:extLst>
+                    </a:gridCol>
+                  </a:tblGrid>
+                  <a:tr h="457200">
+                    <a:tc>
+                      <a:txBody>
+                        <a:bodyPr/>
+                        <a:lstStyle/>
+                        <a:p>
+                          <a:pPr marL="0" indent="0" algn="l">
+                            <a:lnSpc>
+                              <a:spcPct val="100000"/>
+                            </a:lnSpc>
+                            <a:buFont typeface="+mj-lt"/>
+                            <a:buNone/>
+                          </a:pPr>
+                          <a:r>
+                            <a:rPr lang="ru-RU" sz="2000" kern="100" dirty="0">
+                              <a:effectLst/>
+                              <a:latin typeface="Times New Roman" panose="02020603050405020304" pitchFamily="18" charset="0"/>
+                              <a:cs typeface="Times New Roman" panose="02020603050405020304" pitchFamily="18" charset="0"/>
+                            </a:rPr>
+                            <a:t>Название среза</a:t>
+                          </a:r>
+                          <a:endParaRPr lang="ru-RU" sz="2000" kern="100" dirty="0">
+                            <a:effectLst/>
+                            <a:latin typeface="Times New Roman" panose="02020603050405020304" pitchFamily="18" charset="0"/>
+                            <a:ea typeface="Calibri" panose="020F0502020204030204" pitchFamily="34" charset="0"/>
+                            <a:cs typeface="Times New Roman" panose="02020603050405020304" pitchFamily="18" charset="0"/>
+                          </a:endParaRPr>
+                        </a:p>
+                      </a:txBody>
+                      <a:tcPr marL="68580" marR="68580" marT="0" marB="0" anchor="ctr"/>
+                    </a:tc>
+                    <a:tc>
+                      <a:txBody>
+                        <a:bodyPr/>
+                        <a:lstStyle/>
+                        <a:p>
+                          <a:endParaRPr lang="ru-RU"/>
+                        </a:p>
+                      </a:txBody>
+                      <a:tcPr marL="68580" marR="68580" marT="0" marB="0" anchor="ctr">
+                        <a:blipFill>
+                          <a:blip r:embed="rId2"/>
+                          <a:stretch>
+                            <a:fillRect l="-279474" t="-1333" r="-113158" b="-786667"/>
+                          </a:stretch>
+                        </a:blipFill>
+                      </a:tcPr>
+                    </a:tc>
+                    <a:tc>
+                      <a:txBody>
+                        <a:bodyPr/>
+                        <a:lstStyle/>
+                        <a:p>
+                          <a:endParaRPr lang="ru-RU"/>
+                        </a:p>
+                      </a:txBody>
+                      <a:tcPr marL="68580" marR="68580" marT="0" marB="0" anchor="ctr">
+                        <a:blipFill>
+                          <a:blip r:embed="rId2"/>
+                          <a:stretch>
+                            <a:fillRect l="-338498" t="-1333" r="-939" b="-786667"/>
+                          </a:stretch>
+                        </a:blipFill>
+                      </a:tcPr>
+                    </a:tc>
+                    <a:extLst>
+                      <a:ext uri="{0D108BD9-81ED-4DB2-BD59-A6C34878D82A}">
+                        <a16:rowId xmlns:a16="http://schemas.microsoft.com/office/drawing/2014/main" val="1758468036"/>
+                      </a:ext>
+                    </a:extLst>
+                  </a:tr>
+                  <a:tr h="402400">
+                    <a:tc>
+                      <a:txBody>
+                        <a:bodyPr/>
+                        <a:lstStyle/>
+                        <a:p>
+                          <a:pPr marL="0" indent="0" algn="l">
+                            <a:lnSpc>
+                              <a:spcPct val="100000"/>
+                            </a:lnSpc>
+                            <a:buFont typeface="+mj-lt"/>
+                            <a:buNone/>
+                          </a:pPr>
+                          <a:r>
+                            <a:rPr lang="ru-RU" sz="2000" kern="100" dirty="0">
+                              <a:effectLst/>
+                              <a:latin typeface="Times New Roman" panose="02020603050405020304" pitchFamily="18" charset="0"/>
+                              <a:cs typeface="Times New Roman" panose="02020603050405020304" pitchFamily="18" charset="0"/>
+                            </a:rPr>
+                            <a:t>Исходное изображение</a:t>
+                          </a:r>
+                          <a:endParaRPr lang="ru-RU" sz="2000" kern="100" dirty="0">
+                            <a:effectLst/>
+                            <a:latin typeface="Times New Roman" panose="02020603050405020304" pitchFamily="18" charset="0"/>
+                            <a:ea typeface="Calibri" panose="020F0502020204030204" pitchFamily="34" charset="0"/>
+                            <a:cs typeface="Times New Roman" panose="02020603050405020304" pitchFamily="18" charset="0"/>
+                          </a:endParaRPr>
+                        </a:p>
+                      </a:txBody>
+                      <a:tcPr marL="68580" marR="68580" marT="0" marB="0" anchor="ctr"/>
+                    </a:tc>
+                    <a:tc>
+                      <a:txBody>
+                        <a:bodyPr/>
+                        <a:lstStyle/>
+                        <a:p>
+                          <a:pPr marL="0" indent="0" algn="l">
+                            <a:lnSpc>
+                              <a:spcPct val="150000"/>
+                            </a:lnSpc>
+                            <a:buFont typeface="Arial" panose="020B0604020202020204" pitchFamily="34" charset="0"/>
+                            <a:buNone/>
+                          </a:pPr>
+                          <a:r>
+                            <a:rPr lang="en-US" sz="2000" kern="100" dirty="0">
+                              <a:effectLst/>
+                              <a:latin typeface="Times New Roman" panose="02020603050405020304" pitchFamily="18" charset="0"/>
+                              <a:cs typeface="Times New Roman" panose="02020603050405020304" pitchFamily="18" charset="0"/>
+                            </a:rPr>
+                            <a:t>0</a:t>
+                          </a:r>
+                          <a:endParaRPr lang="ru-RU" sz="2000" kern="100" dirty="0">
+                            <a:effectLst/>
+                            <a:latin typeface="Times New Roman" panose="02020603050405020304" pitchFamily="18" charset="0"/>
+                            <a:ea typeface="Calibri" panose="020F0502020204030204" pitchFamily="34" charset="0"/>
+                            <a:cs typeface="Times New Roman" panose="02020603050405020304" pitchFamily="18" charset="0"/>
+                          </a:endParaRPr>
+                        </a:p>
+                      </a:txBody>
+                      <a:tcPr marL="68580" marR="68580" marT="0" marB="0" anchor="ctr"/>
+                    </a:tc>
+                    <a:tc>
+                      <a:txBody>
+                        <a:bodyPr/>
+                        <a:lstStyle/>
+                        <a:p>
+                          <a:pPr marL="0" indent="0" algn="l">
+                            <a:lnSpc>
+                              <a:spcPct val="150000"/>
+                            </a:lnSpc>
+                            <a:buFont typeface="Arial" panose="020B0604020202020204" pitchFamily="34" charset="0"/>
+                            <a:buNone/>
+                          </a:pPr>
+                          <a:r>
+                            <a:rPr lang="ru-RU" sz="2000" kern="100" dirty="0">
+                              <a:effectLst/>
+                              <a:latin typeface="Times New Roman" panose="02020603050405020304" pitchFamily="18" charset="0"/>
+                              <a:cs typeface="Times New Roman" panose="02020603050405020304" pitchFamily="18" charset="0"/>
+                            </a:rPr>
+                            <a:t>0</a:t>
+                          </a:r>
+                          <a:endParaRPr lang="ru-RU" sz="2000" kern="100" dirty="0">
+                            <a:effectLst/>
+                            <a:latin typeface="Times New Roman" panose="02020603050405020304" pitchFamily="18" charset="0"/>
+                            <a:ea typeface="Calibri" panose="020F0502020204030204" pitchFamily="34" charset="0"/>
+                            <a:cs typeface="Times New Roman" panose="02020603050405020304" pitchFamily="18" charset="0"/>
+                          </a:endParaRPr>
+                        </a:p>
+                      </a:txBody>
+                      <a:tcPr marL="68580" marR="68580" marT="0" marB="0" anchor="ctr"/>
+                    </a:tc>
+                    <a:extLst>
+                      <a:ext uri="{0D108BD9-81ED-4DB2-BD59-A6C34878D82A}">
+                        <a16:rowId xmlns:a16="http://schemas.microsoft.com/office/drawing/2014/main" val="3086655519"/>
+                      </a:ext>
+                    </a:extLst>
+                  </a:tr>
+                  <a:tr h="402400">
+                    <a:tc>
+                      <a:txBody>
+                        <a:bodyPr/>
+                        <a:lstStyle/>
+                        <a:p>
+                          <a:pPr marL="0" indent="0" algn="l">
+                            <a:lnSpc>
+                              <a:spcPct val="100000"/>
+                            </a:lnSpc>
+                            <a:buFont typeface="+mj-lt"/>
+                            <a:buNone/>
+                          </a:pPr>
+                          <a:r>
+                            <a:rPr lang="ru-RU" sz="2000" kern="100" dirty="0">
+                              <a:effectLst/>
+                              <a:latin typeface="Times New Roman" panose="02020603050405020304" pitchFamily="18" charset="0"/>
+                              <a:cs typeface="Times New Roman" panose="02020603050405020304" pitchFamily="18" charset="0"/>
+                            </a:rPr>
+                            <a:t>Зашумлённое изображение</a:t>
+                          </a:r>
+                          <a:endParaRPr lang="ru-RU" sz="2000" kern="100" dirty="0">
+                            <a:effectLst/>
+                            <a:latin typeface="Times New Roman" panose="02020603050405020304" pitchFamily="18" charset="0"/>
+                            <a:ea typeface="Calibri" panose="020F0502020204030204" pitchFamily="34" charset="0"/>
+                            <a:cs typeface="Times New Roman" panose="02020603050405020304" pitchFamily="18" charset="0"/>
+                          </a:endParaRPr>
+                        </a:p>
+                      </a:txBody>
+                      <a:tcPr marL="68580" marR="68580" marT="0" marB="0" anchor="ctr"/>
+                    </a:tc>
+                    <a:tc>
+                      <a:txBody>
+                        <a:bodyPr/>
+                        <a:lstStyle/>
+                        <a:p>
+                          <a:pPr marL="0" indent="0" algn="l">
+                            <a:lnSpc>
+                              <a:spcPct val="150000"/>
+                            </a:lnSpc>
+                            <a:buFont typeface="Arial" panose="020B0604020202020204" pitchFamily="34" charset="0"/>
+                            <a:buNone/>
+                          </a:pPr>
+                          <a:r>
+                            <a:rPr lang="en-US" sz="2000" kern="100" dirty="0">
+                              <a:effectLst/>
+                              <a:latin typeface="Times New Roman" panose="02020603050405020304" pitchFamily="18" charset="0"/>
+                              <a:ea typeface="Calibri" panose="020F0502020204030204" pitchFamily="34" charset="0"/>
+                              <a:cs typeface="Times New Roman" panose="02020603050405020304" pitchFamily="18" charset="0"/>
+                            </a:rPr>
+                            <a:t>34.34</a:t>
+                          </a:r>
+                          <a:endParaRPr lang="ru-RU" sz="2000" kern="100" dirty="0">
+                            <a:effectLst/>
+                            <a:latin typeface="Times New Roman" panose="02020603050405020304" pitchFamily="18" charset="0"/>
+                            <a:ea typeface="Calibri" panose="020F0502020204030204" pitchFamily="34" charset="0"/>
+                            <a:cs typeface="Times New Roman" panose="02020603050405020304" pitchFamily="18" charset="0"/>
+                          </a:endParaRPr>
+                        </a:p>
+                      </a:txBody>
+                      <a:tcPr marL="68580" marR="68580" marT="0" marB="0" anchor="ctr"/>
+                    </a:tc>
+                    <a:tc>
+                      <a:txBody>
+                        <a:bodyPr/>
+                        <a:lstStyle/>
+                        <a:p>
+                          <a:pPr marL="0" indent="0" algn="l">
+                            <a:lnSpc>
+                              <a:spcPct val="150000"/>
+                            </a:lnSpc>
+                            <a:buFont typeface="Arial" panose="020B0604020202020204" pitchFamily="34" charset="0"/>
+                            <a:buNone/>
+                          </a:pPr>
+                          <a:r>
+                            <a:rPr lang="ru-RU" sz="2000" kern="100" dirty="0">
+                              <a:effectLst/>
+                              <a:latin typeface="Times New Roman" panose="02020603050405020304" pitchFamily="18" charset="0"/>
+                              <a:cs typeface="Times New Roman" panose="02020603050405020304" pitchFamily="18" charset="0"/>
+                            </a:rPr>
+                            <a:t>7</a:t>
+                          </a:r>
+                          <a:r>
+                            <a:rPr lang="en-US" sz="2000" kern="100" dirty="0">
+                              <a:effectLst/>
+                              <a:latin typeface="Times New Roman" panose="02020603050405020304" pitchFamily="18" charset="0"/>
+                              <a:cs typeface="Times New Roman" panose="02020603050405020304" pitchFamily="18" charset="0"/>
+                            </a:rPr>
+                            <a:t>.</a:t>
+                          </a:r>
+                          <a:r>
+                            <a:rPr lang="ru-RU" sz="2000" kern="100" dirty="0">
+                              <a:effectLst/>
+                              <a:latin typeface="Times New Roman" panose="02020603050405020304" pitchFamily="18" charset="0"/>
+                              <a:cs typeface="Times New Roman" panose="02020603050405020304" pitchFamily="18" charset="0"/>
+                            </a:rPr>
+                            <a:t>44</a:t>
+                          </a:r>
+                          <a:endParaRPr lang="ru-RU" sz="2000" kern="100" dirty="0">
+                            <a:effectLst/>
+                            <a:latin typeface="Times New Roman" panose="02020603050405020304" pitchFamily="18" charset="0"/>
+                            <a:ea typeface="Calibri" panose="020F0502020204030204" pitchFamily="34" charset="0"/>
+                            <a:cs typeface="Times New Roman" panose="02020603050405020304" pitchFamily="18" charset="0"/>
+                          </a:endParaRPr>
+                        </a:p>
+                      </a:txBody>
+                      <a:tcPr marL="68580" marR="68580" marT="0" marB="0" anchor="ctr"/>
+                    </a:tc>
+                    <a:extLst>
+                      <a:ext uri="{0D108BD9-81ED-4DB2-BD59-A6C34878D82A}">
+                        <a16:rowId xmlns:a16="http://schemas.microsoft.com/office/drawing/2014/main" val="2852596872"/>
+                      </a:ext>
+                    </a:extLst>
+                  </a:tr>
+                  <a:tr h="402400">
+                    <a:tc>
+                      <a:txBody>
+                        <a:bodyPr/>
+                        <a:lstStyle/>
+                        <a:p>
+                          <a:pPr marL="0" indent="0" algn="l">
+                            <a:lnSpc>
+                              <a:spcPct val="100000"/>
+                            </a:lnSpc>
+                            <a:buFont typeface="+mj-lt"/>
+                            <a:buNone/>
+                          </a:pPr>
+                          <a:r>
+                            <a:rPr lang="ru-RU" sz="2000" kern="100" dirty="0">
+                              <a:effectLst/>
+                              <a:latin typeface="Times New Roman" panose="02020603050405020304" pitchFamily="18" charset="0"/>
+                              <a:cs typeface="Times New Roman" panose="02020603050405020304" pitchFamily="18" charset="0"/>
+                            </a:rPr>
+                            <a:t>Анизотропная диффузия</a:t>
+                          </a:r>
+                          <a:endParaRPr lang="ru-RU" sz="2000" kern="100" dirty="0">
+                            <a:effectLst/>
+                            <a:latin typeface="Times New Roman" panose="02020603050405020304" pitchFamily="18" charset="0"/>
+                            <a:ea typeface="Calibri" panose="020F0502020204030204" pitchFamily="34" charset="0"/>
+                            <a:cs typeface="Times New Roman" panose="02020603050405020304" pitchFamily="18" charset="0"/>
+                          </a:endParaRPr>
+                        </a:p>
+                      </a:txBody>
+                      <a:tcPr marL="68580" marR="68580" marT="0" marB="0" anchor="ctr"/>
+                    </a:tc>
+                    <a:tc>
+                      <a:txBody>
+                        <a:bodyPr/>
+                        <a:lstStyle/>
+                        <a:p>
+                          <a:pPr marL="0" indent="0" algn="l">
+                            <a:lnSpc>
+                              <a:spcPct val="150000"/>
+                            </a:lnSpc>
+                            <a:buFont typeface="Arial" panose="020B0604020202020204" pitchFamily="34" charset="0"/>
+                            <a:buNone/>
+                          </a:pPr>
+                          <a:r>
+                            <a:rPr lang="en-US" sz="2000" kern="100" dirty="0">
+                              <a:effectLst/>
+                              <a:latin typeface="Times New Roman" panose="02020603050405020304" pitchFamily="18" charset="0"/>
+                              <a:ea typeface="Calibri" panose="020F0502020204030204" pitchFamily="34" charset="0"/>
+                              <a:cs typeface="Times New Roman" panose="02020603050405020304" pitchFamily="18" charset="0"/>
+                            </a:rPr>
+                            <a:t>34.98</a:t>
+                          </a:r>
+                          <a:endParaRPr lang="ru-RU" sz="2000" kern="100" dirty="0">
+                            <a:effectLst/>
+                            <a:latin typeface="Times New Roman" panose="02020603050405020304" pitchFamily="18" charset="0"/>
+                            <a:ea typeface="Calibri" panose="020F0502020204030204" pitchFamily="34" charset="0"/>
+                            <a:cs typeface="Times New Roman" panose="02020603050405020304" pitchFamily="18" charset="0"/>
+                          </a:endParaRPr>
+                        </a:p>
+                      </a:txBody>
+                      <a:tcPr marL="68580" marR="68580" marT="0" marB="0" anchor="ctr"/>
+                    </a:tc>
+                    <a:tc>
+                      <a:txBody>
+                        <a:bodyPr/>
+                        <a:lstStyle/>
+                        <a:p>
+                          <a:pPr marL="0" indent="0" algn="l">
+                            <a:lnSpc>
+                              <a:spcPct val="150000"/>
+                            </a:lnSpc>
+                            <a:buFont typeface="Arial" panose="020B0604020202020204" pitchFamily="34" charset="0"/>
+                            <a:buNone/>
+                          </a:pPr>
+                          <a:r>
+                            <a:rPr lang="ru-RU" sz="2000" kern="100" dirty="0">
+                              <a:effectLst/>
+                              <a:latin typeface="Times New Roman" panose="02020603050405020304" pitchFamily="18" charset="0"/>
+                              <a:cs typeface="Times New Roman" panose="02020603050405020304" pitchFamily="18" charset="0"/>
+                            </a:rPr>
+                            <a:t>2</a:t>
+                          </a:r>
+                          <a:r>
+                            <a:rPr lang="en-US" sz="2000" kern="100" dirty="0">
+                              <a:effectLst/>
+                              <a:latin typeface="Times New Roman" panose="02020603050405020304" pitchFamily="18" charset="0"/>
+                              <a:cs typeface="Times New Roman" panose="02020603050405020304" pitchFamily="18" charset="0"/>
+                            </a:rPr>
+                            <a:t>.65</a:t>
+                          </a:r>
+                          <a:endParaRPr lang="ru-RU" sz="2000" kern="100" dirty="0">
+                            <a:effectLst/>
+                            <a:latin typeface="Times New Roman" panose="02020603050405020304" pitchFamily="18" charset="0"/>
+                            <a:ea typeface="Calibri" panose="020F0502020204030204" pitchFamily="34" charset="0"/>
+                            <a:cs typeface="Times New Roman" panose="02020603050405020304" pitchFamily="18" charset="0"/>
+                          </a:endParaRPr>
+                        </a:p>
+                      </a:txBody>
+                      <a:tcPr marL="68580" marR="68580" marT="0" marB="0" anchor="ctr"/>
+                    </a:tc>
+                    <a:extLst>
+                      <a:ext uri="{0D108BD9-81ED-4DB2-BD59-A6C34878D82A}">
+                        <a16:rowId xmlns:a16="http://schemas.microsoft.com/office/drawing/2014/main" val="2894504475"/>
+                      </a:ext>
+                    </a:extLst>
+                  </a:tr>
+                  <a:tr h="402400">
+                    <a:tc>
+                      <a:txBody>
+                        <a:bodyPr/>
+                        <a:lstStyle/>
+                        <a:p>
+                          <a:pPr marL="0" indent="0" algn="l">
+                            <a:lnSpc>
+                              <a:spcPct val="100000"/>
+                            </a:lnSpc>
+                            <a:buFont typeface="+mj-lt"/>
+                            <a:buNone/>
+                          </a:pPr>
+                          <a:r>
+                            <a:rPr lang="ru-RU" sz="2000" kern="100" dirty="0">
+                              <a:effectLst/>
+                              <a:latin typeface="Times New Roman" panose="02020603050405020304" pitchFamily="18" charset="0"/>
+                              <a:cs typeface="Times New Roman" panose="02020603050405020304" pitchFamily="18" charset="0"/>
+                            </a:rPr>
+                            <a:t>Регрессия с нормализацией</a:t>
+                          </a:r>
+                          <a:endParaRPr lang="ru-RU" sz="2000" kern="100" dirty="0">
+                            <a:effectLst/>
+                            <a:latin typeface="Times New Roman" panose="02020603050405020304" pitchFamily="18" charset="0"/>
+                            <a:ea typeface="Calibri" panose="020F0502020204030204" pitchFamily="34" charset="0"/>
+                            <a:cs typeface="Times New Roman" panose="02020603050405020304" pitchFamily="18" charset="0"/>
+                          </a:endParaRPr>
+                        </a:p>
+                      </a:txBody>
+                      <a:tcPr marL="68580" marR="68580" marT="0" marB="0" anchor="ctr"/>
+                    </a:tc>
+                    <a:tc>
+                      <a:txBody>
+                        <a:bodyPr/>
+                        <a:lstStyle/>
+                        <a:p>
+                          <a:pPr marL="0" indent="0" algn="l">
+                            <a:lnSpc>
+                              <a:spcPct val="150000"/>
+                            </a:lnSpc>
+                            <a:buFont typeface="Arial" panose="020B0604020202020204" pitchFamily="34" charset="0"/>
+                            <a:buNone/>
+                          </a:pPr>
+                          <a:r>
+                            <a:rPr lang="en-US" sz="2000" kern="100" dirty="0">
+                              <a:effectLst/>
+                              <a:latin typeface="Times New Roman" panose="02020603050405020304" pitchFamily="18" charset="0"/>
+                              <a:cs typeface="Times New Roman" panose="02020603050405020304" pitchFamily="18" charset="0"/>
+                            </a:rPr>
+                            <a:t>-1.66</a:t>
+                          </a:r>
+                          <a:endParaRPr lang="ru-RU" sz="2000" kern="100" dirty="0">
+                            <a:effectLst/>
+                            <a:latin typeface="Times New Roman" panose="02020603050405020304" pitchFamily="18" charset="0"/>
+                            <a:ea typeface="Calibri" panose="020F0502020204030204" pitchFamily="34" charset="0"/>
+                            <a:cs typeface="Times New Roman" panose="02020603050405020304" pitchFamily="18" charset="0"/>
+                          </a:endParaRPr>
+                        </a:p>
+                      </a:txBody>
+                      <a:tcPr marL="68580" marR="68580" marT="0" marB="0" anchor="ctr"/>
+                    </a:tc>
+                    <a:tc>
+                      <a:txBody>
+                        <a:bodyPr/>
+                        <a:lstStyle/>
+                        <a:p>
+                          <a:pPr marL="0" indent="0" algn="l">
+                            <a:lnSpc>
+                              <a:spcPct val="150000"/>
+                            </a:lnSpc>
+                            <a:buFont typeface="Arial" panose="020B0604020202020204" pitchFamily="34" charset="0"/>
+                            <a:buNone/>
+                          </a:pPr>
+                          <a:r>
+                            <a:rPr lang="en-US" sz="2000" kern="100" dirty="0">
+                              <a:effectLst/>
+                              <a:latin typeface="Times New Roman" panose="02020603050405020304" pitchFamily="18" charset="0"/>
+                              <a:cs typeface="Times New Roman" panose="02020603050405020304" pitchFamily="18" charset="0"/>
+                            </a:rPr>
+                            <a:t>1.43</a:t>
+                          </a:r>
+                          <a:endParaRPr lang="ru-RU" sz="2000" kern="100" dirty="0">
+                            <a:effectLst/>
+                            <a:latin typeface="Times New Roman" panose="02020603050405020304" pitchFamily="18" charset="0"/>
+                            <a:ea typeface="Calibri" panose="020F0502020204030204" pitchFamily="34" charset="0"/>
+                            <a:cs typeface="Times New Roman" panose="02020603050405020304" pitchFamily="18" charset="0"/>
+                          </a:endParaRPr>
+                        </a:p>
+                      </a:txBody>
+                      <a:tcPr marL="68580" marR="68580" marT="0" marB="0" anchor="ctr"/>
+                    </a:tc>
+                    <a:extLst>
+                      <a:ext uri="{0D108BD9-81ED-4DB2-BD59-A6C34878D82A}">
+                        <a16:rowId xmlns:a16="http://schemas.microsoft.com/office/drawing/2014/main" val="922234189"/>
+                      </a:ext>
+                    </a:extLst>
+                  </a:tr>
+                  <a:tr h="609600">
+                    <a:tc>
+                      <a:txBody>
+                        <a:bodyPr/>
+                        <a:lstStyle/>
+                        <a:p>
+                          <a:pPr marL="0" indent="0" algn="l">
+                            <a:lnSpc>
+                              <a:spcPct val="100000"/>
+                            </a:lnSpc>
+                            <a:buFont typeface="+mj-lt"/>
+                            <a:buNone/>
+                          </a:pPr>
+                          <a:r>
+                            <a:rPr lang="ru-RU" sz="2000" kern="100" dirty="0">
+                              <a:effectLst/>
+                              <a:latin typeface="Times New Roman" panose="02020603050405020304" pitchFamily="18" charset="0"/>
+                              <a:cs typeface="Times New Roman" panose="02020603050405020304" pitchFamily="18" charset="0"/>
+                            </a:rPr>
+                            <a:t>Регрессия без</a:t>
+                          </a:r>
+                          <a:r>
+                            <a:rPr lang="en-US" sz="2000" kern="100" dirty="0">
+                              <a:effectLst/>
+                              <a:latin typeface="Times New Roman" panose="02020603050405020304" pitchFamily="18" charset="0"/>
+                              <a:cs typeface="Times New Roman" panose="02020603050405020304" pitchFamily="18" charset="0"/>
+                            </a:rPr>
+                            <a:t> </a:t>
+                          </a:r>
+                          <a:r>
+                            <a:rPr lang="ru-RU" sz="2000" kern="100" dirty="0">
+                              <a:effectLst/>
+                              <a:latin typeface="Times New Roman" panose="02020603050405020304" pitchFamily="18" charset="0"/>
+                              <a:cs typeface="Times New Roman" panose="02020603050405020304" pitchFamily="18" charset="0"/>
+                            </a:rPr>
+                            <a:t>нормализации</a:t>
+                          </a:r>
+                          <a:endParaRPr lang="ru-RU" sz="2000" kern="100" dirty="0">
+                            <a:effectLst/>
+                            <a:latin typeface="Times New Roman" panose="02020603050405020304" pitchFamily="18" charset="0"/>
+                            <a:ea typeface="Calibri" panose="020F0502020204030204" pitchFamily="34" charset="0"/>
+                            <a:cs typeface="Times New Roman" panose="02020603050405020304" pitchFamily="18" charset="0"/>
+                          </a:endParaRPr>
+                        </a:p>
+                      </a:txBody>
+                      <a:tcPr marL="68580" marR="68580" marT="0" marB="0" anchor="ctr"/>
+                    </a:tc>
+                    <a:tc>
+                      <a:txBody>
+                        <a:bodyPr/>
+                        <a:lstStyle/>
+                        <a:p>
+                          <a:pPr marL="0" indent="0" algn="l">
+                            <a:lnSpc>
+                              <a:spcPct val="150000"/>
+                            </a:lnSpc>
+                            <a:buFont typeface="Arial" panose="020B0604020202020204" pitchFamily="34" charset="0"/>
+                            <a:buNone/>
+                          </a:pPr>
+                          <a:r>
+                            <a:rPr lang="en-US" sz="2000" kern="100" dirty="0">
+                              <a:effectLst/>
+                              <a:latin typeface="Times New Roman" panose="02020603050405020304" pitchFamily="18" charset="0"/>
+                              <a:cs typeface="Times New Roman" panose="02020603050405020304" pitchFamily="18" charset="0"/>
+                            </a:rPr>
+                            <a:t>-1.97</a:t>
+                          </a:r>
+                          <a:endParaRPr lang="ru-RU" sz="2000" kern="100" dirty="0">
+                            <a:effectLst/>
+                            <a:latin typeface="Times New Roman" panose="02020603050405020304" pitchFamily="18" charset="0"/>
+                            <a:ea typeface="Calibri" panose="020F0502020204030204" pitchFamily="34" charset="0"/>
+                            <a:cs typeface="Times New Roman" panose="02020603050405020304" pitchFamily="18" charset="0"/>
+                          </a:endParaRPr>
+                        </a:p>
+                      </a:txBody>
+                      <a:tcPr marL="68580" marR="68580" marT="0" marB="0" anchor="ctr"/>
+                    </a:tc>
+                    <a:tc>
+                      <a:txBody>
+                        <a:bodyPr/>
+                        <a:lstStyle/>
+                        <a:p>
+                          <a:pPr marL="0" indent="0" algn="l">
+                            <a:lnSpc>
+                              <a:spcPct val="150000"/>
+                            </a:lnSpc>
+                            <a:buFont typeface="Arial" panose="020B0604020202020204" pitchFamily="34" charset="0"/>
+                            <a:buNone/>
+                          </a:pPr>
+                          <a:r>
+                            <a:rPr lang="en-US" sz="2000" kern="100" dirty="0">
+                              <a:effectLst/>
+                              <a:latin typeface="Times New Roman" panose="02020603050405020304" pitchFamily="18" charset="0"/>
+                              <a:cs typeface="Times New Roman" panose="02020603050405020304" pitchFamily="18" charset="0"/>
+                            </a:rPr>
+                            <a:t>1.33</a:t>
+                          </a:r>
+                          <a:endParaRPr lang="ru-RU" sz="2000" kern="100" dirty="0">
+                            <a:effectLst/>
+                            <a:latin typeface="Times New Roman" panose="02020603050405020304" pitchFamily="18" charset="0"/>
+                            <a:ea typeface="Calibri" panose="020F0502020204030204" pitchFamily="34" charset="0"/>
+                            <a:cs typeface="Times New Roman" panose="02020603050405020304" pitchFamily="18" charset="0"/>
+                          </a:endParaRPr>
+                        </a:p>
+                      </a:txBody>
+                      <a:tcPr marL="68580" marR="68580" marT="0" marB="0" anchor="ctr"/>
+                    </a:tc>
+                    <a:extLst>
+                      <a:ext uri="{0D108BD9-81ED-4DB2-BD59-A6C34878D82A}">
+                        <a16:rowId xmlns:a16="http://schemas.microsoft.com/office/drawing/2014/main" val="2144031710"/>
+                      </a:ext>
+                    </a:extLst>
+                  </a:tr>
+                  <a:tr h="609600">
+                    <a:tc>
+                      <a:txBody>
+                        <a:bodyPr/>
+                        <a:lstStyle/>
+                        <a:p>
+                          <a:pPr marL="0" indent="0" algn="l">
+                            <a:lnSpc>
+                              <a:spcPct val="100000"/>
+                            </a:lnSpc>
+                            <a:buFont typeface="+mj-lt"/>
+                            <a:buNone/>
+                          </a:pPr>
+                          <a:r>
+                            <a:rPr lang="ru-RU" sz="2000" kern="100" dirty="0">
+                              <a:effectLst/>
+                              <a:latin typeface="Times New Roman" panose="02020603050405020304" pitchFamily="18" charset="0"/>
+                              <a:cs typeface="Times New Roman" panose="02020603050405020304" pitchFamily="18" charset="0"/>
+                            </a:rPr>
+                            <a:t>Классификация с</a:t>
+                          </a:r>
+                          <a:r>
+                            <a:rPr lang="en-US" sz="2000" kern="100" dirty="0">
+                              <a:effectLst/>
+                              <a:latin typeface="Times New Roman" panose="02020603050405020304" pitchFamily="18" charset="0"/>
+                              <a:cs typeface="Times New Roman" panose="02020603050405020304" pitchFamily="18" charset="0"/>
+                            </a:rPr>
+                            <a:t> </a:t>
+                          </a:r>
+                          <a:r>
+                            <a:rPr lang="ru-RU" sz="2000" kern="100" dirty="0">
+                              <a:effectLst/>
+                              <a:latin typeface="Times New Roman" panose="02020603050405020304" pitchFamily="18" charset="0"/>
+                              <a:cs typeface="Times New Roman" panose="02020603050405020304" pitchFamily="18" charset="0"/>
+                            </a:rPr>
+                            <a:t>нормализацией</a:t>
+                          </a:r>
+                          <a:endParaRPr lang="ru-RU" sz="2000" kern="100" dirty="0">
+                            <a:effectLst/>
+                            <a:latin typeface="Times New Roman" panose="02020603050405020304" pitchFamily="18" charset="0"/>
+                            <a:ea typeface="Calibri" panose="020F0502020204030204" pitchFamily="34" charset="0"/>
+                            <a:cs typeface="Times New Roman" panose="02020603050405020304" pitchFamily="18" charset="0"/>
+                          </a:endParaRPr>
+                        </a:p>
+                      </a:txBody>
+                      <a:tcPr marL="68580" marR="68580" marT="0" marB="0" anchor="ctr"/>
+                    </a:tc>
+                    <a:tc>
+                      <a:txBody>
+                        <a:bodyPr/>
+                        <a:lstStyle/>
+                        <a:p>
+                          <a:pPr marL="0" indent="0" algn="l">
+                            <a:lnSpc>
+                              <a:spcPct val="150000"/>
+                            </a:lnSpc>
+                            <a:buFont typeface="Arial" panose="020B0604020202020204" pitchFamily="34" charset="0"/>
+                            <a:buNone/>
+                          </a:pPr>
+                          <a:r>
+                            <a:rPr lang="en-US" sz="2000" kern="100" dirty="0">
+                              <a:effectLst/>
+                              <a:latin typeface="Times New Roman" panose="02020603050405020304" pitchFamily="18" charset="0"/>
+                              <a:cs typeface="Times New Roman" panose="02020603050405020304" pitchFamily="18" charset="0"/>
+                            </a:rPr>
+                            <a:t>-1.7</a:t>
+                          </a:r>
+                          <a:endParaRPr lang="ru-RU" sz="2000" kern="100" dirty="0">
+                            <a:effectLst/>
+                            <a:latin typeface="Times New Roman" panose="02020603050405020304" pitchFamily="18" charset="0"/>
+                            <a:ea typeface="Calibri" panose="020F0502020204030204" pitchFamily="34" charset="0"/>
+                            <a:cs typeface="Times New Roman" panose="02020603050405020304" pitchFamily="18" charset="0"/>
+                          </a:endParaRPr>
+                        </a:p>
+                      </a:txBody>
+                      <a:tcPr marL="68580" marR="68580" marT="0" marB="0" anchor="ctr"/>
+                    </a:tc>
+                    <a:tc>
+                      <a:txBody>
+                        <a:bodyPr/>
+                        <a:lstStyle/>
+                        <a:p>
+                          <a:pPr marL="0" indent="0" algn="l">
+                            <a:lnSpc>
+                              <a:spcPct val="150000"/>
+                            </a:lnSpc>
+                            <a:buFont typeface="Arial" panose="020B0604020202020204" pitchFamily="34" charset="0"/>
+                            <a:buNone/>
+                          </a:pPr>
+                          <a:r>
+                            <a:rPr lang="en-US" sz="2000" kern="100" dirty="0">
+                              <a:effectLst/>
+                              <a:latin typeface="Times New Roman" panose="02020603050405020304" pitchFamily="18" charset="0"/>
+                              <a:cs typeface="Times New Roman" panose="02020603050405020304" pitchFamily="18" charset="0"/>
+                            </a:rPr>
+                            <a:t>1.38</a:t>
+                          </a:r>
+                          <a:endParaRPr lang="ru-RU" sz="2000" kern="100" dirty="0">
+                            <a:effectLst/>
+                            <a:latin typeface="Times New Roman" panose="02020603050405020304" pitchFamily="18" charset="0"/>
+                            <a:ea typeface="Calibri" panose="020F0502020204030204" pitchFamily="34" charset="0"/>
+                            <a:cs typeface="Times New Roman" panose="02020603050405020304" pitchFamily="18" charset="0"/>
+                          </a:endParaRPr>
+                        </a:p>
+                      </a:txBody>
+                      <a:tcPr marL="68580" marR="68580" marT="0" marB="0" anchor="ctr"/>
+                    </a:tc>
+                    <a:extLst>
+                      <a:ext uri="{0D108BD9-81ED-4DB2-BD59-A6C34878D82A}">
+                        <a16:rowId xmlns:a16="http://schemas.microsoft.com/office/drawing/2014/main" val="1219987144"/>
+                      </a:ext>
+                    </a:extLst>
+                  </a:tr>
+                  <a:tr h="609600">
+                    <a:tc>
+                      <a:txBody>
+                        <a:bodyPr/>
+                        <a:lstStyle/>
+                        <a:p>
+                          <a:pPr marL="0" indent="0" algn="l">
+                            <a:lnSpc>
+                              <a:spcPct val="100000"/>
+                            </a:lnSpc>
+                            <a:buFont typeface="+mj-lt"/>
+                            <a:buNone/>
+                          </a:pPr>
+                          <a:r>
+                            <a:rPr lang="ru-RU" sz="2000" kern="100" dirty="0">
+                              <a:effectLst/>
+                              <a:latin typeface="Times New Roman" panose="02020603050405020304" pitchFamily="18" charset="0"/>
+                              <a:cs typeface="Times New Roman" panose="02020603050405020304" pitchFamily="18" charset="0"/>
+                            </a:rPr>
+                            <a:t>Классификация без</a:t>
+                          </a:r>
+                          <a:r>
+                            <a:rPr lang="en-US" sz="2000" kern="100" dirty="0">
+                              <a:effectLst/>
+                              <a:latin typeface="Times New Roman" panose="02020603050405020304" pitchFamily="18" charset="0"/>
+                              <a:cs typeface="Times New Roman" panose="02020603050405020304" pitchFamily="18" charset="0"/>
+                            </a:rPr>
+                            <a:t> </a:t>
+                          </a:r>
+                          <a:r>
+                            <a:rPr lang="ru-RU" sz="2000" kern="100" dirty="0">
+                              <a:effectLst/>
+                              <a:latin typeface="Times New Roman" panose="02020603050405020304" pitchFamily="18" charset="0"/>
+                              <a:cs typeface="Times New Roman" panose="02020603050405020304" pitchFamily="18" charset="0"/>
+                            </a:rPr>
+                            <a:t>нормализации</a:t>
+                          </a:r>
+                          <a:endParaRPr lang="ru-RU" sz="2000" kern="100" dirty="0">
+                            <a:effectLst/>
+                            <a:latin typeface="Times New Roman" panose="02020603050405020304" pitchFamily="18" charset="0"/>
+                            <a:ea typeface="Calibri" panose="020F0502020204030204" pitchFamily="34" charset="0"/>
+                            <a:cs typeface="Times New Roman" panose="02020603050405020304" pitchFamily="18" charset="0"/>
+                          </a:endParaRPr>
+                        </a:p>
+                      </a:txBody>
+                      <a:tcPr marL="68580" marR="68580" marT="0" marB="0" anchor="ctr"/>
+                    </a:tc>
+                    <a:tc>
+                      <a:txBody>
+                        <a:bodyPr/>
+                        <a:lstStyle/>
+                        <a:p>
+                          <a:pPr marL="0" indent="0" algn="l">
+                            <a:lnSpc>
+                              <a:spcPct val="150000"/>
+                            </a:lnSpc>
+                            <a:buFont typeface="Arial" panose="020B0604020202020204" pitchFamily="34" charset="0"/>
+                            <a:buNone/>
+                          </a:pPr>
+                          <a:r>
+                            <a:rPr lang="en-US" sz="2000" kern="100" dirty="0">
+                              <a:effectLst/>
+                              <a:latin typeface="Times New Roman" panose="02020603050405020304" pitchFamily="18" charset="0"/>
+                              <a:cs typeface="Times New Roman" panose="02020603050405020304" pitchFamily="18" charset="0"/>
+                            </a:rPr>
+                            <a:t>-1.47</a:t>
+                          </a:r>
+                          <a:endParaRPr lang="ru-RU" sz="2000" kern="100" dirty="0">
+                            <a:effectLst/>
+                            <a:latin typeface="Times New Roman" panose="02020603050405020304" pitchFamily="18" charset="0"/>
+                            <a:ea typeface="Calibri" panose="020F0502020204030204" pitchFamily="34" charset="0"/>
+                            <a:cs typeface="Times New Roman" panose="02020603050405020304" pitchFamily="18" charset="0"/>
+                          </a:endParaRPr>
+                        </a:p>
+                      </a:txBody>
+                      <a:tcPr marL="68580" marR="68580" marT="0" marB="0" anchor="ctr"/>
+                    </a:tc>
+                    <a:tc>
+                      <a:txBody>
+                        <a:bodyPr/>
+                        <a:lstStyle/>
+                        <a:p>
+                          <a:pPr marL="0" indent="0" algn="l">
+                            <a:lnSpc>
+                              <a:spcPct val="150000"/>
+                            </a:lnSpc>
+                            <a:buFont typeface="Arial" panose="020B0604020202020204" pitchFamily="34" charset="0"/>
+                            <a:buNone/>
+                          </a:pPr>
+                          <a:r>
+                            <a:rPr lang="en-US" sz="2000" kern="100" dirty="0">
+                              <a:effectLst/>
+                              <a:latin typeface="Times New Roman" panose="02020603050405020304" pitchFamily="18" charset="0"/>
+                              <a:cs typeface="Times New Roman" panose="02020603050405020304" pitchFamily="18" charset="0"/>
+                            </a:rPr>
+                            <a:t>1.34</a:t>
+                          </a:r>
+                          <a:endParaRPr lang="ru-RU" sz="2000" kern="100" dirty="0">
+                            <a:effectLst/>
+                            <a:latin typeface="Times New Roman" panose="02020603050405020304" pitchFamily="18" charset="0"/>
+                            <a:ea typeface="Calibri" panose="020F0502020204030204" pitchFamily="34" charset="0"/>
+                            <a:cs typeface="Times New Roman" panose="02020603050405020304" pitchFamily="18" charset="0"/>
+                          </a:endParaRPr>
+                        </a:p>
+                      </a:txBody>
+                      <a:tcPr marL="68580" marR="68580" marT="0" marB="0" anchor="ctr"/>
+                    </a:tc>
+                    <a:extLst>
+                      <a:ext uri="{0D108BD9-81ED-4DB2-BD59-A6C34878D82A}">
+                        <a16:rowId xmlns:a16="http://schemas.microsoft.com/office/drawing/2014/main" val="1312247034"/>
+                      </a:ext>
+                    </a:extLst>
+                  </a:tr>
+                </a:tbl>
+              </a:graphicData>
+            </a:graphic>
+          </p:graphicFrame>
+        </mc:Fallback>
+      </mc:AlternateContent>
+      <p:sp>
+        <p:nvSpPr>
+          <p:cNvPr id="8" name="Заголовок 1">
+            <a:extLst>
+              <a:ext uri="{FF2B5EF4-FFF2-40B4-BE49-F238E27FC236}">
+                <a16:creationId xmlns:a16="http://schemas.microsoft.com/office/drawing/2014/main" id="{CE56348C-CB09-FCCC-273D-572BD1B94270}"/>
+              </a:ext>
+            </a:extLst>
+          </p:cNvPr>
+          <p:cNvSpPr>
+            <a:spLocks noGrp="1"/>
+          </p:cNvSpPr>
+          <p:nvPr>
+            <p:ph type="title"/>
+          </p:nvPr>
+        </p:nvSpPr>
+        <p:spPr>
+          <a:xfrm>
+            <a:off x="1062447" y="105066"/>
+            <a:ext cx="10067108" cy="885857"/>
+          </a:xfrm>
+        </p:spPr>
+        <p:txBody>
+          <a:bodyPr>
+            <a:normAutofit/>
+          </a:bodyPr>
+          <a:lstStyle/>
+          <a:p>
+            <a:pPr algn="ctr"/>
+            <a:r>
+              <a:rPr lang="ru-RU" sz="3600" b="1" kern="1200" dirty="0">
+                <a:solidFill>
+                  <a:srgbClr val="000000"/>
+                </a:solidFill>
+                <a:effectLst/>
+                <a:latin typeface="Times New Roman" panose="02020603050405020304" pitchFamily="18" charset="0"/>
+                <a:ea typeface="+mj-ea"/>
+                <a:cs typeface="Times New Roman" panose="02020603050405020304" pitchFamily="18" charset="0"/>
+              </a:rPr>
+              <a:t>Результаты</a:t>
+            </a:r>
+            <a:endParaRPr lang="ru-RU" sz="3600" b="1" dirty="0">
+              <a:latin typeface="Times New Roman" panose="02020603050405020304" pitchFamily="18" charset="0"/>
+              <a:cs typeface="Times New Roman" panose="02020603050405020304" pitchFamily="18" charset="0"/>
+            </a:endParaRPr>
+          </a:p>
+        </p:txBody>
+      </p:sp>
+      <p:grpSp>
+        <p:nvGrpSpPr>
+          <p:cNvPr id="10" name="Группа 9">
+            <a:extLst>
+              <a:ext uri="{FF2B5EF4-FFF2-40B4-BE49-F238E27FC236}">
+                <a16:creationId xmlns:a16="http://schemas.microsoft.com/office/drawing/2014/main" id="{5637F0C7-5DCB-8360-EC54-16B497E54CFC}"/>
+              </a:ext>
+            </a:extLst>
+          </p:cNvPr>
+          <p:cNvGrpSpPr/>
+          <p:nvPr/>
+        </p:nvGrpSpPr>
+        <p:grpSpPr>
+          <a:xfrm>
+            <a:off x="293213" y="832390"/>
+            <a:ext cx="5676514" cy="5460838"/>
+            <a:chOff x="293213" y="832390"/>
+            <a:chExt cx="5676514" cy="5460838"/>
+          </a:xfrm>
+        </p:grpSpPr>
+        <p:pic>
+          <p:nvPicPr>
+            <p:cNvPr id="3" name="Рисунок 2">
+              <a:extLst>
+                <a:ext uri="{FF2B5EF4-FFF2-40B4-BE49-F238E27FC236}">
+                  <a16:creationId xmlns:a16="http://schemas.microsoft.com/office/drawing/2014/main" id="{8D073323-2619-6AB3-359F-6DC34F289E0E}"/>
+                </a:ext>
+              </a:extLst>
+            </p:cNvPr>
+            <p:cNvPicPr>
+              <a:picLocks noChangeAspect="1"/>
+            </p:cNvPicPr>
+            <p:nvPr/>
+          </p:nvPicPr>
+          <p:blipFill>
+            <a:blip r:embed="rId3"/>
+            <a:stretch>
+              <a:fillRect/>
+            </a:stretch>
+          </p:blipFill>
+          <p:spPr>
+            <a:xfrm>
+              <a:off x="567533" y="832390"/>
+              <a:ext cx="4796948" cy="4814507"/>
+            </a:xfrm>
+            <a:prstGeom prst="rect">
+              <a:avLst/>
+            </a:prstGeom>
+          </p:spPr>
+        </p:pic>
+        <p:sp>
+          <p:nvSpPr>
+            <p:cNvPr id="9" name="TextBox 8">
+              <a:extLst>
+                <a:ext uri="{FF2B5EF4-FFF2-40B4-BE49-F238E27FC236}">
+                  <a16:creationId xmlns:a16="http://schemas.microsoft.com/office/drawing/2014/main" id="{8E487A75-64D7-C4D0-984B-C81B8B1FA033}"/>
+                </a:ext>
+              </a:extLst>
+            </p:cNvPr>
+            <p:cNvSpPr txBox="1"/>
+            <p:nvPr/>
+          </p:nvSpPr>
+          <p:spPr>
+            <a:xfrm>
+              <a:off x="293213" y="5646897"/>
+              <a:ext cx="5676514" cy="646331"/>
+            </a:xfrm>
+            <a:prstGeom prst="rect">
+              <a:avLst/>
+            </a:prstGeom>
+            <a:noFill/>
+          </p:spPr>
+          <p:txBody>
+            <a:bodyPr wrap="square" rtlCol="0">
+              <a:spAutoFit/>
+            </a:bodyPr>
+            <a:lstStyle/>
+            <a:p>
+              <a:pPr algn="ctr"/>
+              <a:r>
+                <a:rPr lang="ru-RU" dirty="0">
+                  <a:latin typeface="Times New Roman" panose="02020603050405020304" pitchFamily="18" charset="0"/>
+                  <a:cs typeface="Times New Roman" panose="02020603050405020304" pitchFamily="18" charset="0"/>
+                </a:rPr>
+                <a:t>Рис. 8. Р</a:t>
+              </a:r>
+              <a:r>
+                <a:rPr lang="ru-RU" sz="1800" dirty="0">
+                  <a:effectLst/>
+                  <a:latin typeface="Times New Roman" panose="02020603050405020304" pitchFamily="18" charset="0"/>
+                  <a:ea typeface="Times New Roman" panose="02020603050405020304" pitchFamily="18" charset="0"/>
+                  <a:cs typeface="Times New Roman" panose="02020603050405020304" pitchFamily="18" charset="0"/>
+                </a:rPr>
+                <a:t>азность между интенсивностью пикселей на срезе оригинального изображения и рассматриваемого </a:t>
+              </a:r>
+              <a:endParaRPr lang="ru-RU" dirty="0">
+                <a:latin typeface="Times New Roman" panose="02020603050405020304" pitchFamily="18" charset="0"/>
+                <a:cs typeface="Times New Roman" panose="02020603050405020304" pitchFamily="18" charset="0"/>
+              </a:endParaRPr>
+            </a:p>
+          </p:txBody>
+        </p:sp>
+      </p:grpSp>
+    </p:spTree>
+    <p:extLst>
+      <p:ext uri="{BB962C8B-B14F-4D97-AF65-F5344CB8AC3E}">
+        <p14:creationId xmlns:p14="http://schemas.microsoft.com/office/powerpoint/2010/main" val="1879344607"/>
+      </p:ext>
+    </p:extLst>
+  </p:cSld>
+  <p:clrMapOvr>
+    <a:masterClrMapping/>
+  </p:clrMapOvr>
+</p:sld>
+</file>
+
+<file path=ppt/slides/slide9.xml><?xml version="1.0" encoding="utf-8"?>
+<p:sld xmlns:a="http://schemas.openxmlformats.org/drawingml/2006/main" xmlns:r="http://schemas.openxmlformats.org/officeDocument/2006/relationships" xmlns:p="http://schemas.openxmlformats.org/presentationml/2006/main">
+  <p:cSld>
+    <p:spTree>
+      <p:nvGrpSpPr>
+        <p:cNvPr id="1" name=""/>
+        <p:cNvGrpSpPr/>
+        <p:nvPr/>
+      </p:nvGrpSpPr>
+      <p:grpSpPr>
+        <a:xfrm>
+          <a:off x="0" y="0"/>
+          <a:ext cx="0" cy="0"/>
+          <a:chOff x="0" y="0"/>
+          <a:chExt cx="0" cy="0"/>
+        </a:xfrm>
+      </p:grpSpPr>
+      <p:sp>
+        <p:nvSpPr>
+          <p:cNvPr id="7" name="Номер слайда 6">
+            <a:extLst>
+              <a:ext uri="{FF2B5EF4-FFF2-40B4-BE49-F238E27FC236}">
+                <a16:creationId xmlns:a16="http://schemas.microsoft.com/office/drawing/2014/main" id="{1F92D821-E28A-5FDA-0B87-E79FDB88A215}"/>
+              </a:ext>
+            </a:extLst>
+          </p:cNvPr>
+          <p:cNvSpPr>
+            <a:spLocks noGrp="1"/>
+          </p:cNvSpPr>
+          <p:nvPr>
+            <p:ph type="sldNum" sz="quarter" idx="12"/>
+          </p:nvPr>
+        </p:nvSpPr>
+        <p:spPr/>
+        <p:txBody>
+          <a:bodyPr/>
+          <a:lstStyle/>
+          <a:p>
+            <a:fld id="{36B25E5C-C684-4992-99DD-DF99FD03ACF3}" type="slidenum">
+              <a:rPr lang="ru-RU" smtClean="0"/>
+              <a:t>9</a:t>
+            </a:fld>
+            <a:endParaRPr lang="ru-RU" dirty="0"/>
+          </a:p>
+        </p:txBody>
+      </p:sp>
       <p:graphicFrame>
         <p:nvGraphicFramePr>
           <p:cNvPr id="2" name="Таблица 1">
@@ -7796,13 +9879,13 @@
           <p:nvPr>
             <p:extLst>
               <p:ext uri="{D42A27DB-BD31-4B8C-83A1-F6EECF244321}">
-                <p14:modId xmlns:p14="http://schemas.microsoft.com/office/powerpoint/2010/main" val="587196780"/>
+                <p14:modId xmlns:p14="http://schemas.microsoft.com/office/powerpoint/2010/main" val="3723414121"/>
               </p:ext>
             </p:extLst>
           </p:nvPr>
         </p:nvGraphicFramePr>
         <p:xfrm>
-          <a:off x="1103501" y="1557432"/>
+          <a:off x="1103501" y="1801272"/>
           <a:ext cx="9984998" cy="3017520"/>
         </p:xfrm>
         <a:graphic>
@@ -9239,12 +11322,12 @@
                     <a:p>
                       <a:pPr algn="l"/>
                       <a:r>
-                        <a:rPr lang="ru-RU" sz="1800">
+                        <a:rPr lang="ru-RU" sz="1800" dirty="0">
                           <a:effectLst/>
                         </a:rPr>
                         <a:t>0.864</a:t>
                       </a:r>
-                      <a:endParaRPr lang="ru-RU" sz="1800">
+                      <a:endParaRPr lang="ru-RU" sz="1800" dirty="0">
                         <a:effectLst/>
                         <a:latin typeface="Times New Roman" panose="02020603050405020304" pitchFamily="18" charset="0"/>
                         <a:ea typeface="Times New Roman" panose="02020603050405020304" pitchFamily="18" charset="0"/>
@@ -10165,113 +12248,6 @@
     <p:extLst>
       <p:ext uri="{BB962C8B-B14F-4D97-AF65-F5344CB8AC3E}">
         <p14:creationId xmlns:p14="http://schemas.microsoft.com/office/powerpoint/2010/main" val="3111353122"/>
-      </p:ext>
-    </p:extLst>
-  </p:cSld>
-  <p:clrMapOvr>
-    <a:masterClrMapping/>
-  </p:clrMapOvr>
-</p:sld>
-</file>
-
-<file path=ppt/slides/slide9.xml><?xml version="1.0" encoding="utf-8"?>
-<p:sld xmlns:a="http://schemas.openxmlformats.org/drawingml/2006/main" xmlns:r="http://schemas.openxmlformats.org/officeDocument/2006/relationships" xmlns:p="http://schemas.openxmlformats.org/presentationml/2006/main">
-  <p:cSld>
-    <p:spTree>
-      <p:nvGrpSpPr>
-        <p:cNvPr id="1" name=""/>
-        <p:cNvGrpSpPr/>
-        <p:nvPr/>
-      </p:nvGrpSpPr>
-      <p:grpSpPr>
-        <a:xfrm>
-          <a:off x="0" y="0"/>
-          <a:ext cx="0" cy="0"/>
-          <a:chOff x="0" y="0"/>
-          <a:chExt cx="0" cy="0"/>
-        </a:xfrm>
-      </p:grpSpPr>
-      <p:sp>
-        <p:nvSpPr>
-          <p:cNvPr id="7" name="Номер слайда 6">
-            <a:extLst>
-              <a:ext uri="{FF2B5EF4-FFF2-40B4-BE49-F238E27FC236}">
-                <a16:creationId xmlns:a16="http://schemas.microsoft.com/office/drawing/2014/main" id="{1F92D821-E28A-5FDA-0B87-E79FDB88A215}"/>
-              </a:ext>
-            </a:extLst>
-          </p:cNvPr>
-          <p:cNvSpPr>
-            <a:spLocks noGrp="1"/>
-          </p:cNvSpPr>
-          <p:nvPr>
-            <p:ph type="sldNum" sz="quarter" idx="12"/>
-          </p:nvPr>
-        </p:nvSpPr>
-        <p:spPr/>
-        <p:txBody>
-          <a:bodyPr/>
-          <a:lstStyle/>
-          <a:p>
-            <a:fld id="{36B25E5C-C684-4992-99DD-DF99FD03ACF3}" type="slidenum">
-              <a:rPr lang="ru-RU" smtClean="0"/>
-              <a:t>9</a:t>
-            </a:fld>
-            <a:endParaRPr lang="ru-RU" dirty="0"/>
-          </a:p>
-        </p:txBody>
-      </p:sp>
-      <p:sp>
-        <p:nvSpPr>
-          <p:cNvPr id="25" name="Заголовок 1">
-            <a:extLst>
-              <a:ext uri="{FF2B5EF4-FFF2-40B4-BE49-F238E27FC236}">
-                <a16:creationId xmlns:a16="http://schemas.microsoft.com/office/drawing/2014/main" id="{F580BB72-6A76-5C57-51F7-FA1DBBFB9442}"/>
-              </a:ext>
-            </a:extLst>
-          </p:cNvPr>
-          <p:cNvSpPr>
-            <a:spLocks noGrp="1"/>
-          </p:cNvSpPr>
-          <p:nvPr>
-            <p:ph type="title"/>
-          </p:nvPr>
-        </p:nvSpPr>
-        <p:spPr>
-          <a:xfrm>
-            <a:off x="1062447" y="365125"/>
-            <a:ext cx="10067108" cy="885857"/>
-          </a:xfrm>
-        </p:spPr>
-        <p:txBody>
-          <a:bodyPr>
-            <a:normAutofit/>
-          </a:bodyPr>
-          <a:lstStyle/>
-          <a:p>
-            <a:pPr algn="ctr"/>
-            <a:r>
-              <a:rPr lang="ru-RU" sz="3600" b="1" kern="1200" dirty="0">
-                <a:solidFill>
-                  <a:srgbClr val="000000"/>
-                </a:solidFill>
-                <a:effectLst/>
-                <a:latin typeface="Times New Roman" panose="02020603050405020304" pitchFamily="18" charset="0"/>
-                <a:ea typeface="+mj-ea"/>
-                <a:cs typeface="Times New Roman" panose="02020603050405020304" pitchFamily="18" charset="0"/>
-              </a:rPr>
-              <a:t>Результаты</a:t>
-            </a:r>
-            <a:endParaRPr lang="ru-RU" sz="3600" b="1" dirty="0">
-              <a:latin typeface="Times New Roman" panose="02020603050405020304" pitchFamily="18" charset="0"/>
-              <a:cs typeface="Times New Roman" panose="02020603050405020304" pitchFamily="18" charset="0"/>
-            </a:endParaRPr>
-          </a:p>
-        </p:txBody>
-      </p:sp>
-    </p:spTree>
-    <p:extLst>
-      <p:ext uri="{BB962C8B-B14F-4D97-AF65-F5344CB8AC3E}">
-        <p14:creationId xmlns:p14="http://schemas.microsoft.com/office/powerpoint/2010/main" val="1879344607"/>
       </p:ext>
     </p:extLst>
   </p:cSld>

--- a/text/ВКР_преза.pptx
+++ b/text/ВКР_преза.pptx
@@ -5980,8 +5980,8 @@
           </a:p>
         </p:txBody>
       </p:sp>
-      <mc:AlternateContent xmlns:mc="http://schemas.openxmlformats.org/markup-compatibility/2006" xmlns:a14="http://schemas.microsoft.com/office/drawing/2010/main">
-        <mc:Choice Requires="a14">
+      <mc:AlternateContent xmlns:mc="http://schemas.openxmlformats.org/markup-compatibility/2006">
+        <mc:Choice xmlns:a14="http://schemas.microsoft.com/office/drawing/2010/main" Requires="a14">
           <p:graphicFrame>
             <p:nvGraphicFramePr>
               <p:cNvPr id="2" name="Таблица 2">
@@ -5997,14 +5997,14 @@
               <p:nvPr>
                 <p:extLst>
                   <p:ext uri="{D42A27DB-BD31-4B8C-83A1-F6EECF244321}">
-                    <p14:modId xmlns:p14="http://schemas.microsoft.com/office/powerpoint/2010/main" val="3523328057"/>
+                    <p14:modId xmlns:p14="http://schemas.microsoft.com/office/powerpoint/2010/main" val="3645787294"/>
                   </p:ext>
                 </p:extLst>
               </p:nvPr>
             </p:nvGraphicFramePr>
             <p:xfrm>
               <a:off x="353494" y="1996963"/>
-              <a:ext cx="6141310" cy="2994343"/>
+              <a:ext cx="6141310" cy="2637028"/>
             </p:xfrm>
             <a:graphic>
               <a:graphicData uri="http://schemas.openxmlformats.org/drawingml/2006/table">
@@ -6013,14 +6013,14 @@
                     <a:tableStyleId>{2D5ABB26-0587-4C30-8999-92F81FD0307C}</a:tableStyleId>
                   </a:tblPr>
                   <a:tblGrid>
-                    <a:gridCol w="2261519">
+                    <a:gridCol w="2247093">
                       <a:extLst>
                         <a:ext uri="{9D8B030D-6E8A-4147-A177-3AD203B41FA5}">
                           <a16:colId xmlns:a16="http://schemas.microsoft.com/office/drawing/2014/main" val="2433080646"/>
                         </a:ext>
                       </a:extLst>
                     </a:gridCol>
-                    <a:gridCol w="3879791">
+                    <a:gridCol w="3894217">
                       <a:extLst>
                         <a:ext uri="{9D8B030D-6E8A-4147-A177-3AD203B41FA5}">
                           <a16:colId xmlns:a16="http://schemas.microsoft.com/office/drawing/2014/main" val="2758475671"/>
@@ -7010,7 +7010,7 @@
             </a:graphic>
           </p:graphicFrame>
         </mc:Choice>
-        <mc:Fallback xmlns="">
+        <mc:Fallback>
           <p:graphicFrame>
             <p:nvGraphicFramePr>
               <p:cNvPr id="2" name="Таблица 2">
@@ -7026,14 +7026,14 @@
               <p:nvPr>
                 <p:extLst>
                   <p:ext uri="{D42A27DB-BD31-4B8C-83A1-F6EECF244321}">
-                    <p14:modId xmlns:p14="http://schemas.microsoft.com/office/powerpoint/2010/main" val="3523328057"/>
+                    <p14:modId xmlns:p14="http://schemas.microsoft.com/office/powerpoint/2010/main" val="3645787294"/>
                   </p:ext>
                 </p:extLst>
               </p:nvPr>
             </p:nvGraphicFramePr>
             <p:xfrm>
               <a:off x="353494" y="1996963"/>
-              <a:ext cx="6141310" cy="2626234"/>
+              <a:ext cx="6141310" cy="2637028"/>
             </p:xfrm>
             <a:graphic>
               <a:graphicData uri="http://schemas.openxmlformats.org/drawingml/2006/table">
@@ -7042,14 +7042,14 @@
                     <a:tableStyleId>{2D5ABB26-0587-4C30-8999-92F81FD0307C}</a:tableStyleId>
                   </a:tblPr>
                   <a:tblGrid>
-                    <a:gridCol w="2261519">
+                    <a:gridCol w="2247093">
                       <a:extLst>
                         <a:ext uri="{9D8B030D-6E8A-4147-A177-3AD203B41FA5}">
                           <a16:colId xmlns:a16="http://schemas.microsoft.com/office/drawing/2014/main" val="2433080646"/>
                         </a:ext>
                       </a:extLst>
                     </a:gridCol>
-                    <a:gridCol w="3879791">
+                    <a:gridCol w="3894217">
                       <a:extLst>
                         <a:ext uri="{9D8B030D-6E8A-4147-A177-3AD203B41FA5}">
                           <a16:colId xmlns:a16="http://schemas.microsoft.com/office/drawing/2014/main" val="2758475671"/>
@@ -7172,7 +7172,7 @@
                       </a:ext>
                     </a:extLst>
                   </a:tr>
-                  <a:tr h="1084517">
+                  <a:tr h="1089914">
                     <a:tc>
                       <a:txBody>
                         <a:bodyPr/>
@@ -7275,7 +7275,7 @@
                         <a:blipFill>
                           <a:blip r:embed="rId2"/>
                           <a:stretch>
-                            <a:fillRect l="-58556" t="-45810" r="-314" b="-100559"/>
+                            <a:fillRect l="-57813" t="-45556" r="-313" b="-100556"/>
                           </a:stretch>
                         </a:blipFill>
                       </a:tcPr>
@@ -7286,7 +7286,7 @@
                       </a:ext>
                     </a:extLst>
                   </a:tr>
-                  <a:tr h="1084517">
+                  <a:tr h="1089914">
                     <a:tc>
                       <a:txBody>
                         <a:bodyPr/>
@@ -7389,7 +7389,7 @@
                         <a:blipFill>
                           <a:blip r:embed="rId2"/>
                           <a:stretch>
-                            <a:fillRect l="-58556" t="-146629" r="-314" b="-1124"/>
+                            <a:fillRect l="-57813" t="-146369" r="-313" b="-1117"/>
                           </a:stretch>
                         </a:blipFill>
                       </a:tcPr>
@@ -7484,7 +7484,7 @@
                 <a:latin typeface="Times New Roman" panose="02020603050405020304" pitchFamily="18" charset="0"/>
                 <a:cs typeface="Times New Roman" panose="02020603050405020304" pitchFamily="18" charset="0"/>
               </a:rPr>
-              <a:t>Уменьшение шага обучения каждые 4 эпохи: в 10 раз</a:t>
+              <a:t>Уменьшение шага обучения каждые 5 эпох: в 10 раз</a:t>
             </a:r>
           </a:p>
           <a:p>
@@ -7497,7 +7497,7 @@
                 <a:latin typeface="Times New Roman" panose="02020603050405020304" pitchFamily="18" charset="0"/>
                 <a:cs typeface="Times New Roman" panose="02020603050405020304" pitchFamily="18" charset="0"/>
               </a:rPr>
-              <a:t>Количество эпох: 12</a:t>
+              <a:t>Количество эпох: 15</a:t>
             </a:r>
           </a:p>
         </p:txBody>
@@ -7835,8 +7835,8 @@
           </a:p>
         </p:txBody>
       </p:sp>
-      <mc:AlternateContent xmlns:mc="http://schemas.openxmlformats.org/markup-compatibility/2006">
-        <mc:Choice xmlns:a14="http://schemas.microsoft.com/office/drawing/2010/main" Requires="a14">
+      <mc:AlternateContent xmlns:mc="http://schemas.openxmlformats.org/markup-compatibility/2006" xmlns:a14="http://schemas.microsoft.com/office/drawing/2010/main">
+        <mc:Choice Requires="a14">
           <p:graphicFrame>
             <p:nvGraphicFramePr>
               <p:cNvPr id="4" name="Таблица 3">
@@ -7942,6 +7942,7 @@
                                 <m:r>
                                   <a:rPr lang="ru-RU" sz="2000" kern="100">
                                     <a:effectLst/>
+                                    <a:latin typeface="Cambria Math" panose="02040503050406030204" pitchFamily="18" charset="0"/>
                                   </a:rPr>
                                   <m:t>𝜇</m:t>
                                 </m:r>
@@ -8770,7 +8771,7 @@
             </a:graphic>
           </p:graphicFrame>
         </mc:Choice>
-        <mc:Fallback>
+        <mc:Fallback xmlns="">
           <p:graphicFrame>
             <p:nvGraphicFramePr>
               <p:cNvPr id="4" name="Таблица 3">
